--- a/1d2d/presentations/91-avtcore-flexible-fec.pptx
+++ b/1d2d/presentations/91-avtcore-flexible-fec.pptx
@@ -7,6 +7,15 @@
   <p:sldIdLst>
     <p:sldId id="256" r:id="rId2"/>
     <p:sldId id="257" r:id="rId3"/>
+    <p:sldId id="258" r:id="rId4"/>
+    <p:sldId id="259" r:id="rId5"/>
+    <p:sldId id="260" r:id="rId6"/>
+    <p:sldId id="262" r:id="rId7"/>
+    <p:sldId id="261" r:id="rId8"/>
+    <p:sldId id="263" r:id="rId9"/>
+    <p:sldId id="264" r:id="rId10"/>
+    <p:sldId id="265" r:id="rId11"/>
+    <p:sldId id="266" r:id="rId12"/>
   </p:sldIdLst>
   <p:sldSz cx="9144000" cy="6858000" type="screen4x3"/>
   <p:notesSz cx="6858000" cy="9144000"/>
@@ -289,7 +298,7 @@
           <a:p>
             <a:fld id="{01E095AD-9D4A-054D-A7BB-31CCE71EAB80}" type="datetimeFigureOut">
               <a:rPr lang="en-US" smtClean="0"/>
-              <a:t>02/11/14</a:t>
+              <a:t>04/11/14</a:t>
             </a:fld>
             <a:endParaRPr lang="en-US"/>
           </a:p>
@@ -459,7 +468,7 @@
           <a:p>
             <a:fld id="{01E095AD-9D4A-054D-A7BB-31CCE71EAB80}" type="datetimeFigureOut">
               <a:rPr lang="en-US" smtClean="0"/>
-              <a:t>02/11/14</a:t>
+              <a:t>04/11/14</a:t>
             </a:fld>
             <a:endParaRPr lang="en-US"/>
           </a:p>
@@ -639,7 +648,7 @@
           <a:p>
             <a:fld id="{01E095AD-9D4A-054D-A7BB-31CCE71EAB80}" type="datetimeFigureOut">
               <a:rPr lang="en-US" smtClean="0"/>
-              <a:t>02/11/14</a:t>
+              <a:t>04/11/14</a:t>
             </a:fld>
             <a:endParaRPr lang="en-US"/>
           </a:p>
@@ -809,7 +818,7 @@
           <a:p>
             <a:fld id="{01E095AD-9D4A-054D-A7BB-31CCE71EAB80}" type="datetimeFigureOut">
               <a:rPr lang="en-US" smtClean="0"/>
-              <a:t>02/11/14</a:t>
+              <a:t>04/11/14</a:t>
             </a:fld>
             <a:endParaRPr lang="en-US"/>
           </a:p>
@@ -1055,7 +1064,7 @@
           <a:p>
             <a:fld id="{01E095AD-9D4A-054D-A7BB-31CCE71EAB80}" type="datetimeFigureOut">
               <a:rPr lang="en-US" smtClean="0"/>
-              <a:t>02/11/14</a:t>
+              <a:t>04/11/14</a:t>
             </a:fld>
             <a:endParaRPr lang="en-US"/>
           </a:p>
@@ -1343,7 +1352,7 @@
           <a:p>
             <a:fld id="{01E095AD-9D4A-054D-A7BB-31CCE71EAB80}" type="datetimeFigureOut">
               <a:rPr lang="en-US" smtClean="0"/>
-              <a:t>02/11/14</a:t>
+              <a:t>04/11/14</a:t>
             </a:fld>
             <a:endParaRPr lang="en-US"/>
           </a:p>
@@ -1765,7 +1774,7 @@
           <a:p>
             <a:fld id="{01E095AD-9D4A-054D-A7BB-31CCE71EAB80}" type="datetimeFigureOut">
               <a:rPr lang="en-US" smtClean="0"/>
-              <a:t>02/11/14</a:t>
+              <a:t>04/11/14</a:t>
             </a:fld>
             <a:endParaRPr lang="en-US"/>
           </a:p>
@@ -1883,7 +1892,7 @@
           <a:p>
             <a:fld id="{01E095AD-9D4A-054D-A7BB-31CCE71EAB80}" type="datetimeFigureOut">
               <a:rPr lang="en-US" smtClean="0"/>
-              <a:t>02/11/14</a:t>
+              <a:t>04/11/14</a:t>
             </a:fld>
             <a:endParaRPr lang="en-US"/>
           </a:p>
@@ -1978,7 +1987,7 @@
           <a:p>
             <a:fld id="{01E095AD-9D4A-054D-A7BB-31CCE71EAB80}" type="datetimeFigureOut">
               <a:rPr lang="en-US" smtClean="0"/>
-              <a:t>02/11/14</a:t>
+              <a:t>04/11/14</a:t>
             </a:fld>
             <a:endParaRPr lang="en-US"/>
           </a:p>
@@ -2255,7 +2264,7 @@
           <a:p>
             <a:fld id="{01E095AD-9D4A-054D-A7BB-31CCE71EAB80}" type="datetimeFigureOut">
               <a:rPr lang="en-US" smtClean="0"/>
-              <a:t>02/11/14</a:t>
+              <a:t>04/11/14</a:t>
             </a:fld>
             <a:endParaRPr lang="en-US"/>
           </a:p>
@@ -2512,7 +2521,7 @@
           <a:p>
             <a:fld id="{01E095AD-9D4A-054D-A7BB-31CCE71EAB80}" type="datetimeFigureOut">
               <a:rPr lang="en-US" smtClean="0"/>
-              <a:t>02/11/14</a:t>
+              <a:t>04/11/14</a:t>
             </a:fld>
             <a:endParaRPr lang="en-US"/>
           </a:p>
@@ -2730,7 +2739,7 @@
           <a:p>
             <a:fld id="{01E095AD-9D4A-054D-A7BB-31CCE71EAB80}" type="datetimeFigureOut">
               <a:rPr lang="en-US" smtClean="0"/>
-              <a:t>02/11/14</a:t>
+              <a:t>04/11/14</a:t>
             </a:fld>
             <a:endParaRPr lang="en-US"/>
           </a:p>
@@ -3235,6 +3244,344 @@
 </p:sld>
 </file>
 
+<file path=ppt/slides/slide10.xml><?xml version="1.0" encoding="utf-8"?>
+<p:sld xmlns:a="http://schemas.openxmlformats.org/drawingml/2006/main" xmlns:r="http://schemas.openxmlformats.org/officeDocument/2006/relationships" xmlns:p="http://schemas.openxmlformats.org/presentationml/2006/main">
+  <p:cSld>
+    <p:spTree>
+      <p:nvGrpSpPr>
+        <p:cNvPr id="1" name=""/>
+        <p:cNvGrpSpPr/>
+        <p:nvPr/>
+      </p:nvGrpSpPr>
+      <p:grpSpPr>
+        <a:xfrm>
+          <a:off x="0" y="0"/>
+          <a:ext cx="0" cy="0"/>
+          <a:chOff x="0" y="0"/>
+          <a:chExt cx="0" cy="0"/>
+        </a:xfrm>
+      </p:grpSpPr>
+      <p:sp>
+        <p:nvSpPr>
+          <p:cNvPr id="2" name="Title 1"/>
+          <p:cNvSpPr>
+            <a:spLocks noGrp="1"/>
+          </p:cNvSpPr>
+          <p:nvPr>
+            <p:ph type="title"/>
+          </p:nvPr>
+        </p:nvSpPr>
+        <p:spPr/>
+        <p:txBody>
+          <a:bodyPr/>
+          <a:lstStyle/>
+          <a:p>
+            <a:r>
+              <a:rPr lang="en-US" dirty="0" smtClean="0"/>
+              <a:t>MSK values (2/2)</a:t>
+            </a:r>
+            <a:endParaRPr lang="en-US" dirty="0"/>
+          </a:p>
+        </p:txBody>
+      </p:sp>
+      <p:sp>
+        <p:nvSpPr>
+          <p:cNvPr id="3" name="Content Placeholder 2"/>
+          <p:cNvSpPr>
+            <a:spLocks noGrp="1"/>
+          </p:cNvSpPr>
+          <p:nvPr>
+            <p:ph idx="1"/>
+          </p:nvPr>
+        </p:nvSpPr>
+        <p:spPr/>
+        <p:txBody>
+          <a:bodyPr>
+            <a:normAutofit fontScale="85000" lnSpcReduction="20000"/>
+          </a:bodyPr>
+          <a:lstStyle/>
+          <a:p>
+            <a:r>
+              <a:rPr lang="en-US" dirty="0">
+                <a:sym typeface="Wingdings"/>
+              </a:rPr>
+              <a:t>M=0, N=0  fixed values indicated in SDP</a:t>
+            </a:r>
+          </a:p>
+          <a:p>
+            <a:endParaRPr lang="en-US" dirty="0" smtClean="0"/>
+          </a:p>
+          <a:p>
+            <a:r>
+              <a:rPr lang="en-US" dirty="0" smtClean="0"/>
+              <a:t>M&gt;0, N=0 </a:t>
+            </a:r>
+            <a:r>
+              <a:rPr lang="en-US" dirty="0" smtClean="0">
+                <a:sym typeface="Wingdings"/>
+              </a:rPr>
+              <a:t> non-interleaved of M packets starting from </a:t>
+            </a:r>
+            <a:r>
+              <a:rPr lang="en-US" dirty="0" err="1" smtClean="0">
+                <a:sym typeface="Wingdings"/>
+              </a:rPr>
+              <a:t>SN_base</a:t>
+            </a:r>
+            <a:endParaRPr lang="en-US" dirty="0" smtClean="0">
+              <a:sym typeface="Wingdings"/>
+            </a:endParaRPr>
+          </a:p>
+          <a:p>
+            <a:endParaRPr lang="en-US" dirty="0" smtClean="0">
+              <a:sym typeface="Wingdings"/>
+            </a:endParaRPr>
+          </a:p>
+          <a:p>
+            <a:pPr lvl="1"/>
+            <a:r>
+              <a:rPr lang="en-US" dirty="0" smtClean="0">
+                <a:latin typeface="Consolas"/>
+                <a:cs typeface="Consolas"/>
+                <a:sym typeface="Wingdings"/>
+              </a:rPr>
+              <a:t>FEC </a:t>
+            </a:r>
+            <a:r>
+              <a:rPr lang="en-US" dirty="0">
+                <a:latin typeface="Consolas"/>
+                <a:cs typeface="Consolas"/>
+                <a:sym typeface="Wingdings"/>
+              </a:rPr>
+              <a:t>= SN, SN+1, SN+2</a:t>
+            </a:r>
+            <a:r>
+              <a:rPr lang="en-US" dirty="0" smtClean="0">
+                <a:latin typeface="Consolas"/>
+                <a:cs typeface="Consolas"/>
+                <a:sym typeface="Wingdings"/>
+              </a:rPr>
+              <a:t>,…, </a:t>
+            </a:r>
+            <a:r>
+              <a:rPr lang="en-US" dirty="0">
+                <a:latin typeface="Consolas"/>
+                <a:cs typeface="Consolas"/>
+                <a:sym typeface="Wingdings"/>
+              </a:rPr>
+              <a:t>SN+(M-1), SN+M</a:t>
+            </a:r>
+            <a:r>
+              <a:rPr lang="en-US" dirty="0" smtClean="0">
+                <a:latin typeface="Consolas"/>
+                <a:cs typeface="Consolas"/>
+                <a:sym typeface="Wingdings"/>
+              </a:rPr>
+              <a:t>.</a:t>
+            </a:r>
+          </a:p>
+          <a:p>
+            <a:pPr lvl="1"/>
+            <a:endParaRPr lang="en-US" dirty="0" smtClean="0">
+              <a:sym typeface="Wingdings"/>
+            </a:endParaRPr>
+          </a:p>
+          <a:p>
+            <a:r>
+              <a:rPr lang="en-US" dirty="0"/>
+              <a:t>M&gt;0, </a:t>
+            </a:r>
+            <a:r>
+              <a:rPr lang="en-US" dirty="0" smtClean="0"/>
+              <a:t>N&gt;0 </a:t>
+            </a:r>
+            <a:r>
+              <a:rPr lang="en-US" dirty="0">
+                <a:sym typeface="Wingdings"/>
+              </a:rPr>
+              <a:t> </a:t>
+            </a:r>
+            <a:r>
+              <a:rPr lang="en-US" dirty="0" smtClean="0">
+                <a:sym typeface="Wingdings"/>
+              </a:rPr>
+              <a:t>interleaved </a:t>
+            </a:r>
+            <a:r>
+              <a:rPr lang="en-US" dirty="0">
+                <a:sym typeface="Wingdings"/>
+              </a:rPr>
+              <a:t>with M offset starting from </a:t>
+            </a:r>
+            <a:r>
+              <a:rPr lang="en-US" dirty="0" err="1" smtClean="0">
+                <a:sym typeface="Wingdings"/>
+              </a:rPr>
+              <a:t>SN_base</a:t>
+            </a:r>
+            <a:r>
+              <a:rPr lang="en-US" dirty="0" smtClean="0">
+                <a:sym typeface="Wingdings"/>
+              </a:rPr>
+              <a:t> in a group of N packets</a:t>
+            </a:r>
+          </a:p>
+          <a:p>
+            <a:endParaRPr lang="en-US" dirty="0" smtClean="0">
+              <a:sym typeface="Wingdings"/>
+            </a:endParaRPr>
+          </a:p>
+          <a:p>
+            <a:pPr lvl="1"/>
+            <a:r>
+              <a:rPr lang="en-US" dirty="0">
+                <a:latin typeface="Consolas"/>
+                <a:cs typeface="Consolas"/>
+                <a:sym typeface="Wingdings"/>
+              </a:rPr>
+              <a:t>FEC = SN+(Mx0), SN+(Mx1)</a:t>
+            </a:r>
+            <a:r>
+              <a:rPr lang="en-US" dirty="0" smtClean="0">
+                <a:latin typeface="Consolas"/>
+                <a:cs typeface="Consolas"/>
+                <a:sym typeface="Wingdings"/>
+              </a:rPr>
+              <a:t>,…, </a:t>
+            </a:r>
+            <a:r>
+              <a:rPr lang="en-US" dirty="0">
+                <a:latin typeface="Consolas"/>
+                <a:cs typeface="Consolas"/>
+                <a:sym typeface="Wingdings"/>
+              </a:rPr>
+              <a:t>SN+(</a:t>
+            </a:r>
+            <a:r>
+              <a:rPr lang="en-US" dirty="0" err="1">
+                <a:latin typeface="Consolas"/>
+                <a:cs typeface="Consolas"/>
+                <a:sym typeface="Wingdings"/>
+              </a:rPr>
+              <a:t>MxN</a:t>
+            </a:r>
+            <a:r>
+              <a:rPr lang="en-US" dirty="0">
+                <a:latin typeface="Consolas"/>
+                <a:cs typeface="Consolas"/>
+                <a:sym typeface="Wingdings"/>
+              </a:rPr>
+              <a:t>).</a:t>
+            </a:r>
+          </a:p>
+          <a:p>
+            <a:endParaRPr lang="en-US" dirty="0" smtClean="0">
+              <a:sym typeface="Wingdings"/>
+            </a:endParaRPr>
+          </a:p>
+          <a:p>
+            <a:endParaRPr lang="en-US" dirty="0"/>
+          </a:p>
+        </p:txBody>
+      </p:sp>
+    </p:spTree>
+    <p:extLst>
+      <p:ext uri="{BB962C8B-B14F-4D97-AF65-F5344CB8AC3E}">
+        <p14:creationId xmlns:p14="http://schemas.microsoft.com/office/powerpoint/2010/main" val="435676159"/>
+      </p:ext>
+    </p:extLst>
+  </p:cSld>
+  <p:clrMapOvr>
+    <a:masterClrMapping/>
+  </p:clrMapOvr>
+</p:sld>
+</file>
+
+<file path=ppt/slides/slide11.xml><?xml version="1.0" encoding="utf-8"?>
+<p:sld xmlns:a="http://schemas.openxmlformats.org/drawingml/2006/main" xmlns:r="http://schemas.openxmlformats.org/officeDocument/2006/relationships" xmlns:p="http://schemas.openxmlformats.org/presentationml/2006/main">
+  <p:cSld>
+    <p:spTree>
+      <p:nvGrpSpPr>
+        <p:cNvPr id="1" name=""/>
+        <p:cNvGrpSpPr/>
+        <p:nvPr/>
+      </p:nvGrpSpPr>
+      <p:grpSpPr>
+        <a:xfrm>
+          <a:off x="0" y="0"/>
+          <a:ext cx="0" cy="0"/>
+          <a:chOff x="0" y="0"/>
+          <a:chExt cx="0" cy="0"/>
+        </a:xfrm>
+      </p:grpSpPr>
+      <p:sp>
+        <p:nvSpPr>
+          <p:cNvPr id="2" name="Title 1"/>
+          <p:cNvSpPr>
+            <a:spLocks noGrp="1"/>
+          </p:cNvSpPr>
+          <p:nvPr>
+            <p:ph type="title"/>
+          </p:nvPr>
+        </p:nvSpPr>
+        <p:spPr/>
+        <p:txBody>
+          <a:bodyPr/>
+          <a:lstStyle/>
+          <a:p>
+            <a:r>
+              <a:rPr lang="en-US" dirty="0" smtClean="0"/>
+              <a:t>Next steps</a:t>
+            </a:r>
+            <a:endParaRPr lang="en-US" dirty="0"/>
+          </a:p>
+        </p:txBody>
+      </p:sp>
+      <p:sp>
+        <p:nvSpPr>
+          <p:cNvPr id="3" name="Content Placeholder 2"/>
+          <p:cNvSpPr>
+            <a:spLocks noGrp="1"/>
+          </p:cNvSpPr>
+          <p:nvPr>
+            <p:ph idx="1"/>
+          </p:nvPr>
+        </p:nvSpPr>
+        <p:spPr/>
+        <p:txBody>
+          <a:bodyPr/>
+          <a:lstStyle/>
+          <a:p>
+            <a:r>
+              <a:rPr lang="en-US" dirty="0" smtClean="0"/>
+              <a:t>Discussion in MMUSIC about SDP</a:t>
+            </a:r>
+          </a:p>
+          <a:p>
+            <a:endParaRPr lang="en-US" dirty="0" smtClean="0"/>
+          </a:p>
+          <a:p>
+            <a:r>
+              <a:rPr lang="en-US" dirty="0" smtClean="0"/>
+              <a:t>Adoption as PAYLOAD WG-item</a:t>
+            </a:r>
+            <a:endParaRPr lang="en-US" dirty="0"/>
+          </a:p>
+        </p:txBody>
+      </p:sp>
+    </p:spTree>
+    <p:extLst>
+      <p:ext uri="{BB962C8B-B14F-4D97-AF65-F5344CB8AC3E}">
+        <p14:creationId xmlns:p14="http://schemas.microsoft.com/office/powerpoint/2010/main" val="3667402219"/>
+      </p:ext>
+    </p:extLst>
+  </p:cSld>
+  <p:clrMapOvr>
+    <a:masterClrMapping/>
+  </p:clrMapOvr>
+</p:sld>
+</file>
+
 <file path=ppt/slides/slide2.xml><?xml version="1.0" encoding="utf-8"?>
 <p:sld xmlns:a="http://schemas.openxmlformats.org/drawingml/2006/main" xmlns:r="http://schemas.openxmlformats.org/officeDocument/2006/relationships" xmlns:p="http://schemas.openxmlformats.org/presentationml/2006/main">
   <p:cSld>
@@ -3336,6 +3683,9180 @@
     <p:extLst>
       <p:ext uri="{BB962C8B-B14F-4D97-AF65-F5344CB8AC3E}">
         <p14:creationId xmlns:p14="http://schemas.microsoft.com/office/powerpoint/2010/main" val="2468345037"/>
+      </p:ext>
+    </p:extLst>
+  </p:cSld>
+  <p:clrMapOvr>
+    <a:masterClrMapping/>
+  </p:clrMapOvr>
+</p:sld>
+</file>
+
+<file path=ppt/slides/slide3.xml><?xml version="1.0" encoding="utf-8"?>
+<p:sld xmlns:a="http://schemas.openxmlformats.org/drawingml/2006/main" xmlns:r="http://schemas.openxmlformats.org/officeDocument/2006/relationships" xmlns:p="http://schemas.openxmlformats.org/presentationml/2006/main">
+  <p:cSld>
+    <p:spTree>
+      <p:nvGrpSpPr>
+        <p:cNvPr id="1" name=""/>
+        <p:cNvGrpSpPr/>
+        <p:nvPr/>
+      </p:nvGrpSpPr>
+      <p:grpSpPr>
+        <a:xfrm>
+          <a:off x="0" y="0"/>
+          <a:ext cx="0" cy="0"/>
+          <a:chOff x="0" y="0"/>
+          <a:chExt cx="0" cy="0"/>
+        </a:xfrm>
+      </p:grpSpPr>
+      <p:sp>
+        <p:nvSpPr>
+          <p:cNvPr id="67585" name="Title 1"/>
+          <p:cNvSpPr>
+            <a:spLocks noGrp="1"/>
+          </p:cNvSpPr>
+          <p:nvPr>
+            <p:ph type="title"/>
+          </p:nvPr>
+        </p:nvSpPr>
+        <p:spPr/>
+        <p:txBody>
+          <a:bodyPr/>
+          <a:lstStyle/>
+          <a:p>
+            <a:r>
+              <a:rPr lang="en-US">
+                <a:latin typeface="Arial" charset="0"/>
+                <a:ea typeface="ＭＳ Ｐゴシック" charset="0"/>
+                <a:cs typeface="ＭＳ Ｐゴシック" charset="0"/>
+              </a:rPr>
+              <a:t>Row FEC (1D)</a:t>
+            </a:r>
+          </a:p>
+        </p:txBody>
+      </p:sp>
+      <p:grpSp>
+        <p:nvGrpSpPr>
+          <p:cNvPr id="67586" name="Group 42"/>
+          <p:cNvGrpSpPr>
+            <a:grpSpLocks/>
+          </p:cNvGrpSpPr>
+          <p:nvPr/>
+        </p:nvGrpSpPr>
+        <p:grpSpPr bwMode="auto">
+          <a:xfrm>
+            <a:off x="498231" y="1767254"/>
+            <a:ext cx="3780692" cy="2690446"/>
+            <a:chOff x="539080" y="1914550"/>
+            <a:chExt cx="4095800" cy="2913856"/>
+          </a:xfrm>
+        </p:grpSpPr>
+        <p:sp>
+          <p:nvSpPr>
+            <p:cNvPr id="67602" name="Rectangle 4"/>
+            <p:cNvSpPr>
+              <a:spLocks noChangeArrowheads="1"/>
+            </p:cNvSpPr>
+            <p:nvPr/>
+          </p:nvSpPr>
+          <p:spPr bwMode="auto">
+            <a:xfrm>
+              <a:off x="539080" y="2202582"/>
+              <a:ext cx="762000" cy="609600"/>
+            </a:xfrm>
+            <a:prstGeom prst="rect">
+              <a:avLst/>
+            </a:prstGeom>
+            <a:solidFill>
+              <a:srgbClr val="FFFFCC"/>
+            </a:solidFill>
+            <a:ln w="12700">
+              <a:solidFill>
+                <a:schemeClr val="tx1"/>
+              </a:solidFill>
+              <a:miter lim="800000"/>
+              <a:headEnd/>
+              <a:tailEnd/>
+            </a:ln>
+          </p:spPr>
+          <p:txBody>
+            <a:bodyPr wrap="none" anchor="ctr"/>
+            <a:lstStyle/>
+            <a:p>
+              <a:pPr algn="ctr" defTabSz="703326" eaLnBrk="0" hangingPunct="0"/>
+              <a:r>
+                <a:rPr lang="en-US" sz="1700" b="1"/>
+                <a:t>1</a:t>
+              </a:r>
+              <a:endParaRPr lang="de-DE" sz="1700" b="1"/>
+            </a:p>
+          </p:txBody>
+        </p:sp>
+        <p:sp>
+          <p:nvSpPr>
+            <p:cNvPr id="67603" name="Rectangle 5"/>
+            <p:cNvSpPr>
+              <a:spLocks noChangeArrowheads="1"/>
+            </p:cNvSpPr>
+            <p:nvPr/>
+          </p:nvSpPr>
+          <p:spPr bwMode="auto">
+            <a:xfrm>
+              <a:off x="1529680" y="2202582"/>
+              <a:ext cx="762000" cy="609600"/>
+            </a:xfrm>
+            <a:prstGeom prst="rect">
+              <a:avLst/>
+            </a:prstGeom>
+            <a:solidFill>
+              <a:srgbClr val="FFFFCC"/>
+            </a:solidFill>
+            <a:ln w="12700">
+              <a:solidFill>
+                <a:schemeClr val="tx1"/>
+              </a:solidFill>
+              <a:miter lim="800000"/>
+              <a:headEnd/>
+              <a:tailEnd/>
+            </a:ln>
+          </p:spPr>
+          <p:txBody>
+            <a:bodyPr wrap="none" anchor="ctr"/>
+            <a:lstStyle/>
+            <a:p>
+              <a:pPr algn="ctr" defTabSz="703326" eaLnBrk="0" hangingPunct="0"/>
+              <a:r>
+                <a:rPr lang="en-US" sz="1700" b="1"/>
+                <a:t>2</a:t>
+              </a:r>
+              <a:endParaRPr lang="de-DE" sz="1700" b="1"/>
+            </a:p>
+          </p:txBody>
+        </p:sp>
+        <p:sp>
+          <p:nvSpPr>
+            <p:cNvPr id="67604" name="Rectangle 6"/>
+            <p:cNvSpPr>
+              <a:spLocks noChangeArrowheads="1"/>
+            </p:cNvSpPr>
+            <p:nvPr/>
+          </p:nvSpPr>
+          <p:spPr bwMode="auto">
+            <a:xfrm>
+              <a:off x="2520280" y="2202582"/>
+              <a:ext cx="762000" cy="609600"/>
+            </a:xfrm>
+            <a:prstGeom prst="rect">
+              <a:avLst/>
+            </a:prstGeom>
+            <a:solidFill>
+              <a:srgbClr val="FFFFCC"/>
+            </a:solidFill>
+            <a:ln w="12700">
+              <a:solidFill>
+                <a:schemeClr val="tx1"/>
+              </a:solidFill>
+              <a:miter lim="800000"/>
+              <a:headEnd/>
+              <a:tailEnd/>
+            </a:ln>
+          </p:spPr>
+          <p:txBody>
+            <a:bodyPr wrap="none" anchor="ctr"/>
+            <a:lstStyle/>
+            <a:p>
+              <a:pPr algn="ctr" defTabSz="703326" eaLnBrk="0" hangingPunct="0"/>
+              <a:r>
+                <a:rPr lang="en-US" sz="1700" b="1"/>
+                <a:t>3</a:t>
+              </a:r>
+              <a:endParaRPr lang="de-DE" sz="1700" b="1"/>
+            </a:p>
+          </p:txBody>
+        </p:sp>
+        <p:sp>
+          <p:nvSpPr>
+            <p:cNvPr id="67605" name="Rectangle 10"/>
+            <p:cNvSpPr>
+              <a:spLocks noChangeArrowheads="1"/>
+            </p:cNvSpPr>
+            <p:nvPr/>
+          </p:nvSpPr>
+          <p:spPr bwMode="auto">
+            <a:xfrm>
+              <a:off x="553616" y="4218806"/>
+              <a:ext cx="762000" cy="609600"/>
+            </a:xfrm>
+            <a:prstGeom prst="rect">
+              <a:avLst/>
+            </a:prstGeom>
+            <a:solidFill>
+              <a:srgbClr val="99FF99"/>
+            </a:solidFill>
+            <a:ln w="12700">
+              <a:solidFill>
+                <a:schemeClr val="tx1"/>
+              </a:solidFill>
+              <a:miter lim="800000"/>
+              <a:headEnd/>
+              <a:tailEnd/>
+            </a:ln>
+          </p:spPr>
+          <p:txBody>
+            <a:bodyPr wrap="none" anchor="ctr"/>
+            <a:lstStyle/>
+            <a:p>
+              <a:pPr algn="ctr" defTabSz="703326" eaLnBrk="0" hangingPunct="0"/>
+              <a:r>
+                <a:rPr lang="en-US" sz="1700" b="1"/>
+                <a:t>7</a:t>
+              </a:r>
+              <a:endParaRPr lang="de-DE" sz="1700" b="1"/>
+            </a:p>
+          </p:txBody>
+        </p:sp>
+        <p:sp>
+          <p:nvSpPr>
+            <p:cNvPr id="67606" name="Rectangle 18"/>
+            <p:cNvSpPr>
+              <a:spLocks noChangeArrowheads="1"/>
+            </p:cNvSpPr>
+            <p:nvPr/>
+          </p:nvSpPr>
+          <p:spPr bwMode="auto">
+            <a:xfrm>
+              <a:off x="1544216" y="4218806"/>
+              <a:ext cx="762000" cy="609600"/>
+            </a:xfrm>
+            <a:prstGeom prst="rect">
+              <a:avLst/>
+            </a:prstGeom>
+            <a:solidFill>
+              <a:srgbClr val="99FF99"/>
+            </a:solidFill>
+            <a:ln w="12700">
+              <a:solidFill>
+                <a:schemeClr val="tx1"/>
+              </a:solidFill>
+              <a:miter lim="800000"/>
+              <a:headEnd/>
+              <a:tailEnd/>
+            </a:ln>
+          </p:spPr>
+          <p:txBody>
+            <a:bodyPr wrap="none" anchor="ctr"/>
+            <a:lstStyle/>
+            <a:p>
+              <a:pPr algn="ctr" defTabSz="703326" eaLnBrk="0" hangingPunct="0"/>
+              <a:r>
+                <a:rPr lang="en-US" sz="1700" b="1"/>
+                <a:t>8</a:t>
+              </a:r>
+              <a:endParaRPr lang="de-DE" sz="1700" b="1"/>
+            </a:p>
+          </p:txBody>
+        </p:sp>
+        <p:sp>
+          <p:nvSpPr>
+            <p:cNvPr id="67607" name="Rectangle 19"/>
+            <p:cNvSpPr>
+              <a:spLocks noChangeArrowheads="1"/>
+            </p:cNvSpPr>
+            <p:nvPr/>
+          </p:nvSpPr>
+          <p:spPr bwMode="auto">
+            <a:xfrm>
+              <a:off x="2534816" y="4218806"/>
+              <a:ext cx="762000" cy="609600"/>
+            </a:xfrm>
+            <a:prstGeom prst="rect">
+              <a:avLst/>
+            </a:prstGeom>
+            <a:solidFill>
+              <a:srgbClr val="99FF99"/>
+            </a:solidFill>
+            <a:ln w="12700">
+              <a:solidFill>
+                <a:schemeClr val="tx1"/>
+              </a:solidFill>
+              <a:miter lim="800000"/>
+              <a:headEnd/>
+              <a:tailEnd/>
+            </a:ln>
+          </p:spPr>
+          <p:txBody>
+            <a:bodyPr wrap="none" anchor="ctr"/>
+            <a:lstStyle/>
+            <a:p>
+              <a:pPr algn="ctr" defTabSz="703326" eaLnBrk="0" hangingPunct="0"/>
+              <a:r>
+                <a:rPr lang="en-US" sz="1700" b="1"/>
+                <a:t>9</a:t>
+              </a:r>
+              <a:endParaRPr lang="de-DE" sz="1700" b="1"/>
+            </a:p>
+          </p:txBody>
+        </p:sp>
+        <p:sp>
+          <p:nvSpPr>
+            <p:cNvPr id="67608" name="Rectangle 7"/>
+            <p:cNvSpPr>
+              <a:spLocks noChangeArrowheads="1"/>
+            </p:cNvSpPr>
+            <p:nvPr/>
+          </p:nvSpPr>
+          <p:spPr bwMode="auto">
+            <a:xfrm>
+              <a:off x="553616" y="3210694"/>
+              <a:ext cx="762000" cy="609600"/>
+            </a:xfrm>
+            <a:prstGeom prst="rect">
+              <a:avLst/>
+            </a:prstGeom>
+            <a:solidFill>
+              <a:srgbClr val="FFCC99"/>
+            </a:solidFill>
+            <a:ln w="12700">
+              <a:solidFill>
+                <a:schemeClr val="tx1"/>
+              </a:solidFill>
+              <a:miter lim="800000"/>
+              <a:headEnd/>
+              <a:tailEnd/>
+            </a:ln>
+          </p:spPr>
+          <p:txBody>
+            <a:bodyPr wrap="none" anchor="ctr"/>
+            <a:lstStyle/>
+            <a:p>
+              <a:pPr algn="ctr" defTabSz="703326" eaLnBrk="0" hangingPunct="0"/>
+              <a:r>
+                <a:rPr lang="en-US" sz="1700" b="1"/>
+                <a:t>4</a:t>
+              </a:r>
+              <a:endParaRPr lang="de-DE" sz="1700" b="1"/>
+            </a:p>
+          </p:txBody>
+        </p:sp>
+        <p:sp>
+          <p:nvSpPr>
+            <p:cNvPr id="67609" name="Rectangle 8"/>
+            <p:cNvSpPr>
+              <a:spLocks noChangeArrowheads="1"/>
+            </p:cNvSpPr>
+            <p:nvPr/>
+          </p:nvSpPr>
+          <p:spPr bwMode="auto">
+            <a:xfrm>
+              <a:off x="1544216" y="3210694"/>
+              <a:ext cx="762000" cy="609600"/>
+            </a:xfrm>
+            <a:prstGeom prst="rect">
+              <a:avLst/>
+            </a:prstGeom>
+            <a:solidFill>
+              <a:srgbClr val="FFCC99"/>
+            </a:solidFill>
+            <a:ln w="12700">
+              <a:solidFill>
+                <a:schemeClr val="tx1"/>
+              </a:solidFill>
+              <a:miter lim="800000"/>
+              <a:headEnd/>
+              <a:tailEnd/>
+            </a:ln>
+          </p:spPr>
+          <p:txBody>
+            <a:bodyPr wrap="none" anchor="ctr"/>
+            <a:lstStyle/>
+            <a:p>
+              <a:pPr algn="ctr" defTabSz="703326" eaLnBrk="0" hangingPunct="0"/>
+              <a:r>
+                <a:rPr lang="en-US" sz="1700" b="1"/>
+                <a:t>5</a:t>
+              </a:r>
+              <a:endParaRPr lang="de-DE" sz="1700" b="1"/>
+            </a:p>
+          </p:txBody>
+        </p:sp>
+        <p:sp>
+          <p:nvSpPr>
+            <p:cNvPr id="67610" name="Rectangle 9"/>
+            <p:cNvSpPr>
+              <a:spLocks noChangeArrowheads="1"/>
+            </p:cNvSpPr>
+            <p:nvPr/>
+          </p:nvSpPr>
+          <p:spPr bwMode="auto">
+            <a:xfrm>
+              <a:off x="2534816" y="3210694"/>
+              <a:ext cx="762000" cy="609600"/>
+            </a:xfrm>
+            <a:prstGeom prst="rect">
+              <a:avLst/>
+            </a:prstGeom>
+            <a:solidFill>
+              <a:srgbClr val="FFCC99"/>
+            </a:solidFill>
+            <a:ln w="12700">
+              <a:solidFill>
+                <a:schemeClr val="tx1"/>
+              </a:solidFill>
+              <a:miter lim="800000"/>
+              <a:headEnd/>
+              <a:tailEnd/>
+            </a:ln>
+          </p:spPr>
+          <p:txBody>
+            <a:bodyPr wrap="none" anchor="ctr"/>
+            <a:lstStyle/>
+            <a:p>
+              <a:pPr algn="ctr" defTabSz="703326" eaLnBrk="0" hangingPunct="0"/>
+              <a:r>
+                <a:rPr lang="en-US" sz="1700" b="1"/>
+                <a:t>6</a:t>
+              </a:r>
+              <a:endParaRPr lang="de-DE" sz="1700" b="1"/>
+            </a:p>
+          </p:txBody>
+        </p:sp>
+        <p:sp>
+          <p:nvSpPr>
+            <p:cNvPr id="25" name="Rectangle 6"/>
+            <p:cNvSpPr>
+              <a:spLocks noChangeArrowheads="1"/>
+            </p:cNvSpPr>
+            <p:nvPr/>
+          </p:nvSpPr>
+          <p:spPr bwMode="auto">
+            <a:xfrm>
+              <a:off x="3872871" y="2201810"/>
+              <a:ext cx="762009" cy="611021"/>
+            </a:xfrm>
+            <a:prstGeom prst="rect">
+              <a:avLst/>
+            </a:prstGeom>
+            <a:ln>
+              <a:headEnd/>
+              <a:tailEnd/>
+            </a:ln>
+          </p:spPr>
+          <p:style>
+            <a:lnRef idx="2">
+              <a:schemeClr val="accent5">
+                <a:shade val="50000"/>
+              </a:schemeClr>
+            </a:lnRef>
+            <a:fillRef idx="1">
+              <a:schemeClr val="accent5"/>
+            </a:fillRef>
+            <a:effectRef idx="0">
+              <a:schemeClr val="accent5"/>
+            </a:effectRef>
+            <a:fontRef idx="minor">
+              <a:schemeClr val="lt1"/>
+            </a:fontRef>
+          </p:style>
+          <p:txBody>
+            <a:bodyPr wrap="none" anchor="ctr"/>
+            <a:lstStyle/>
+            <a:p>
+              <a:pPr algn="ctr" defTabSz="703326" eaLnBrk="0" hangingPunct="0">
+                <a:defRPr/>
+              </a:pPr>
+              <a:r>
+                <a:rPr lang="en-US" sz="1700" b="1" dirty="0"/>
+                <a:t>R1</a:t>
+              </a:r>
+              <a:endParaRPr lang="de-DE" sz="1700" b="1" dirty="0"/>
+            </a:p>
+          </p:txBody>
+        </p:sp>
+        <p:sp>
+          <p:nvSpPr>
+            <p:cNvPr id="26" name="Rectangle 6"/>
+            <p:cNvSpPr>
+              <a:spLocks noChangeArrowheads="1"/>
+            </p:cNvSpPr>
+            <p:nvPr/>
+          </p:nvSpPr>
+          <p:spPr bwMode="auto">
+            <a:xfrm>
+              <a:off x="3872871" y="3211185"/>
+              <a:ext cx="762009" cy="609434"/>
+            </a:xfrm>
+            <a:prstGeom prst="rect">
+              <a:avLst/>
+            </a:prstGeom>
+            <a:ln>
+              <a:headEnd/>
+              <a:tailEnd/>
+            </a:ln>
+          </p:spPr>
+          <p:style>
+            <a:lnRef idx="2">
+              <a:schemeClr val="accent5">
+                <a:shade val="50000"/>
+              </a:schemeClr>
+            </a:lnRef>
+            <a:fillRef idx="1">
+              <a:schemeClr val="accent5"/>
+            </a:fillRef>
+            <a:effectRef idx="0">
+              <a:schemeClr val="accent5"/>
+            </a:effectRef>
+            <a:fontRef idx="minor">
+              <a:schemeClr val="lt1"/>
+            </a:fontRef>
+          </p:style>
+          <p:txBody>
+            <a:bodyPr wrap="none" anchor="ctr"/>
+            <a:lstStyle/>
+            <a:p>
+              <a:pPr algn="ctr" defTabSz="703326" eaLnBrk="0" hangingPunct="0">
+                <a:defRPr/>
+              </a:pPr>
+              <a:r>
+                <a:rPr lang="en-US" sz="1700" b="1" dirty="0"/>
+                <a:t>R2</a:t>
+              </a:r>
+              <a:endParaRPr lang="de-DE" sz="1700" b="1" dirty="0"/>
+            </a:p>
+          </p:txBody>
+        </p:sp>
+        <p:sp>
+          <p:nvSpPr>
+            <p:cNvPr id="27" name="Rectangle 6"/>
+            <p:cNvSpPr>
+              <a:spLocks noChangeArrowheads="1"/>
+            </p:cNvSpPr>
+            <p:nvPr/>
+          </p:nvSpPr>
+          <p:spPr bwMode="auto">
+            <a:xfrm>
+              <a:off x="3872871" y="4185644"/>
+              <a:ext cx="762009" cy="609434"/>
+            </a:xfrm>
+            <a:prstGeom prst="rect">
+              <a:avLst/>
+            </a:prstGeom>
+            <a:ln>
+              <a:headEnd/>
+              <a:tailEnd/>
+            </a:ln>
+          </p:spPr>
+          <p:style>
+            <a:lnRef idx="2">
+              <a:schemeClr val="accent5">
+                <a:shade val="50000"/>
+              </a:schemeClr>
+            </a:lnRef>
+            <a:fillRef idx="1">
+              <a:schemeClr val="accent5"/>
+            </a:fillRef>
+            <a:effectRef idx="0">
+              <a:schemeClr val="accent5"/>
+            </a:effectRef>
+            <a:fontRef idx="minor">
+              <a:schemeClr val="lt1"/>
+            </a:fontRef>
+          </p:style>
+          <p:txBody>
+            <a:bodyPr wrap="none" anchor="ctr"/>
+            <a:lstStyle/>
+            <a:p>
+              <a:pPr algn="ctr" defTabSz="703326" eaLnBrk="0" hangingPunct="0">
+                <a:defRPr/>
+              </a:pPr>
+              <a:r>
+                <a:rPr lang="en-US" sz="1700" b="1" dirty="0"/>
+                <a:t>R3</a:t>
+              </a:r>
+              <a:endParaRPr lang="de-DE" sz="1700" b="1" dirty="0"/>
+            </a:p>
+          </p:txBody>
+        </p:sp>
+        <p:sp>
+          <p:nvSpPr>
+            <p:cNvPr id="67614" name="Text Box 58"/>
+            <p:cNvSpPr txBox="1">
+              <a:spLocks noChangeArrowheads="1"/>
+            </p:cNvSpPr>
+            <p:nvPr/>
+          </p:nvSpPr>
+          <p:spPr bwMode="auto">
+            <a:xfrm>
+              <a:off x="2423713" y="1914550"/>
+              <a:ext cx="964164" cy="1016669"/>
+            </a:xfrm>
+            <a:prstGeom prst="rect">
+              <a:avLst/>
+            </a:prstGeom>
+            <a:noFill/>
+            <a:ln>
+              <a:noFill/>
+            </a:ln>
+            <a:extLst>
+              <a:ext uri="{909E8E84-426E-40dd-AFC4-6F175D3DCCD1}">
+                <a14:hiddenFill xmlns:a14="http://schemas.microsoft.com/office/drawing/2010/main">
+                  <a:solidFill>
+                    <a:srgbClr val="FFFFFF"/>
+                  </a:solidFill>
+                </a14:hiddenFill>
+              </a:ext>
+              <a:ext uri="{91240B29-F687-4f45-9708-019B960494DF}">
+                <a14:hiddenLine xmlns:a14="http://schemas.microsoft.com/office/drawing/2010/main" w="12700">
+                  <a:solidFill>
+                    <a:srgbClr val="000000"/>
+                  </a:solidFill>
+                  <a:miter lim="800000"/>
+                  <a:headEnd/>
+                  <a:tailEnd/>
+                </a14:hiddenLine>
+              </a:ext>
+            </a:extLst>
+          </p:spPr>
+          <p:txBody>
+            <a:bodyPr wrap="none">
+              <a:spAutoFit/>
+            </a:bodyPr>
+            <a:lstStyle>
+              <a:lvl1pPr defTabSz="762000" eaLnBrk="0" hangingPunct="0">
+                <a:defRPr sz="2400">
+                  <a:solidFill>
+                    <a:schemeClr val="tx1"/>
+                  </a:solidFill>
+                  <a:latin typeface="Arial" charset="0"/>
+                  <a:ea typeface="ＭＳ Ｐゴシック" charset="0"/>
+                  <a:cs typeface="ＭＳ Ｐゴシック" charset="0"/>
+                </a:defRPr>
+              </a:lvl1pPr>
+              <a:lvl2pPr marL="742950" indent="-285750" defTabSz="762000" eaLnBrk="0" hangingPunct="0">
+                <a:defRPr sz="2400">
+                  <a:solidFill>
+                    <a:schemeClr val="tx1"/>
+                  </a:solidFill>
+                  <a:latin typeface="Arial" charset="0"/>
+                  <a:ea typeface="ＭＳ Ｐゴシック" charset="0"/>
+                </a:defRPr>
+              </a:lvl2pPr>
+              <a:lvl3pPr marL="1143000" indent="-228600" defTabSz="762000" eaLnBrk="0" hangingPunct="0">
+                <a:defRPr sz="2400">
+                  <a:solidFill>
+                    <a:schemeClr val="tx1"/>
+                  </a:solidFill>
+                  <a:latin typeface="Arial" charset="0"/>
+                  <a:ea typeface="ＭＳ Ｐゴシック" charset="0"/>
+                </a:defRPr>
+              </a:lvl3pPr>
+              <a:lvl4pPr marL="1600200" indent="-228600" defTabSz="762000" eaLnBrk="0" hangingPunct="0">
+                <a:defRPr sz="2400">
+                  <a:solidFill>
+                    <a:schemeClr val="tx1"/>
+                  </a:solidFill>
+                  <a:latin typeface="Arial" charset="0"/>
+                  <a:ea typeface="ＭＳ Ｐゴシック" charset="0"/>
+                </a:defRPr>
+              </a:lvl4pPr>
+              <a:lvl5pPr marL="2057400" indent="-228600" defTabSz="762000" eaLnBrk="0" hangingPunct="0">
+                <a:defRPr sz="2400">
+                  <a:solidFill>
+                    <a:schemeClr val="tx1"/>
+                  </a:solidFill>
+                  <a:latin typeface="Arial" charset="0"/>
+                  <a:ea typeface="ＭＳ Ｐゴシック" charset="0"/>
+                </a:defRPr>
+              </a:lvl5pPr>
+              <a:lvl6pPr marL="2514600" indent="-228600" defTabSz="762000" eaLnBrk="0" fontAlgn="base" hangingPunct="0">
+                <a:spcBef>
+                  <a:spcPct val="0"/>
+                </a:spcBef>
+                <a:spcAft>
+                  <a:spcPct val="0"/>
+                </a:spcAft>
+                <a:defRPr sz="2400">
+                  <a:solidFill>
+                    <a:schemeClr val="tx1"/>
+                  </a:solidFill>
+                  <a:latin typeface="Arial" charset="0"/>
+                  <a:ea typeface="ＭＳ Ｐゴシック" charset="0"/>
+                </a:defRPr>
+              </a:lvl6pPr>
+              <a:lvl7pPr marL="2971800" indent="-228600" defTabSz="762000" eaLnBrk="0" fontAlgn="base" hangingPunct="0">
+                <a:spcBef>
+                  <a:spcPct val="0"/>
+                </a:spcBef>
+                <a:spcAft>
+                  <a:spcPct val="0"/>
+                </a:spcAft>
+                <a:defRPr sz="2400">
+                  <a:solidFill>
+                    <a:schemeClr val="tx1"/>
+                  </a:solidFill>
+                  <a:latin typeface="Arial" charset="0"/>
+                  <a:ea typeface="ＭＳ Ｐゴシック" charset="0"/>
+                </a:defRPr>
+              </a:lvl7pPr>
+              <a:lvl8pPr marL="3429000" indent="-228600" defTabSz="762000" eaLnBrk="0" fontAlgn="base" hangingPunct="0">
+                <a:spcBef>
+                  <a:spcPct val="0"/>
+                </a:spcBef>
+                <a:spcAft>
+                  <a:spcPct val="0"/>
+                </a:spcAft>
+                <a:defRPr sz="2400">
+                  <a:solidFill>
+                    <a:schemeClr val="tx1"/>
+                  </a:solidFill>
+                  <a:latin typeface="Arial" charset="0"/>
+                  <a:ea typeface="ＭＳ Ｐゴシック" charset="0"/>
+                </a:defRPr>
+              </a:lvl8pPr>
+              <a:lvl9pPr marL="3886200" indent="-228600" defTabSz="762000" eaLnBrk="0" fontAlgn="base" hangingPunct="0">
+                <a:spcBef>
+                  <a:spcPct val="0"/>
+                </a:spcBef>
+                <a:spcAft>
+                  <a:spcPct val="0"/>
+                </a:spcAft>
+                <a:defRPr sz="2400">
+                  <a:solidFill>
+                    <a:schemeClr val="tx1"/>
+                  </a:solidFill>
+                  <a:latin typeface="Arial" charset="0"/>
+                  <a:ea typeface="ＭＳ Ｐゴシック" charset="0"/>
+                </a:defRPr>
+              </a:lvl9pPr>
+            </a:lstStyle>
+            <a:p>
+              <a:pPr algn="ctr"/>
+              <a:r>
+                <a:rPr lang="en-US" sz="5500" b="1">
+                  <a:solidFill>
+                    <a:srgbClr val="FF0000"/>
+                  </a:solidFill>
+                  <a:sym typeface="Webdings" charset="0"/>
+                </a:rPr>
+                <a:t></a:t>
+              </a:r>
+              <a:endParaRPr lang="en-US" sz="5500" b="1">
+                <a:solidFill>
+                  <a:srgbClr val="FF0000"/>
+                </a:solidFill>
+              </a:endParaRPr>
+            </a:p>
+          </p:txBody>
+        </p:sp>
+      </p:grpSp>
+      <p:grpSp>
+        <p:nvGrpSpPr>
+          <p:cNvPr id="44" name="Group 43"/>
+          <p:cNvGrpSpPr>
+            <a:grpSpLocks/>
+          </p:cNvGrpSpPr>
+          <p:nvPr/>
+        </p:nvGrpSpPr>
+        <p:grpSpPr bwMode="auto">
+          <a:xfrm>
+            <a:off x="4884128" y="1767254"/>
+            <a:ext cx="3780692" cy="2690446"/>
+            <a:chOff x="5291608" y="1914550"/>
+            <a:chExt cx="4095800" cy="2913856"/>
+          </a:xfrm>
+        </p:grpSpPr>
+        <p:sp>
+          <p:nvSpPr>
+            <p:cNvPr id="67588" name="Rectangle 4"/>
+            <p:cNvSpPr>
+              <a:spLocks noChangeArrowheads="1"/>
+            </p:cNvSpPr>
+            <p:nvPr/>
+          </p:nvSpPr>
+          <p:spPr bwMode="auto">
+            <a:xfrm>
+              <a:off x="5291608" y="2202582"/>
+              <a:ext cx="762000" cy="609600"/>
+            </a:xfrm>
+            <a:prstGeom prst="rect">
+              <a:avLst/>
+            </a:prstGeom>
+            <a:solidFill>
+              <a:srgbClr val="FFFFCC"/>
+            </a:solidFill>
+            <a:ln w="12700">
+              <a:solidFill>
+                <a:schemeClr val="tx1"/>
+              </a:solidFill>
+              <a:miter lim="800000"/>
+              <a:headEnd/>
+              <a:tailEnd/>
+            </a:ln>
+          </p:spPr>
+          <p:txBody>
+            <a:bodyPr wrap="none" anchor="ctr"/>
+            <a:lstStyle/>
+            <a:p>
+              <a:pPr algn="ctr" defTabSz="703326" eaLnBrk="0" hangingPunct="0"/>
+              <a:r>
+                <a:rPr lang="en-US" sz="1700" b="1"/>
+                <a:t>1</a:t>
+              </a:r>
+              <a:endParaRPr lang="de-DE" sz="1700" b="1"/>
+            </a:p>
+          </p:txBody>
+        </p:sp>
+        <p:sp>
+          <p:nvSpPr>
+            <p:cNvPr id="67589" name="Rectangle 5"/>
+            <p:cNvSpPr>
+              <a:spLocks noChangeArrowheads="1"/>
+            </p:cNvSpPr>
+            <p:nvPr/>
+          </p:nvSpPr>
+          <p:spPr bwMode="auto">
+            <a:xfrm>
+              <a:off x="6282208" y="2202582"/>
+              <a:ext cx="762000" cy="609600"/>
+            </a:xfrm>
+            <a:prstGeom prst="rect">
+              <a:avLst/>
+            </a:prstGeom>
+            <a:solidFill>
+              <a:srgbClr val="FFFFCC"/>
+            </a:solidFill>
+            <a:ln w="12700">
+              <a:solidFill>
+                <a:schemeClr val="tx1"/>
+              </a:solidFill>
+              <a:miter lim="800000"/>
+              <a:headEnd/>
+              <a:tailEnd/>
+            </a:ln>
+          </p:spPr>
+          <p:txBody>
+            <a:bodyPr wrap="none" anchor="ctr"/>
+            <a:lstStyle/>
+            <a:p>
+              <a:pPr algn="ctr" defTabSz="703326" eaLnBrk="0" hangingPunct="0"/>
+              <a:r>
+                <a:rPr lang="en-US" sz="1700" b="1"/>
+                <a:t>2</a:t>
+              </a:r>
+              <a:endParaRPr lang="de-DE" sz="1700" b="1"/>
+            </a:p>
+          </p:txBody>
+        </p:sp>
+        <p:sp>
+          <p:nvSpPr>
+            <p:cNvPr id="67590" name="Rectangle 6"/>
+            <p:cNvSpPr>
+              <a:spLocks noChangeArrowheads="1"/>
+            </p:cNvSpPr>
+            <p:nvPr/>
+          </p:nvSpPr>
+          <p:spPr bwMode="auto">
+            <a:xfrm>
+              <a:off x="7272808" y="2202582"/>
+              <a:ext cx="762000" cy="609600"/>
+            </a:xfrm>
+            <a:prstGeom prst="rect">
+              <a:avLst/>
+            </a:prstGeom>
+            <a:solidFill>
+              <a:srgbClr val="FFFFCC"/>
+            </a:solidFill>
+            <a:ln w="12700">
+              <a:solidFill>
+                <a:schemeClr val="tx1"/>
+              </a:solidFill>
+              <a:miter lim="800000"/>
+              <a:headEnd/>
+              <a:tailEnd/>
+            </a:ln>
+          </p:spPr>
+          <p:txBody>
+            <a:bodyPr wrap="none" anchor="ctr"/>
+            <a:lstStyle/>
+            <a:p>
+              <a:pPr algn="ctr" defTabSz="703326" eaLnBrk="0" hangingPunct="0"/>
+              <a:r>
+                <a:rPr lang="en-US" sz="1700" b="1"/>
+                <a:t>3</a:t>
+              </a:r>
+              <a:endParaRPr lang="de-DE" sz="1700" b="1"/>
+            </a:p>
+          </p:txBody>
+        </p:sp>
+        <p:sp>
+          <p:nvSpPr>
+            <p:cNvPr id="67591" name="Rectangle 10"/>
+            <p:cNvSpPr>
+              <a:spLocks noChangeArrowheads="1"/>
+            </p:cNvSpPr>
+            <p:nvPr/>
+          </p:nvSpPr>
+          <p:spPr bwMode="auto">
+            <a:xfrm>
+              <a:off x="5306144" y="4218806"/>
+              <a:ext cx="762000" cy="609600"/>
+            </a:xfrm>
+            <a:prstGeom prst="rect">
+              <a:avLst/>
+            </a:prstGeom>
+            <a:solidFill>
+              <a:srgbClr val="99FF99"/>
+            </a:solidFill>
+            <a:ln w="12700">
+              <a:solidFill>
+                <a:schemeClr val="tx1"/>
+              </a:solidFill>
+              <a:miter lim="800000"/>
+              <a:headEnd/>
+              <a:tailEnd/>
+            </a:ln>
+          </p:spPr>
+          <p:txBody>
+            <a:bodyPr wrap="none" anchor="ctr"/>
+            <a:lstStyle/>
+            <a:p>
+              <a:pPr algn="ctr" defTabSz="703326" eaLnBrk="0" hangingPunct="0"/>
+              <a:r>
+                <a:rPr lang="en-US" sz="1700" b="1"/>
+                <a:t>7</a:t>
+              </a:r>
+              <a:endParaRPr lang="de-DE" sz="1700" b="1"/>
+            </a:p>
+          </p:txBody>
+        </p:sp>
+        <p:sp>
+          <p:nvSpPr>
+            <p:cNvPr id="67592" name="Rectangle 18"/>
+            <p:cNvSpPr>
+              <a:spLocks noChangeArrowheads="1"/>
+            </p:cNvSpPr>
+            <p:nvPr/>
+          </p:nvSpPr>
+          <p:spPr bwMode="auto">
+            <a:xfrm>
+              <a:off x="6296744" y="4218806"/>
+              <a:ext cx="762000" cy="609600"/>
+            </a:xfrm>
+            <a:prstGeom prst="rect">
+              <a:avLst/>
+            </a:prstGeom>
+            <a:solidFill>
+              <a:srgbClr val="99FF99"/>
+            </a:solidFill>
+            <a:ln w="12700">
+              <a:solidFill>
+                <a:schemeClr val="tx1"/>
+              </a:solidFill>
+              <a:miter lim="800000"/>
+              <a:headEnd/>
+              <a:tailEnd/>
+            </a:ln>
+          </p:spPr>
+          <p:txBody>
+            <a:bodyPr wrap="none" anchor="ctr"/>
+            <a:lstStyle/>
+            <a:p>
+              <a:pPr algn="ctr" defTabSz="703326" eaLnBrk="0" hangingPunct="0"/>
+              <a:r>
+                <a:rPr lang="en-US" sz="1700" b="1"/>
+                <a:t>8</a:t>
+              </a:r>
+              <a:endParaRPr lang="de-DE" sz="1700" b="1"/>
+            </a:p>
+          </p:txBody>
+        </p:sp>
+        <p:sp>
+          <p:nvSpPr>
+            <p:cNvPr id="67593" name="Rectangle 19"/>
+            <p:cNvSpPr>
+              <a:spLocks noChangeArrowheads="1"/>
+            </p:cNvSpPr>
+            <p:nvPr/>
+          </p:nvSpPr>
+          <p:spPr bwMode="auto">
+            <a:xfrm>
+              <a:off x="7287344" y="4218806"/>
+              <a:ext cx="762000" cy="609600"/>
+            </a:xfrm>
+            <a:prstGeom prst="rect">
+              <a:avLst/>
+            </a:prstGeom>
+            <a:solidFill>
+              <a:srgbClr val="99FF99"/>
+            </a:solidFill>
+            <a:ln w="12700">
+              <a:solidFill>
+                <a:schemeClr val="tx1"/>
+              </a:solidFill>
+              <a:miter lim="800000"/>
+              <a:headEnd/>
+              <a:tailEnd/>
+            </a:ln>
+          </p:spPr>
+          <p:txBody>
+            <a:bodyPr wrap="none" anchor="ctr"/>
+            <a:lstStyle/>
+            <a:p>
+              <a:pPr algn="ctr" defTabSz="703326" eaLnBrk="0" hangingPunct="0"/>
+              <a:r>
+                <a:rPr lang="en-US" sz="1700" b="1"/>
+                <a:t>9</a:t>
+              </a:r>
+              <a:endParaRPr lang="de-DE" sz="1700" b="1"/>
+            </a:p>
+          </p:txBody>
+        </p:sp>
+        <p:sp>
+          <p:nvSpPr>
+            <p:cNvPr id="67594" name="Rectangle 7"/>
+            <p:cNvSpPr>
+              <a:spLocks noChangeArrowheads="1"/>
+            </p:cNvSpPr>
+            <p:nvPr/>
+          </p:nvSpPr>
+          <p:spPr bwMode="auto">
+            <a:xfrm>
+              <a:off x="5306144" y="3210694"/>
+              <a:ext cx="762000" cy="609600"/>
+            </a:xfrm>
+            <a:prstGeom prst="rect">
+              <a:avLst/>
+            </a:prstGeom>
+            <a:solidFill>
+              <a:srgbClr val="FFCC99"/>
+            </a:solidFill>
+            <a:ln w="12700">
+              <a:solidFill>
+                <a:schemeClr val="tx1"/>
+              </a:solidFill>
+              <a:miter lim="800000"/>
+              <a:headEnd/>
+              <a:tailEnd/>
+            </a:ln>
+          </p:spPr>
+          <p:txBody>
+            <a:bodyPr wrap="none" anchor="ctr"/>
+            <a:lstStyle/>
+            <a:p>
+              <a:pPr algn="ctr" defTabSz="703326" eaLnBrk="0" hangingPunct="0"/>
+              <a:r>
+                <a:rPr lang="en-US" sz="1700" b="1"/>
+                <a:t>4</a:t>
+              </a:r>
+              <a:endParaRPr lang="de-DE" sz="1700" b="1"/>
+            </a:p>
+          </p:txBody>
+        </p:sp>
+        <p:sp>
+          <p:nvSpPr>
+            <p:cNvPr id="67595" name="Rectangle 8"/>
+            <p:cNvSpPr>
+              <a:spLocks noChangeArrowheads="1"/>
+            </p:cNvSpPr>
+            <p:nvPr/>
+          </p:nvSpPr>
+          <p:spPr bwMode="auto">
+            <a:xfrm>
+              <a:off x="6296744" y="3210694"/>
+              <a:ext cx="762000" cy="609600"/>
+            </a:xfrm>
+            <a:prstGeom prst="rect">
+              <a:avLst/>
+            </a:prstGeom>
+            <a:solidFill>
+              <a:srgbClr val="FFCC99"/>
+            </a:solidFill>
+            <a:ln w="12700">
+              <a:solidFill>
+                <a:schemeClr val="tx1"/>
+              </a:solidFill>
+              <a:miter lim="800000"/>
+              <a:headEnd/>
+              <a:tailEnd/>
+            </a:ln>
+          </p:spPr>
+          <p:txBody>
+            <a:bodyPr wrap="none" anchor="ctr"/>
+            <a:lstStyle/>
+            <a:p>
+              <a:pPr algn="ctr" defTabSz="703326" eaLnBrk="0" hangingPunct="0"/>
+              <a:r>
+                <a:rPr lang="en-US" sz="1700" b="1"/>
+                <a:t>5</a:t>
+              </a:r>
+              <a:endParaRPr lang="de-DE" sz="1700" b="1"/>
+            </a:p>
+          </p:txBody>
+        </p:sp>
+        <p:sp>
+          <p:nvSpPr>
+            <p:cNvPr id="67596" name="Rectangle 9"/>
+            <p:cNvSpPr>
+              <a:spLocks noChangeArrowheads="1"/>
+            </p:cNvSpPr>
+            <p:nvPr/>
+          </p:nvSpPr>
+          <p:spPr bwMode="auto">
+            <a:xfrm>
+              <a:off x="7287344" y="3210694"/>
+              <a:ext cx="762000" cy="609600"/>
+            </a:xfrm>
+            <a:prstGeom prst="rect">
+              <a:avLst/>
+            </a:prstGeom>
+            <a:solidFill>
+              <a:srgbClr val="FFCC99"/>
+            </a:solidFill>
+            <a:ln w="12700">
+              <a:solidFill>
+                <a:schemeClr val="tx1"/>
+              </a:solidFill>
+              <a:miter lim="800000"/>
+              <a:headEnd/>
+              <a:tailEnd/>
+            </a:ln>
+          </p:spPr>
+          <p:txBody>
+            <a:bodyPr wrap="none" anchor="ctr"/>
+            <a:lstStyle/>
+            <a:p>
+              <a:pPr algn="ctr" defTabSz="703326" eaLnBrk="0" hangingPunct="0"/>
+              <a:r>
+                <a:rPr lang="en-US" sz="1700" b="1"/>
+                <a:t>6</a:t>
+              </a:r>
+              <a:endParaRPr lang="de-DE" sz="1700" b="1"/>
+            </a:p>
+          </p:txBody>
+        </p:sp>
+        <p:sp>
+          <p:nvSpPr>
+            <p:cNvPr id="39" name="Rectangle 6"/>
+            <p:cNvSpPr>
+              <a:spLocks noChangeArrowheads="1"/>
+            </p:cNvSpPr>
+            <p:nvPr/>
+          </p:nvSpPr>
+          <p:spPr bwMode="auto">
+            <a:xfrm>
+              <a:off x="8625399" y="2201810"/>
+              <a:ext cx="762009" cy="611021"/>
+            </a:xfrm>
+            <a:prstGeom prst="rect">
+              <a:avLst/>
+            </a:prstGeom>
+            <a:ln>
+              <a:headEnd/>
+              <a:tailEnd/>
+            </a:ln>
+          </p:spPr>
+          <p:style>
+            <a:lnRef idx="2">
+              <a:schemeClr val="accent5">
+                <a:shade val="50000"/>
+              </a:schemeClr>
+            </a:lnRef>
+            <a:fillRef idx="1">
+              <a:schemeClr val="accent5"/>
+            </a:fillRef>
+            <a:effectRef idx="0">
+              <a:schemeClr val="accent5"/>
+            </a:effectRef>
+            <a:fontRef idx="minor">
+              <a:schemeClr val="lt1"/>
+            </a:fontRef>
+          </p:style>
+          <p:txBody>
+            <a:bodyPr wrap="none" anchor="ctr"/>
+            <a:lstStyle/>
+            <a:p>
+              <a:pPr algn="ctr" defTabSz="703326" eaLnBrk="0" hangingPunct="0">
+                <a:defRPr/>
+              </a:pPr>
+              <a:r>
+                <a:rPr lang="en-US" sz="1700" b="1" dirty="0"/>
+                <a:t>R1</a:t>
+              </a:r>
+              <a:endParaRPr lang="de-DE" sz="1700" b="1" dirty="0"/>
+            </a:p>
+          </p:txBody>
+        </p:sp>
+        <p:sp>
+          <p:nvSpPr>
+            <p:cNvPr id="40" name="Rectangle 6"/>
+            <p:cNvSpPr>
+              <a:spLocks noChangeArrowheads="1"/>
+            </p:cNvSpPr>
+            <p:nvPr/>
+          </p:nvSpPr>
+          <p:spPr bwMode="auto">
+            <a:xfrm>
+              <a:off x="8625399" y="3211185"/>
+              <a:ext cx="762009" cy="609434"/>
+            </a:xfrm>
+            <a:prstGeom prst="rect">
+              <a:avLst/>
+            </a:prstGeom>
+            <a:ln>
+              <a:headEnd/>
+              <a:tailEnd/>
+            </a:ln>
+          </p:spPr>
+          <p:style>
+            <a:lnRef idx="2">
+              <a:schemeClr val="accent5">
+                <a:shade val="50000"/>
+              </a:schemeClr>
+            </a:lnRef>
+            <a:fillRef idx="1">
+              <a:schemeClr val="accent5"/>
+            </a:fillRef>
+            <a:effectRef idx="0">
+              <a:schemeClr val="accent5"/>
+            </a:effectRef>
+            <a:fontRef idx="minor">
+              <a:schemeClr val="lt1"/>
+            </a:fontRef>
+          </p:style>
+          <p:txBody>
+            <a:bodyPr wrap="none" anchor="ctr"/>
+            <a:lstStyle/>
+            <a:p>
+              <a:pPr algn="ctr" defTabSz="703326" eaLnBrk="0" hangingPunct="0">
+                <a:defRPr/>
+              </a:pPr>
+              <a:r>
+                <a:rPr lang="en-US" sz="1700" b="1" dirty="0"/>
+                <a:t>R2</a:t>
+              </a:r>
+              <a:endParaRPr lang="de-DE" sz="1700" b="1" dirty="0"/>
+            </a:p>
+          </p:txBody>
+        </p:sp>
+        <p:sp>
+          <p:nvSpPr>
+            <p:cNvPr id="41" name="Rectangle 6"/>
+            <p:cNvSpPr>
+              <a:spLocks noChangeArrowheads="1"/>
+            </p:cNvSpPr>
+            <p:nvPr/>
+          </p:nvSpPr>
+          <p:spPr bwMode="auto">
+            <a:xfrm>
+              <a:off x="8625399" y="4185644"/>
+              <a:ext cx="762009" cy="609434"/>
+            </a:xfrm>
+            <a:prstGeom prst="rect">
+              <a:avLst/>
+            </a:prstGeom>
+            <a:ln>
+              <a:headEnd/>
+              <a:tailEnd/>
+            </a:ln>
+          </p:spPr>
+          <p:style>
+            <a:lnRef idx="2">
+              <a:schemeClr val="accent5">
+                <a:shade val="50000"/>
+              </a:schemeClr>
+            </a:lnRef>
+            <a:fillRef idx="1">
+              <a:schemeClr val="accent5"/>
+            </a:fillRef>
+            <a:effectRef idx="0">
+              <a:schemeClr val="accent5"/>
+            </a:effectRef>
+            <a:fontRef idx="minor">
+              <a:schemeClr val="lt1"/>
+            </a:fontRef>
+          </p:style>
+          <p:txBody>
+            <a:bodyPr wrap="none" anchor="ctr"/>
+            <a:lstStyle/>
+            <a:p>
+              <a:pPr algn="ctr" defTabSz="703326" eaLnBrk="0" hangingPunct="0">
+                <a:defRPr/>
+              </a:pPr>
+              <a:r>
+                <a:rPr lang="en-US" sz="1700" b="1" dirty="0"/>
+                <a:t>R3</a:t>
+              </a:r>
+              <a:endParaRPr lang="de-DE" sz="1700" b="1" dirty="0"/>
+            </a:p>
+          </p:txBody>
+        </p:sp>
+        <p:sp>
+          <p:nvSpPr>
+            <p:cNvPr id="67600" name="Text Box 58"/>
+            <p:cNvSpPr txBox="1">
+              <a:spLocks noChangeArrowheads="1"/>
+            </p:cNvSpPr>
+            <p:nvPr/>
+          </p:nvSpPr>
+          <p:spPr bwMode="auto">
+            <a:xfrm>
+              <a:off x="7176241" y="1914550"/>
+              <a:ext cx="964164" cy="1016669"/>
+            </a:xfrm>
+            <a:prstGeom prst="rect">
+              <a:avLst/>
+            </a:prstGeom>
+            <a:noFill/>
+            <a:ln>
+              <a:noFill/>
+            </a:ln>
+            <a:extLst>
+              <a:ext uri="{909E8E84-426E-40dd-AFC4-6F175D3DCCD1}">
+                <a14:hiddenFill xmlns:a14="http://schemas.microsoft.com/office/drawing/2010/main">
+                  <a:solidFill>
+                    <a:srgbClr val="FFFFFF"/>
+                  </a:solidFill>
+                </a14:hiddenFill>
+              </a:ext>
+              <a:ext uri="{91240B29-F687-4f45-9708-019B960494DF}">
+                <a14:hiddenLine xmlns:a14="http://schemas.microsoft.com/office/drawing/2010/main" w="12700">
+                  <a:solidFill>
+                    <a:srgbClr val="000000"/>
+                  </a:solidFill>
+                  <a:miter lim="800000"/>
+                  <a:headEnd/>
+                  <a:tailEnd/>
+                </a14:hiddenLine>
+              </a:ext>
+            </a:extLst>
+          </p:spPr>
+          <p:txBody>
+            <a:bodyPr wrap="none">
+              <a:spAutoFit/>
+            </a:bodyPr>
+            <a:lstStyle>
+              <a:lvl1pPr defTabSz="762000" eaLnBrk="0" hangingPunct="0">
+                <a:defRPr sz="2400">
+                  <a:solidFill>
+                    <a:schemeClr val="tx1"/>
+                  </a:solidFill>
+                  <a:latin typeface="Arial" charset="0"/>
+                  <a:ea typeface="ＭＳ Ｐゴシック" charset="0"/>
+                  <a:cs typeface="ＭＳ Ｐゴシック" charset="0"/>
+                </a:defRPr>
+              </a:lvl1pPr>
+              <a:lvl2pPr marL="742950" indent="-285750" defTabSz="762000" eaLnBrk="0" hangingPunct="0">
+                <a:defRPr sz="2400">
+                  <a:solidFill>
+                    <a:schemeClr val="tx1"/>
+                  </a:solidFill>
+                  <a:latin typeface="Arial" charset="0"/>
+                  <a:ea typeface="ＭＳ Ｐゴシック" charset="0"/>
+                </a:defRPr>
+              </a:lvl2pPr>
+              <a:lvl3pPr marL="1143000" indent="-228600" defTabSz="762000" eaLnBrk="0" hangingPunct="0">
+                <a:defRPr sz="2400">
+                  <a:solidFill>
+                    <a:schemeClr val="tx1"/>
+                  </a:solidFill>
+                  <a:latin typeface="Arial" charset="0"/>
+                  <a:ea typeface="ＭＳ Ｐゴシック" charset="0"/>
+                </a:defRPr>
+              </a:lvl3pPr>
+              <a:lvl4pPr marL="1600200" indent="-228600" defTabSz="762000" eaLnBrk="0" hangingPunct="0">
+                <a:defRPr sz="2400">
+                  <a:solidFill>
+                    <a:schemeClr val="tx1"/>
+                  </a:solidFill>
+                  <a:latin typeface="Arial" charset="0"/>
+                  <a:ea typeface="ＭＳ Ｐゴシック" charset="0"/>
+                </a:defRPr>
+              </a:lvl4pPr>
+              <a:lvl5pPr marL="2057400" indent="-228600" defTabSz="762000" eaLnBrk="0" hangingPunct="0">
+                <a:defRPr sz="2400">
+                  <a:solidFill>
+                    <a:schemeClr val="tx1"/>
+                  </a:solidFill>
+                  <a:latin typeface="Arial" charset="0"/>
+                  <a:ea typeface="ＭＳ Ｐゴシック" charset="0"/>
+                </a:defRPr>
+              </a:lvl5pPr>
+              <a:lvl6pPr marL="2514600" indent="-228600" defTabSz="762000" eaLnBrk="0" fontAlgn="base" hangingPunct="0">
+                <a:spcBef>
+                  <a:spcPct val="0"/>
+                </a:spcBef>
+                <a:spcAft>
+                  <a:spcPct val="0"/>
+                </a:spcAft>
+                <a:defRPr sz="2400">
+                  <a:solidFill>
+                    <a:schemeClr val="tx1"/>
+                  </a:solidFill>
+                  <a:latin typeface="Arial" charset="0"/>
+                  <a:ea typeface="ＭＳ Ｐゴシック" charset="0"/>
+                </a:defRPr>
+              </a:lvl6pPr>
+              <a:lvl7pPr marL="2971800" indent="-228600" defTabSz="762000" eaLnBrk="0" fontAlgn="base" hangingPunct="0">
+                <a:spcBef>
+                  <a:spcPct val="0"/>
+                </a:spcBef>
+                <a:spcAft>
+                  <a:spcPct val="0"/>
+                </a:spcAft>
+                <a:defRPr sz="2400">
+                  <a:solidFill>
+                    <a:schemeClr val="tx1"/>
+                  </a:solidFill>
+                  <a:latin typeface="Arial" charset="0"/>
+                  <a:ea typeface="ＭＳ Ｐゴシック" charset="0"/>
+                </a:defRPr>
+              </a:lvl7pPr>
+              <a:lvl8pPr marL="3429000" indent="-228600" defTabSz="762000" eaLnBrk="0" fontAlgn="base" hangingPunct="0">
+                <a:spcBef>
+                  <a:spcPct val="0"/>
+                </a:spcBef>
+                <a:spcAft>
+                  <a:spcPct val="0"/>
+                </a:spcAft>
+                <a:defRPr sz="2400">
+                  <a:solidFill>
+                    <a:schemeClr val="tx1"/>
+                  </a:solidFill>
+                  <a:latin typeface="Arial" charset="0"/>
+                  <a:ea typeface="ＭＳ Ｐゴシック" charset="0"/>
+                </a:defRPr>
+              </a:lvl8pPr>
+              <a:lvl9pPr marL="3886200" indent="-228600" defTabSz="762000" eaLnBrk="0" fontAlgn="base" hangingPunct="0">
+                <a:spcBef>
+                  <a:spcPct val="0"/>
+                </a:spcBef>
+                <a:spcAft>
+                  <a:spcPct val="0"/>
+                </a:spcAft>
+                <a:defRPr sz="2400">
+                  <a:solidFill>
+                    <a:schemeClr val="tx1"/>
+                  </a:solidFill>
+                  <a:latin typeface="Arial" charset="0"/>
+                  <a:ea typeface="ＭＳ Ｐゴシック" charset="0"/>
+                </a:defRPr>
+              </a:lvl9pPr>
+            </a:lstStyle>
+            <a:p>
+              <a:pPr algn="ctr"/>
+              <a:r>
+                <a:rPr lang="en-US" sz="5500" b="1">
+                  <a:solidFill>
+                    <a:srgbClr val="FF0000"/>
+                  </a:solidFill>
+                  <a:sym typeface="Webdings" charset="0"/>
+                </a:rPr>
+                <a:t></a:t>
+              </a:r>
+              <a:endParaRPr lang="en-US" sz="5500" b="1">
+                <a:solidFill>
+                  <a:srgbClr val="FF0000"/>
+                </a:solidFill>
+              </a:endParaRPr>
+            </a:p>
+          </p:txBody>
+        </p:sp>
+        <p:sp>
+          <p:nvSpPr>
+            <p:cNvPr id="67601" name="Text Box 58"/>
+            <p:cNvSpPr txBox="1">
+              <a:spLocks noChangeArrowheads="1"/>
+            </p:cNvSpPr>
+            <p:nvPr/>
+          </p:nvSpPr>
+          <p:spPr bwMode="auto">
+            <a:xfrm>
+              <a:off x="6168129" y="1914550"/>
+              <a:ext cx="964164" cy="1016669"/>
+            </a:xfrm>
+            <a:prstGeom prst="rect">
+              <a:avLst/>
+            </a:prstGeom>
+            <a:noFill/>
+            <a:ln>
+              <a:noFill/>
+            </a:ln>
+            <a:extLst>
+              <a:ext uri="{909E8E84-426E-40dd-AFC4-6F175D3DCCD1}">
+                <a14:hiddenFill xmlns:a14="http://schemas.microsoft.com/office/drawing/2010/main">
+                  <a:solidFill>
+                    <a:srgbClr val="FFFFFF"/>
+                  </a:solidFill>
+                </a14:hiddenFill>
+              </a:ext>
+              <a:ext uri="{91240B29-F687-4f45-9708-019B960494DF}">
+                <a14:hiddenLine xmlns:a14="http://schemas.microsoft.com/office/drawing/2010/main" w="12700">
+                  <a:solidFill>
+                    <a:srgbClr val="000000"/>
+                  </a:solidFill>
+                  <a:miter lim="800000"/>
+                  <a:headEnd/>
+                  <a:tailEnd/>
+                </a14:hiddenLine>
+              </a:ext>
+            </a:extLst>
+          </p:spPr>
+          <p:txBody>
+            <a:bodyPr wrap="none">
+              <a:spAutoFit/>
+            </a:bodyPr>
+            <a:lstStyle>
+              <a:lvl1pPr defTabSz="762000" eaLnBrk="0" hangingPunct="0">
+                <a:defRPr sz="2400">
+                  <a:solidFill>
+                    <a:schemeClr val="tx1"/>
+                  </a:solidFill>
+                  <a:latin typeface="Arial" charset="0"/>
+                  <a:ea typeface="ＭＳ Ｐゴシック" charset="0"/>
+                  <a:cs typeface="ＭＳ Ｐゴシック" charset="0"/>
+                </a:defRPr>
+              </a:lvl1pPr>
+              <a:lvl2pPr marL="742950" indent="-285750" defTabSz="762000" eaLnBrk="0" hangingPunct="0">
+                <a:defRPr sz="2400">
+                  <a:solidFill>
+                    <a:schemeClr val="tx1"/>
+                  </a:solidFill>
+                  <a:latin typeface="Arial" charset="0"/>
+                  <a:ea typeface="ＭＳ Ｐゴシック" charset="0"/>
+                </a:defRPr>
+              </a:lvl2pPr>
+              <a:lvl3pPr marL="1143000" indent="-228600" defTabSz="762000" eaLnBrk="0" hangingPunct="0">
+                <a:defRPr sz="2400">
+                  <a:solidFill>
+                    <a:schemeClr val="tx1"/>
+                  </a:solidFill>
+                  <a:latin typeface="Arial" charset="0"/>
+                  <a:ea typeface="ＭＳ Ｐゴシック" charset="0"/>
+                </a:defRPr>
+              </a:lvl3pPr>
+              <a:lvl4pPr marL="1600200" indent="-228600" defTabSz="762000" eaLnBrk="0" hangingPunct="0">
+                <a:defRPr sz="2400">
+                  <a:solidFill>
+                    <a:schemeClr val="tx1"/>
+                  </a:solidFill>
+                  <a:latin typeface="Arial" charset="0"/>
+                  <a:ea typeface="ＭＳ Ｐゴシック" charset="0"/>
+                </a:defRPr>
+              </a:lvl4pPr>
+              <a:lvl5pPr marL="2057400" indent="-228600" defTabSz="762000" eaLnBrk="0" hangingPunct="0">
+                <a:defRPr sz="2400">
+                  <a:solidFill>
+                    <a:schemeClr val="tx1"/>
+                  </a:solidFill>
+                  <a:latin typeface="Arial" charset="0"/>
+                  <a:ea typeface="ＭＳ Ｐゴシック" charset="0"/>
+                </a:defRPr>
+              </a:lvl5pPr>
+              <a:lvl6pPr marL="2514600" indent="-228600" defTabSz="762000" eaLnBrk="0" fontAlgn="base" hangingPunct="0">
+                <a:spcBef>
+                  <a:spcPct val="0"/>
+                </a:spcBef>
+                <a:spcAft>
+                  <a:spcPct val="0"/>
+                </a:spcAft>
+                <a:defRPr sz="2400">
+                  <a:solidFill>
+                    <a:schemeClr val="tx1"/>
+                  </a:solidFill>
+                  <a:latin typeface="Arial" charset="0"/>
+                  <a:ea typeface="ＭＳ Ｐゴシック" charset="0"/>
+                </a:defRPr>
+              </a:lvl6pPr>
+              <a:lvl7pPr marL="2971800" indent="-228600" defTabSz="762000" eaLnBrk="0" fontAlgn="base" hangingPunct="0">
+                <a:spcBef>
+                  <a:spcPct val="0"/>
+                </a:spcBef>
+                <a:spcAft>
+                  <a:spcPct val="0"/>
+                </a:spcAft>
+                <a:defRPr sz="2400">
+                  <a:solidFill>
+                    <a:schemeClr val="tx1"/>
+                  </a:solidFill>
+                  <a:latin typeface="Arial" charset="0"/>
+                  <a:ea typeface="ＭＳ Ｐゴシック" charset="0"/>
+                </a:defRPr>
+              </a:lvl7pPr>
+              <a:lvl8pPr marL="3429000" indent="-228600" defTabSz="762000" eaLnBrk="0" fontAlgn="base" hangingPunct="0">
+                <a:spcBef>
+                  <a:spcPct val="0"/>
+                </a:spcBef>
+                <a:spcAft>
+                  <a:spcPct val="0"/>
+                </a:spcAft>
+                <a:defRPr sz="2400">
+                  <a:solidFill>
+                    <a:schemeClr val="tx1"/>
+                  </a:solidFill>
+                  <a:latin typeface="Arial" charset="0"/>
+                  <a:ea typeface="ＭＳ Ｐゴシック" charset="0"/>
+                </a:defRPr>
+              </a:lvl8pPr>
+              <a:lvl9pPr marL="3886200" indent="-228600" defTabSz="762000" eaLnBrk="0" fontAlgn="base" hangingPunct="0">
+                <a:spcBef>
+                  <a:spcPct val="0"/>
+                </a:spcBef>
+                <a:spcAft>
+                  <a:spcPct val="0"/>
+                </a:spcAft>
+                <a:defRPr sz="2400">
+                  <a:solidFill>
+                    <a:schemeClr val="tx1"/>
+                  </a:solidFill>
+                  <a:latin typeface="Arial" charset="0"/>
+                  <a:ea typeface="ＭＳ Ｐゴシック" charset="0"/>
+                </a:defRPr>
+              </a:lvl9pPr>
+            </a:lstStyle>
+            <a:p>
+              <a:pPr algn="ctr"/>
+              <a:r>
+                <a:rPr lang="en-US" sz="5500" b="1">
+                  <a:solidFill>
+                    <a:srgbClr val="FF0000"/>
+                  </a:solidFill>
+                  <a:sym typeface="Webdings" charset="0"/>
+                </a:rPr>
+                <a:t></a:t>
+              </a:r>
+              <a:endParaRPr lang="en-US" sz="5500" b="1">
+                <a:solidFill>
+                  <a:srgbClr val="FF0000"/>
+                </a:solidFill>
+              </a:endParaRPr>
+            </a:p>
+          </p:txBody>
+        </p:sp>
+      </p:grpSp>
+    </p:spTree>
+    <p:extLst>
+      <p:ext uri="{BB962C8B-B14F-4D97-AF65-F5344CB8AC3E}">
+        <p14:creationId xmlns:p14="http://schemas.microsoft.com/office/powerpoint/2010/main" val="906582226"/>
+      </p:ext>
+    </p:extLst>
+  </p:cSld>
+  <p:clrMapOvr>
+    <a:masterClrMapping/>
+  </p:clrMapOvr>
+  <p:timing>
+    <p:tnLst>
+      <p:par>
+        <p:cTn xmlns:p14="http://schemas.microsoft.com/office/powerpoint/2010/main" id="1" dur="indefinite" restart="never" nodeType="tmRoot">
+          <p:childTnLst>
+            <p:seq concurrent="1" nextAc="seek">
+              <p:cTn id="2" dur="indefinite" nodeType="mainSeq">
+                <p:childTnLst>
+                  <p:par>
+                    <p:cTn id="3" fill="hold" nodeType="clickPar">
+                      <p:stCondLst>
+                        <p:cond delay="indefinite"/>
+                      </p:stCondLst>
+                      <p:childTnLst>
+                        <p:par>
+                          <p:cTn id="4" fill="hold" nodeType="withGroup">
+                            <p:stCondLst>
+                              <p:cond delay="0"/>
+                            </p:stCondLst>
+                            <p:childTnLst>
+                              <p:par>
+                                <p:cTn id="5" presetID="1" presetClass="entr" presetSubtype="0" fill="hold" nodeType="clickEffect">
+                                  <p:stCondLst>
+                                    <p:cond delay="0"/>
+                                  </p:stCondLst>
+                                  <p:childTnLst>
+                                    <p:set>
+                                      <p:cBhvr>
+                                        <p:cTn id="6" dur="1" fill="hold">
+                                          <p:stCondLst>
+                                            <p:cond delay="0"/>
+                                          </p:stCondLst>
+                                        </p:cTn>
+                                        <p:tgtEl>
+                                          <p:spTgt spid="44"/>
+                                        </p:tgtEl>
+                                        <p:attrNameLst>
+                                          <p:attrName>style.visibility</p:attrName>
+                                        </p:attrNameLst>
+                                      </p:cBhvr>
+                                      <p:to>
+                                        <p:strVal val="visible"/>
+                                      </p:to>
+                                    </p:set>
+                                  </p:childTnLst>
+                                </p:cTn>
+                              </p:par>
+                            </p:childTnLst>
+                          </p:cTn>
+                        </p:par>
+                      </p:childTnLst>
+                    </p:cTn>
+                  </p:par>
+                </p:childTnLst>
+              </p:cTn>
+              <p:prevCondLst>
+                <p:cond evt="onPrev" delay="0">
+                  <p:tgtEl>
+                    <p:sldTgt/>
+                  </p:tgtEl>
+                </p:cond>
+              </p:prevCondLst>
+              <p:nextCondLst>
+                <p:cond evt="onNext" delay="0">
+                  <p:tgtEl>
+                    <p:sldTgt/>
+                  </p:tgtEl>
+                </p:cond>
+              </p:nextCondLst>
+            </p:seq>
+          </p:childTnLst>
+        </p:cTn>
+      </p:par>
+    </p:tnLst>
+  </p:timing>
+</p:sld>
+</file>
+
+<file path=ppt/slides/slide4.xml><?xml version="1.0" encoding="utf-8"?>
+<p:sld xmlns:a="http://schemas.openxmlformats.org/drawingml/2006/main" xmlns:r="http://schemas.openxmlformats.org/officeDocument/2006/relationships" xmlns:p="http://schemas.openxmlformats.org/presentationml/2006/main">
+  <p:cSld>
+    <p:spTree>
+      <p:nvGrpSpPr>
+        <p:cNvPr id="1" name=""/>
+        <p:cNvGrpSpPr/>
+        <p:nvPr/>
+      </p:nvGrpSpPr>
+      <p:grpSpPr>
+        <a:xfrm>
+          <a:off x="0" y="0"/>
+          <a:ext cx="0" cy="0"/>
+          <a:chOff x="0" y="0"/>
+          <a:chExt cx="0" cy="0"/>
+        </a:xfrm>
+      </p:grpSpPr>
+      <p:sp>
+        <p:nvSpPr>
+          <p:cNvPr id="68609" name="Title 1"/>
+          <p:cNvSpPr>
+            <a:spLocks noGrp="1"/>
+          </p:cNvSpPr>
+          <p:nvPr>
+            <p:ph type="title"/>
+          </p:nvPr>
+        </p:nvSpPr>
+        <p:spPr/>
+        <p:txBody>
+          <a:bodyPr/>
+          <a:lstStyle/>
+          <a:p>
+            <a:r>
+              <a:rPr lang="en-US" dirty="0">
+                <a:latin typeface="Arial" charset="0"/>
+                <a:ea typeface="ＭＳ Ｐゴシック" charset="0"/>
+                <a:cs typeface="ＭＳ Ｐゴシック" charset="0"/>
+              </a:rPr>
+              <a:t>Column </a:t>
+            </a:r>
+            <a:r>
+              <a:rPr lang="en-US" dirty="0" smtClean="0">
+                <a:latin typeface="Arial" charset="0"/>
+                <a:ea typeface="ＭＳ Ｐゴシック" charset="0"/>
+                <a:cs typeface="ＭＳ Ｐゴシック" charset="0"/>
+              </a:rPr>
+              <a:t>FEC (1D)</a:t>
+            </a:r>
+            <a:endParaRPr lang="en-US" dirty="0">
+              <a:latin typeface="Arial" charset="0"/>
+              <a:ea typeface="ＭＳ Ｐゴシック" charset="0"/>
+              <a:cs typeface="ＭＳ Ｐゴシック" charset="0"/>
+            </a:endParaRPr>
+          </a:p>
+        </p:txBody>
+      </p:sp>
+      <p:grpSp>
+        <p:nvGrpSpPr>
+          <p:cNvPr id="59" name="Group 58"/>
+          <p:cNvGrpSpPr>
+            <a:grpSpLocks/>
+          </p:cNvGrpSpPr>
+          <p:nvPr/>
+        </p:nvGrpSpPr>
+        <p:grpSpPr bwMode="auto">
+          <a:xfrm>
+            <a:off x="5254869" y="1966546"/>
+            <a:ext cx="2584938" cy="3421674"/>
+            <a:chOff x="5693568" y="2130574"/>
+            <a:chExt cx="2800243" cy="3705944"/>
+          </a:xfrm>
+        </p:grpSpPr>
+        <p:sp>
+          <p:nvSpPr>
+            <p:cNvPr id="68634" name="Rectangle 4"/>
+            <p:cNvSpPr>
+              <a:spLocks noChangeArrowheads="1"/>
+            </p:cNvSpPr>
+            <p:nvPr/>
+          </p:nvSpPr>
+          <p:spPr bwMode="auto">
+            <a:xfrm>
+              <a:off x="5693568" y="2130574"/>
+              <a:ext cx="762000" cy="609600"/>
+            </a:xfrm>
+            <a:prstGeom prst="rect">
+              <a:avLst/>
+            </a:prstGeom>
+            <a:solidFill>
+              <a:srgbClr val="FFFFCC"/>
+            </a:solidFill>
+            <a:ln w="12700">
+              <a:solidFill>
+                <a:schemeClr val="tx1"/>
+              </a:solidFill>
+              <a:miter lim="800000"/>
+              <a:headEnd/>
+              <a:tailEnd/>
+            </a:ln>
+          </p:spPr>
+          <p:txBody>
+            <a:bodyPr wrap="none" anchor="ctr"/>
+            <a:lstStyle/>
+            <a:p>
+              <a:pPr algn="ctr" defTabSz="703326" eaLnBrk="0" hangingPunct="0"/>
+              <a:r>
+                <a:rPr lang="en-US" sz="1700" b="1"/>
+                <a:t>1</a:t>
+              </a:r>
+              <a:endParaRPr lang="de-DE" sz="1700" b="1"/>
+            </a:p>
+          </p:txBody>
+        </p:sp>
+        <p:sp>
+          <p:nvSpPr>
+            <p:cNvPr id="68635" name="Rectangle 5"/>
+            <p:cNvSpPr>
+              <a:spLocks noChangeArrowheads="1"/>
+            </p:cNvSpPr>
+            <p:nvPr/>
+          </p:nvSpPr>
+          <p:spPr bwMode="auto">
+            <a:xfrm>
+              <a:off x="6684168" y="2130574"/>
+              <a:ext cx="762000" cy="609600"/>
+            </a:xfrm>
+            <a:prstGeom prst="rect">
+              <a:avLst/>
+            </a:prstGeom>
+            <a:solidFill>
+              <a:srgbClr val="FFFFCC"/>
+            </a:solidFill>
+            <a:ln w="12700">
+              <a:solidFill>
+                <a:schemeClr val="tx1"/>
+              </a:solidFill>
+              <a:miter lim="800000"/>
+              <a:headEnd/>
+              <a:tailEnd/>
+            </a:ln>
+          </p:spPr>
+          <p:txBody>
+            <a:bodyPr wrap="none" anchor="ctr"/>
+            <a:lstStyle/>
+            <a:p>
+              <a:pPr algn="ctr" defTabSz="703326" eaLnBrk="0" hangingPunct="0"/>
+              <a:r>
+                <a:rPr lang="en-US" sz="1700" b="1"/>
+                <a:t>2</a:t>
+              </a:r>
+              <a:endParaRPr lang="de-DE" sz="1700" b="1"/>
+            </a:p>
+          </p:txBody>
+        </p:sp>
+        <p:sp>
+          <p:nvSpPr>
+            <p:cNvPr id="68636" name="Rectangle 6"/>
+            <p:cNvSpPr>
+              <a:spLocks noChangeArrowheads="1"/>
+            </p:cNvSpPr>
+            <p:nvPr/>
+          </p:nvSpPr>
+          <p:spPr bwMode="auto">
+            <a:xfrm>
+              <a:off x="7674768" y="2130574"/>
+              <a:ext cx="762000" cy="609600"/>
+            </a:xfrm>
+            <a:prstGeom prst="rect">
+              <a:avLst/>
+            </a:prstGeom>
+            <a:solidFill>
+              <a:srgbClr val="FFFFCC"/>
+            </a:solidFill>
+            <a:ln w="12700">
+              <a:solidFill>
+                <a:schemeClr val="tx1"/>
+              </a:solidFill>
+              <a:miter lim="800000"/>
+              <a:headEnd/>
+              <a:tailEnd/>
+            </a:ln>
+          </p:spPr>
+          <p:txBody>
+            <a:bodyPr wrap="none" anchor="ctr"/>
+            <a:lstStyle/>
+            <a:p>
+              <a:pPr algn="ctr" defTabSz="703326" eaLnBrk="0" hangingPunct="0"/>
+              <a:r>
+                <a:rPr lang="en-US" sz="1700" b="1"/>
+                <a:t>3</a:t>
+              </a:r>
+              <a:endParaRPr lang="de-DE" sz="1700" b="1"/>
+            </a:p>
+          </p:txBody>
+        </p:sp>
+        <p:sp>
+          <p:nvSpPr>
+            <p:cNvPr id="68637" name="Rectangle 10"/>
+            <p:cNvSpPr>
+              <a:spLocks noChangeArrowheads="1"/>
+            </p:cNvSpPr>
+            <p:nvPr/>
+          </p:nvSpPr>
+          <p:spPr bwMode="auto">
+            <a:xfrm>
+              <a:off x="5708104" y="4146798"/>
+              <a:ext cx="762000" cy="609600"/>
+            </a:xfrm>
+            <a:prstGeom prst="rect">
+              <a:avLst/>
+            </a:prstGeom>
+            <a:solidFill>
+              <a:srgbClr val="99FF99"/>
+            </a:solidFill>
+            <a:ln w="12700">
+              <a:solidFill>
+                <a:schemeClr val="tx1"/>
+              </a:solidFill>
+              <a:miter lim="800000"/>
+              <a:headEnd/>
+              <a:tailEnd/>
+            </a:ln>
+          </p:spPr>
+          <p:txBody>
+            <a:bodyPr wrap="none" anchor="ctr"/>
+            <a:lstStyle/>
+            <a:p>
+              <a:pPr algn="ctr" defTabSz="703326" eaLnBrk="0" hangingPunct="0"/>
+              <a:r>
+                <a:rPr lang="en-US" sz="1700" b="1"/>
+                <a:t>7</a:t>
+              </a:r>
+              <a:endParaRPr lang="de-DE" sz="1700" b="1"/>
+            </a:p>
+          </p:txBody>
+        </p:sp>
+        <p:sp>
+          <p:nvSpPr>
+            <p:cNvPr id="68638" name="Rectangle 18"/>
+            <p:cNvSpPr>
+              <a:spLocks noChangeArrowheads="1"/>
+            </p:cNvSpPr>
+            <p:nvPr/>
+          </p:nvSpPr>
+          <p:spPr bwMode="auto">
+            <a:xfrm>
+              <a:off x="6698704" y="4146798"/>
+              <a:ext cx="762000" cy="609600"/>
+            </a:xfrm>
+            <a:prstGeom prst="rect">
+              <a:avLst/>
+            </a:prstGeom>
+            <a:solidFill>
+              <a:srgbClr val="99FF99"/>
+            </a:solidFill>
+            <a:ln w="12700">
+              <a:solidFill>
+                <a:schemeClr val="tx1"/>
+              </a:solidFill>
+              <a:miter lim="800000"/>
+              <a:headEnd/>
+              <a:tailEnd/>
+            </a:ln>
+          </p:spPr>
+          <p:txBody>
+            <a:bodyPr wrap="none" anchor="ctr"/>
+            <a:lstStyle/>
+            <a:p>
+              <a:pPr algn="ctr" defTabSz="703326" eaLnBrk="0" hangingPunct="0"/>
+              <a:r>
+                <a:rPr lang="en-US" sz="1700" b="1"/>
+                <a:t>8</a:t>
+              </a:r>
+              <a:endParaRPr lang="de-DE" sz="1700" b="1"/>
+            </a:p>
+          </p:txBody>
+        </p:sp>
+        <p:sp>
+          <p:nvSpPr>
+            <p:cNvPr id="68639" name="Rectangle 19"/>
+            <p:cNvSpPr>
+              <a:spLocks noChangeArrowheads="1"/>
+            </p:cNvSpPr>
+            <p:nvPr/>
+          </p:nvSpPr>
+          <p:spPr bwMode="auto">
+            <a:xfrm>
+              <a:off x="7689304" y="4146798"/>
+              <a:ext cx="762000" cy="609600"/>
+            </a:xfrm>
+            <a:prstGeom prst="rect">
+              <a:avLst/>
+            </a:prstGeom>
+            <a:solidFill>
+              <a:srgbClr val="99FF99"/>
+            </a:solidFill>
+            <a:ln w="12700">
+              <a:solidFill>
+                <a:schemeClr val="tx1"/>
+              </a:solidFill>
+              <a:miter lim="800000"/>
+              <a:headEnd/>
+              <a:tailEnd/>
+            </a:ln>
+          </p:spPr>
+          <p:txBody>
+            <a:bodyPr wrap="none" anchor="ctr"/>
+            <a:lstStyle/>
+            <a:p>
+              <a:pPr algn="ctr" defTabSz="703326" eaLnBrk="0" hangingPunct="0"/>
+              <a:r>
+                <a:rPr lang="en-US" sz="1700" b="1"/>
+                <a:t>9</a:t>
+              </a:r>
+              <a:endParaRPr lang="de-DE" sz="1700" b="1"/>
+            </a:p>
+          </p:txBody>
+        </p:sp>
+        <p:sp>
+          <p:nvSpPr>
+            <p:cNvPr id="68640" name="Rectangle 7"/>
+            <p:cNvSpPr>
+              <a:spLocks noChangeArrowheads="1"/>
+            </p:cNvSpPr>
+            <p:nvPr/>
+          </p:nvSpPr>
+          <p:spPr bwMode="auto">
+            <a:xfrm>
+              <a:off x="5708104" y="3138686"/>
+              <a:ext cx="762000" cy="609600"/>
+            </a:xfrm>
+            <a:prstGeom prst="rect">
+              <a:avLst/>
+            </a:prstGeom>
+            <a:solidFill>
+              <a:srgbClr val="FFCC99"/>
+            </a:solidFill>
+            <a:ln w="12700">
+              <a:solidFill>
+                <a:schemeClr val="tx1"/>
+              </a:solidFill>
+              <a:miter lim="800000"/>
+              <a:headEnd/>
+              <a:tailEnd/>
+            </a:ln>
+          </p:spPr>
+          <p:txBody>
+            <a:bodyPr wrap="none" anchor="ctr"/>
+            <a:lstStyle/>
+            <a:p>
+              <a:pPr algn="ctr" defTabSz="703326" eaLnBrk="0" hangingPunct="0"/>
+              <a:r>
+                <a:rPr lang="en-US" sz="1700" b="1"/>
+                <a:t>4</a:t>
+              </a:r>
+              <a:endParaRPr lang="de-DE" sz="1700" b="1"/>
+            </a:p>
+          </p:txBody>
+        </p:sp>
+        <p:sp>
+          <p:nvSpPr>
+            <p:cNvPr id="68641" name="Rectangle 8"/>
+            <p:cNvSpPr>
+              <a:spLocks noChangeArrowheads="1"/>
+            </p:cNvSpPr>
+            <p:nvPr/>
+          </p:nvSpPr>
+          <p:spPr bwMode="auto">
+            <a:xfrm>
+              <a:off x="6698704" y="3138686"/>
+              <a:ext cx="762000" cy="609600"/>
+            </a:xfrm>
+            <a:prstGeom prst="rect">
+              <a:avLst/>
+            </a:prstGeom>
+            <a:solidFill>
+              <a:srgbClr val="FFCC99"/>
+            </a:solidFill>
+            <a:ln w="12700">
+              <a:solidFill>
+                <a:schemeClr val="tx1"/>
+              </a:solidFill>
+              <a:miter lim="800000"/>
+              <a:headEnd/>
+              <a:tailEnd/>
+            </a:ln>
+          </p:spPr>
+          <p:txBody>
+            <a:bodyPr wrap="none" anchor="ctr"/>
+            <a:lstStyle/>
+            <a:p>
+              <a:pPr algn="ctr" defTabSz="703326" eaLnBrk="0" hangingPunct="0"/>
+              <a:r>
+                <a:rPr lang="en-US" sz="1700" b="1"/>
+                <a:t>5</a:t>
+              </a:r>
+              <a:endParaRPr lang="de-DE" sz="1700" b="1"/>
+            </a:p>
+          </p:txBody>
+        </p:sp>
+        <p:sp>
+          <p:nvSpPr>
+            <p:cNvPr id="68642" name="Rectangle 9"/>
+            <p:cNvSpPr>
+              <a:spLocks noChangeArrowheads="1"/>
+            </p:cNvSpPr>
+            <p:nvPr/>
+          </p:nvSpPr>
+          <p:spPr bwMode="auto">
+            <a:xfrm>
+              <a:off x="7689304" y="3138686"/>
+              <a:ext cx="762000" cy="609600"/>
+            </a:xfrm>
+            <a:prstGeom prst="rect">
+              <a:avLst/>
+            </a:prstGeom>
+            <a:solidFill>
+              <a:srgbClr val="FFCC99"/>
+            </a:solidFill>
+            <a:ln w="12700">
+              <a:solidFill>
+                <a:schemeClr val="tx1"/>
+              </a:solidFill>
+              <a:miter lim="800000"/>
+              <a:headEnd/>
+              <a:tailEnd/>
+            </a:ln>
+          </p:spPr>
+          <p:txBody>
+            <a:bodyPr wrap="none" anchor="ctr"/>
+            <a:lstStyle/>
+            <a:p>
+              <a:pPr algn="ctr" defTabSz="703326" eaLnBrk="0" hangingPunct="0"/>
+              <a:r>
+                <a:rPr lang="en-US" sz="1700" b="1"/>
+                <a:t>6</a:t>
+              </a:r>
+              <a:endParaRPr lang="de-DE" sz="1700" b="1"/>
+            </a:p>
+          </p:txBody>
+        </p:sp>
+        <p:sp>
+          <p:nvSpPr>
+            <p:cNvPr id="34" name="Rectangle 6"/>
+            <p:cNvSpPr>
+              <a:spLocks noChangeArrowheads="1"/>
+            </p:cNvSpPr>
+            <p:nvPr/>
+          </p:nvSpPr>
+          <p:spPr bwMode="auto">
+            <a:xfrm>
+              <a:off x="5715792" y="5227061"/>
+              <a:ext cx="761971" cy="609457"/>
+            </a:xfrm>
+            <a:prstGeom prst="rect">
+              <a:avLst/>
+            </a:prstGeom>
+            <a:ln>
+              <a:headEnd/>
+              <a:tailEnd/>
+            </a:ln>
+          </p:spPr>
+          <p:style>
+            <a:lnRef idx="2">
+              <a:schemeClr val="accent5">
+                <a:shade val="50000"/>
+              </a:schemeClr>
+            </a:lnRef>
+            <a:fillRef idx="1">
+              <a:schemeClr val="accent5"/>
+            </a:fillRef>
+            <a:effectRef idx="0">
+              <a:schemeClr val="accent5"/>
+            </a:effectRef>
+            <a:fontRef idx="minor">
+              <a:schemeClr val="lt1"/>
+            </a:fontRef>
+          </p:style>
+          <p:txBody>
+            <a:bodyPr wrap="none" anchor="ctr"/>
+            <a:lstStyle/>
+            <a:p>
+              <a:pPr algn="ctr" defTabSz="703326" eaLnBrk="0" hangingPunct="0">
+                <a:defRPr/>
+              </a:pPr>
+              <a:r>
+                <a:rPr lang="en-US" sz="1700" b="1" dirty="0"/>
+                <a:t>C1</a:t>
+              </a:r>
+              <a:endParaRPr lang="de-DE" sz="1700" b="1" dirty="0"/>
+            </a:p>
+          </p:txBody>
+        </p:sp>
+        <p:sp>
+          <p:nvSpPr>
+            <p:cNvPr id="35" name="Rectangle 6"/>
+            <p:cNvSpPr>
+              <a:spLocks noChangeArrowheads="1"/>
+            </p:cNvSpPr>
+            <p:nvPr/>
+          </p:nvSpPr>
+          <p:spPr bwMode="auto">
+            <a:xfrm>
+              <a:off x="6723817" y="5227061"/>
+              <a:ext cx="761971" cy="609457"/>
+            </a:xfrm>
+            <a:prstGeom prst="rect">
+              <a:avLst/>
+            </a:prstGeom>
+            <a:ln>
+              <a:headEnd/>
+              <a:tailEnd/>
+            </a:ln>
+          </p:spPr>
+          <p:style>
+            <a:lnRef idx="2">
+              <a:schemeClr val="accent5">
+                <a:shade val="50000"/>
+              </a:schemeClr>
+            </a:lnRef>
+            <a:fillRef idx="1">
+              <a:schemeClr val="accent5"/>
+            </a:fillRef>
+            <a:effectRef idx="0">
+              <a:schemeClr val="accent5"/>
+            </a:effectRef>
+            <a:fontRef idx="minor">
+              <a:schemeClr val="lt1"/>
+            </a:fontRef>
+          </p:style>
+          <p:txBody>
+            <a:bodyPr wrap="none" anchor="ctr"/>
+            <a:lstStyle/>
+            <a:p>
+              <a:pPr algn="ctr" defTabSz="703326" eaLnBrk="0" hangingPunct="0">
+                <a:defRPr/>
+              </a:pPr>
+              <a:r>
+                <a:rPr lang="en-US" sz="1700" b="1" dirty="0"/>
+                <a:t>C2</a:t>
+              </a:r>
+              <a:endParaRPr lang="de-DE" sz="1700" b="1" dirty="0"/>
+            </a:p>
+          </p:txBody>
+        </p:sp>
+        <p:sp>
+          <p:nvSpPr>
+            <p:cNvPr id="36" name="Rectangle 6"/>
+            <p:cNvSpPr>
+              <a:spLocks noChangeArrowheads="1"/>
+            </p:cNvSpPr>
+            <p:nvPr/>
+          </p:nvSpPr>
+          <p:spPr bwMode="auto">
+            <a:xfrm>
+              <a:off x="7731840" y="5227061"/>
+              <a:ext cx="761971" cy="609457"/>
+            </a:xfrm>
+            <a:prstGeom prst="rect">
+              <a:avLst/>
+            </a:prstGeom>
+            <a:ln>
+              <a:headEnd/>
+              <a:tailEnd/>
+            </a:ln>
+          </p:spPr>
+          <p:style>
+            <a:lnRef idx="2">
+              <a:schemeClr val="accent5">
+                <a:shade val="50000"/>
+              </a:schemeClr>
+            </a:lnRef>
+            <a:fillRef idx="1">
+              <a:schemeClr val="accent5"/>
+            </a:fillRef>
+            <a:effectRef idx="0">
+              <a:schemeClr val="accent5"/>
+            </a:effectRef>
+            <a:fontRef idx="minor">
+              <a:schemeClr val="lt1"/>
+            </a:fontRef>
+          </p:style>
+          <p:txBody>
+            <a:bodyPr wrap="none" anchor="ctr"/>
+            <a:lstStyle/>
+            <a:p>
+              <a:pPr algn="ctr" defTabSz="703326" eaLnBrk="0" hangingPunct="0">
+                <a:defRPr/>
+              </a:pPr>
+              <a:r>
+                <a:rPr lang="en-US" sz="1700" b="1" dirty="0"/>
+                <a:t>C3</a:t>
+              </a:r>
+              <a:endParaRPr lang="de-DE" sz="1700" b="1" dirty="0"/>
+            </a:p>
+          </p:txBody>
+        </p:sp>
+      </p:grpSp>
+      <p:grpSp>
+        <p:nvGrpSpPr>
+          <p:cNvPr id="68611" name="Group 54"/>
+          <p:cNvGrpSpPr>
+            <a:grpSpLocks/>
+          </p:cNvGrpSpPr>
+          <p:nvPr/>
+        </p:nvGrpSpPr>
+        <p:grpSpPr bwMode="auto">
+          <a:xfrm>
+            <a:off x="470389" y="1767254"/>
+            <a:ext cx="2656452" cy="3686908"/>
+            <a:chOff x="508992" y="1914550"/>
+            <a:chExt cx="2879093" cy="3993976"/>
+          </a:xfrm>
+        </p:grpSpPr>
+        <p:sp>
+          <p:nvSpPr>
+            <p:cNvPr id="68620" name="Rectangle 4"/>
+            <p:cNvSpPr>
+              <a:spLocks noChangeArrowheads="1"/>
+            </p:cNvSpPr>
+            <p:nvPr/>
+          </p:nvSpPr>
+          <p:spPr bwMode="auto">
+            <a:xfrm>
+              <a:off x="508992" y="2202582"/>
+              <a:ext cx="762000" cy="609600"/>
+            </a:xfrm>
+            <a:prstGeom prst="rect">
+              <a:avLst/>
+            </a:prstGeom>
+            <a:solidFill>
+              <a:srgbClr val="FFFFCC"/>
+            </a:solidFill>
+            <a:ln w="12700">
+              <a:solidFill>
+                <a:schemeClr val="tx1"/>
+              </a:solidFill>
+              <a:miter lim="800000"/>
+              <a:headEnd/>
+              <a:tailEnd/>
+            </a:ln>
+          </p:spPr>
+          <p:txBody>
+            <a:bodyPr wrap="none" anchor="ctr"/>
+            <a:lstStyle/>
+            <a:p>
+              <a:pPr algn="ctr" defTabSz="703326" eaLnBrk="0" hangingPunct="0"/>
+              <a:r>
+                <a:rPr lang="en-US" sz="1700" b="1"/>
+                <a:t>1</a:t>
+              </a:r>
+              <a:endParaRPr lang="de-DE" sz="1700" b="1"/>
+            </a:p>
+          </p:txBody>
+        </p:sp>
+        <p:sp>
+          <p:nvSpPr>
+            <p:cNvPr id="68621" name="Rectangle 5"/>
+            <p:cNvSpPr>
+              <a:spLocks noChangeArrowheads="1"/>
+            </p:cNvSpPr>
+            <p:nvPr/>
+          </p:nvSpPr>
+          <p:spPr bwMode="auto">
+            <a:xfrm>
+              <a:off x="1499592" y="2202582"/>
+              <a:ext cx="762000" cy="609600"/>
+            </a:xfrm>
+            <a:prstGeom prst="rect">
+              <a:avLst/>
+            </a:prstGeom>
+            <a:solidFill>
+              <a:srgbClr val="FFFFCC"/>
+            </a:solidFill>
+            <a:ln w="12700">
+              <a:solidFill>
+                <a:schemeClr val="tx1"/>
+              </a:solidFill>
+              <a:miter lim="800000"/>
+              <a:headEnd/>
+              <a:tailEnd/>
+            </a:ln>
+          </p:spPr>
+          <p:txBody>
+            <a:bodyPr wrap="none" anchor="ctr"/>
+            <a:lstStyle/>
+            <a:p>
+              <a:pPr algn="ctr" defTabSz="703326" eaLnBrk="0" hangingPunct="0"/>
+              <a:r>
+                <a:rPr lang="en-US" sz="1700" b="1"/>
+                <a:t>2</a:t>
+              </a:r>
+              <a:endParaRPr lang="de-DE" sz="1700" b="1"/>
+            </a:p>
+          </p:txBody>
+        </p:sp>
+        <p:sp>
+          <p:nvSpPr>
+            <p:cNvPr id="68622" name="Rectangle 6"/>
+            <p:cNvSpPr>
+              <a:spLocks noChangeArrowheads="1"/>
+            </p:cNvSpPr>
+            <p:nvPr/>
+          </p:nvSpPr>
+          <p:spPr bwMode="auto">
+            <a:xfrm>
+              <a:off x="2490192" y="2202582"/>
+              <a:ext cx="762000" cy="609600"/>
+            </a:xfrm>
+            <a:prstGeom prst="rect">
+              <a:avLst/>
+            </a:prstGeom>
+            <a:solidFill>
+              <a:srgbClr val="FFFFCC"/>
+            </a:solidFill>
+            <a:ln w="12700">
+              <a:solidFill>
+                <a:schemeClr val="tx1"/>
+              </a:solidFill>
+              <a:miter lim="800000"/>
+              <a:headEnd/>
+              <a:tailEnd/>
+            </a:ln>
+          </p:spPr>
+          <p:txBody>
+            <a:bodyPr wrap="none" anchor="ctr"/>
+            <a:lstStyle/>
+            <a:p>
+              <a:pPr algn="ctr" defTabSz="703326" eaLnBrk="0" hangingPunct="0"/>
+              <a:r>
+                <a:rPr lang="en-US" sz="1700" b="1"/>
+                <a:t>3</a:t>
+              </a:r>
+              <a:endParaRPr lang="de-DE" sz="1700" b="1"/>
+            </a:p>
+          </p:txBody>
+        </p:sp>
+        <p:sp>
+          <p:nvSpPr>
+            <p:cNvPr id="68623" name="Rectangle 10"/>
+            <p:cNvSpPr>
+              <a:spLocks noChangeArrowheads="1"/>
+            </p:cNvSpPr>
+            <p:nvPr/>
+          </p:nvSpPr>
+          <p:spPr bwMode="auto">
+            <a:xfrm>
+              <a:off x="523528" y="4218806"/>
+              <a:ext cx="762000" cy="609600"/>
+            </a:xfrm>
+            <a:prstGeom prst="rect">
+              <a:avLst/>
+            </a:prstGeom>
+            <a:solidFill>
+              <a:srgbClr val="99FF99"/>
+            </a:solidFill>
+            <a:ln w="12700">
+              <a:solidFill>
+                <a:schemeClr val="tx1"/>
+              </a:solidFill>
+              <a:miter lim="800000"/>
+              <a:headEnd/>
+              <a:tailEnd/>
+            </a:ln>
+          </p:spPr>
+          <p:txBody>
+            <a:bodyPr wrap="none" anchor="ctr"/>
+            <a:lstStyle/>
+            <a:p>
+              <a:pPr algn="ctr" defTabSz="703326" eaLnBrk="0" hangingPunct="0"/>
+              <a:r>
+                <a:rPr lang="en-US" sz="1700" b="1"/>
+                <a:t>7</a:t>
+              </a:r>
+              <a:endParaRPr lang="de-DE" sz="1700" b="1"/>
+            </a:p>
+          </p:txBody>
+        </p:sp>
+        <p:sp>
+          <p:nvSpPr>
+            <p:cNvPr id="68624" name="Rectangle 18"/>
+            <p:cNvSpPr>
+              <a:spLocks noChangeArrowheads="1"/>
+            </p:cNvSpPr>
+            <p:nvPr/>
+          </p:nvSpPr>
+          <p:spPr bwMode="auto">
+            <a:xfrm>
+              <a:off x="1514128" y="4218806"/>
+              <a:ext cx="762000" cy="609600"/>
+            </a:xfrm>
+            <a:prstGeom prst="rect">
+              <a:avLst/>
+            </a:prstGeom>
+            <a:solidFill>
+              <a:srgbClr val="99FF99"/>
+            </a:solidFill>
+            <a:ln w="12700">
+              <a:solidFill>
+                <a:schemeClr val="tx1"/>
+              </a:solidFill>
+              <a:miter lim="800000"/>
+              <a:headEnd/>
+              <a:tailEnd/>
+            </a:ln>
+          </p:spPr>
+          <p:txBody>
+            <a:bodyPr wrap="none" anchor="ctr"/>
+            <a:lstStyle/>
+            <a:p>
+              <a:pPr algn="ctr" defTabSz="703326" eaLnBrk="0" hangingPunct="0"/>
+              <a:r>
+                <a:rPr lang="en-US" sz="1700" b="1"/>
+                <a:t>8</a:t>
+              </a:r>
+              <a:endParaRPr lang="de-DE" sz="1700" b="1"/>
+            </a:p>
+          </p:txBody>
+        </p:sp>
+        <p:sp>
+          <p:nvSpPr>
+            <p:cNvPr id="68625" name="Rectangle 19"/>
+            <p:cNvSpPr>
+              <a:spLocks noChangeArrowheads="1"/>
+            </p:cNvSpPr>
+            <p:nvPr/>
+          </p:nvSpPr>
+          <p:spPr bwMode="auto">
+            <a:xfrm>
+              <a:off x="2504728" y="4218806"/>
+              <a:ext cx="762000" cy="609600"/>
+            </a:xfrm>
+            <a:prstGeom prst="rect">
+              <a:avLst/>
+            </a:prstGeom>
+            <a:solidFill>
+              <a:srgbClr val="99FF99"/>
+            </a:solidFill>
+            <a:ln w="12700">
+              <a:solidFill>
+                <a:schemeClr val="tx1"/>
+              </a:solidFill>
+              <a:miter lim="800000"/>
+              <a:headEnd/>
+              <a:tailEnd/>
+            </a:ln>
+          </p:spPr>
+          <p:txBody>
+            <a:bodyPr wrap="none" anchor="ctr"/>
+            <a:lstStyle/>
+            <a:p>
+              <a:pPr algn="ctr" defTabSz="703326" eaLnBrk="0" hangingPunct="0"/>
+              <a:r>
+                <a:rPr lang="en-US" sz="1700" b="1"/>
+                <a:t>9</a:t>
+              </a:r>
+              <a:endParaRPr lang="de-DE" sz="1700" b="1"/>
+            </a:p>
+          </p:txBody>
+        </p:sp>
+        <p:sp>
+          <p:nvSpPr>
+            <p:cNvPr id="68626" name="Rectangle 7"/>
+            <p:cNvSpPr>
+              <a:spLocks noChangeArrowheads="1"/>
+            </p:cNvSpPr>
+            <p:nvPr/>
+          </p:nvSpPr>
+          <p:spPr bwMode="auto">
+            <a:xfrm>
+              <a:off x="523528" y="3210694"/>
+              <a:ext cx="762000" cy="609600"/>
+            </a:xfrm>
+            <a:prstGeom prst="rect">
+              <a:avLst/>
+            </a:prstGeom>
+            <a:solidFill>
+              <a:srgbClr val="FFCC99"/>
+            </a:solidFill>
+            <a:ln w="12700">
+              <a:solidFill>
+                <a:schemeClr val="tx1"/>
+              </a:solidFill>
+              <a:miter lim="800000"/>
+              <a:headEnd/>
+              <a:tailEnd/>
+            </a:ln>
+          </p:spPr>
+          <p:txBody>
+            <a:bodyPr wrap="none" anchor="ctr"/>
+            <a:lstStyle/>
+            <a:p>
+              <a:pPr algn="ctr" defTabSz="703326" eaLnBrk="0" hangingPunct="0"/>
+              <a:r>
+                <a:rPr lang="en-US" sz="1700" b="1"/>
+                <a:t>4</a:t>
+              </a:r>
+              <a:endParaRPr lang="de-DE" sz="1700" b="1"/>
+            </a:p>
+          </p:txBody>
+        </p:sp>
+        <p:sp>
+          <p:nvSpPr>
+            <p:cNvPr id="68627" name="Rectangle 8"/>
+            <p:cNvSpPr>
+              <a:spLocks noChangeArrowheads="1"/>
+            </p:cNvSpPr>
+            <p:nvPr/>
+          </p:nvSpPr>
+          <p:spPr bwMode="auto">
+            <a:xfrm>
+              <a:off x="1514128" y="3210694"/>
+              <a:ext cx="762000" cy="609600"/>
+            </a:xfrm>
+            <a:prstGeom prst="rect">
+              <a:avLst/>
+            </a:prstGeom>
+            <a:solidFill>
+              <a:srgbClr val="FFCC99"/>
+            </a:solidFill>
+            <a:ln w="12700">
+              <a:solidFill>
+                <a:schemeClr val="tx1"/>
+              </a:solidFill>
+              <a:miter lim="800000"/>
+              <a:headEnd/>
+              <a:tailEnd/>
+            </a:ln>
+          </p:spPr>
+          <p:txBody>
+            <a:bodyPr wrap="none" anchor="ctr"/>
+            <a:lstStyle/>
+            <a:p>
+              <a:pPr algn="ctr" defTabSz="703326" eaLnBrk="0" hangingPunct="0"/>
+              <a:r>
+                <a:rPr lang="en-US" sz="1700" b="1"/>
+                <a:t>5</a:t>
+              </a:r>
+              <a:endParaRPr lang="de-DE" sz="1700" b="1"/>
+            </a:p>
+          </p:txBody>
+        </p:sp>
+        <p:sp>
+          <p:nvSpPr>
+            <p:cNvPr id="68628" name="Rectangle 9"/>
+            <p:cNvSpPr>
+              <a:spLocks noChangeArrowheads="1"/>
+            </p:cNvSpPr>
+            <p:nvPr/>
+          </p:nvSpPr>
+          <p:spPr bwMode="auto">
+            <a:xfrm>
+              <a:off x="2504728" y="3210694"/>
+              <a:ext cx="762000" cy="609600"/>
+            </a:xfrm>
+            <a:prstGeom prst="rect">
+              <a:avLst/>
+            </a:prstGeom>
+            <a:solidFill>
+              <a:srgbClr val="FFCC99"/>
+            </a:solidFill>
+            <a:ln w="12700">
+              <a:solidFill>
+                <a:schemeClr val="tx1"/>
+              </a:solidFill>
+              <a:miter lim="800000"/>
+              <a:headEnd/>
+              <a:tailEnd/>
+            </a:ln>
+          </p:spPr>
+          <p:txBody>
+            <a:bodyPr wrap="none" anchor="ctr"/>
+            <a:lstStyle/>
+            <a:p>
+              <a:pPr algn="ctr" defTabSz="703326" eaLnBrk="0" hangingPunct="0"/>
+              <a:r>
+                <a:rPr lang="en-US" sz="1700" b="1"/>
+                <a:t>6</a:t>
+              </a:r>
+              <a:endParaRPr lang="de-DE" sz="1700" b="1"/>
+            </a:p>
+          </p:txBody>
+        </p:sp>
+        <p:sp>
+          <p:nvSpPr>
+            <p:cNvPr id="22" name="Rectangle 6"/>
+            <p:cNvSpPr>
+              <a:spLocks noChangeArrowheads="1"/>
+            </p:cNvSpPr>
+            <p:nvPr/>
+          </p:nvSpPr>
+          <p:spPr bwMode="auto">
+            <a:xfrm>
+              <a:off x="529638" y="5298953"/>
+              <a:ext cx="762336" cy="609573"/>
+            </a:xfrm>
+            <a:prstGeom prst="rect">
+              <a:avLst/>
+            </a:prstGeom>
+            <a:ln>
+              <a:headEnd/>
+              <a:tailEnd/>
+            </a:ln>
+          </p:spPr>
+          <p:style>
+            <a:lnRef idx="2">
+              <a:schemeClr val="accent5">
+                <a:shade val="50000"/>
+              </a:schemeClr>
+            </a:lnRef>
+            <a:fillRef idx="1">
+              <a:schemeClr val="accent5"/>
+            </a:fillRef>
+            <a:effectRef idx="0">
+              <a:schemeClr val="accent5"/>
+            </a:effectRef>
+            <a:fontRef idx="minor">
+              <a:schemeClr val="lt1"/>
+            </a:fontRef>
+          </p:style>
+          <p:txBody>
+            <a:bodyPr wrap="none" anchor="ctr"/>
+            <a:lstStyle/>
+            <a:p>
+              <a:pPr algn="ctr" defTabSz="703326" eaLnBrk="0" hangingPunct="0">
+                <a:defRPr/>
+              </a:pPr>
+              <a:r>
+                <a:rPr lang="en-US" sz="1700" b="1" dirty="0"/>
+                <a:t>C1</a:t>
+              </a:r>
+              <a:endParaRPr lang="de-DE" sz="1700" b="1" dirty="0"/>
+            </a:p>
+          </p:txBody>
+        </p:sp>
+        <p:sp>
+          <p:nvSpPr>
+            <p:cNvPr id="23" name="Rectangle 6"/>
+            <p:cNvSpPr>
+              <a:spLocks noChangeArrowheads="1"/>
+            </p:cNvSpPr>
+            <p:nvPr/>
+          </p:nvSpPr>
+          <p:spPr bwMode="auto">
+            <a:xfrm>
+              <a:off x="1538146" y="5298953"/>
+              <a:ext cx="762336" cy="609573"/>
+            </a:xfrm>
+            <a:prstGeom prst="rect">
+              <a:avLst/>
+            </a:prstGeom>
+            <a:ln>
+              <a:headEnd/>
+              <a:tailEnd/>
+            </a:ln>
+          </p:spPr>
+          <p:style>
+            <a:lnRef idx="2">
+              <a:schemeClr val="accent5">
+                <a:shade val="50000"/>
+              </a:schemeClr>
+            </a:lnRef>
+            <a:fillRef idx="1">
+              <a:schemeClr val="accent5"/>
+            </a:fillRef>
+            <a:effectRef idx="0">
+              <a:schemeClr val="accent5"/>
+            </a:effectRef>
+            <a:fontRef idx="minor">
+              <a:schemeClr val="lt1"/>
+            </a:fontRef>
+          </p:style>
+          <p:txBody>
+            <a:bodyPr wrap="none" anchor="ctr"/>
+            <a:lstStyle/>
+            <a:p>
+              <a:pPr algn="ctr" defTabSz="703326" eaLnBrk="0" hangingPunct="0">
+                <a:defRPr/>
+              </a:pPr>
+              <a:r>
+                <a:rPr lang="en-US" sz="1700" b="1" dirty="0"/>
+                <a:t>C2</a:t>
+              </a:r>
+              <a:endParaRPr lang="de-DE" sz="1700" b="1" dirty="0"/>
+            </a:p>
+          </p:txBody>
+        </p:sp>
+        <p:sp>
+          <p:nvSpPr>
+            <p:cNvPr id="24" name="Rectangle 6"/>
+            <p:cNvSpPr>
+              <a:spLocks noChangeArrowheads="1"/>
+            </p:cNvSpPr>
+            <p:nvPr/>
+          </p:nvSpPr>
+          <p:spPr bwMode="auto">
+            <a:xfrm>
+              <a:off x="2546653" y="5298953"/>
+              <a:ext cx="762336" cy="609573"/>
+            </a:xfrm>
+            <a:prstGeom prst="rect">
+              <a:avLst/>
+            </a:prstGeom>
+            <a:ln>
+              <a:headEnd/>
+              <a:tailEnd/>
+            </a:ln>
+          </p:spPr>
+          <p:style>
+            <a:lnRef idx="2">
+              <a:schemeClr val="accent5">
+                <a:shade val="50000"/>
+              </a:schemeClr>
+            </a:lnRef>
+            <a:fillRef idx="1">
+              <a:schemeClr val="accent5"/>
+            </a:fillRef>
+            <a:effectRef idx="0">
+              <a:schemeClr val="accent5"/>
+            </a:effectRef>
+            <a:fontRef idx="minor">
+              <a:schemeClr val="lt1"/>
+            </a:fontRef>
+          </p:style>
+          <p:txBody>
+            <a:bodyPr wrap="none" anchor="ctr"/>
+            <a:lstStyle/>
+            <a:p>
+              <a:pPr algn="ctr" defTabSz="703326" eaLnBrk="0" hangingPunct="0">
+                <a:defRPr/>
+              </a:pPr>
+              <a:r>
+                <a:rPr lang="en-US" sz="1700" b="1" dirty="0"/>
+                <a:t>C3</a:t>
+              </a:r>
+              <a:endParaRPr lang="de-DE" sz="1700" b="1" dirty="0"/>
+            </a:p>
+          </p:txBody>
+        </p:sp>
+        <p:sp>
+          <p:nvSpPr>
+            <p:cNvPr id="68632" name="Text Box 58"/>
+            <p:cNvSpPr txBox="1">
+              <a:spLocks noChangeArrowheads="1"/>
+            </p:cNvSpPr>
+            <p:nvPr/>
+          </p:nvSpPr>
+          <p:spPr bwMode="auto">
+            <a:xfrm>
+              <a:off x="2423507" y="1914550"/>
+              <a:ext cx="964578" cy="1016901"/>
+            </a:xfrm>
+            <a:prstGeom prst="rect">
+              <a:avLst/>
+            </a:prstGeom>
+            <a:noFill/>
+            <a:ln>
+              <a:noFill/>
+            </a:ln>
+            <a:extLst>
+              <a:ext uri="{909E8E84-426E-40dd-AFC4-6F175D3DCCD1}">
+                <a14:hiddenFill xmlns:a14="http://schemas.microsoft.com/office/drawing/2010/main">
+                  <a:solidFill>
+                    <a:srgbClr val="FFFFFF"/>
+                  </a:solidFill>
+                </a14:hiddenFill>
+              </a:ext>
+              <a:ext uri="{91240B29-F687-4f45-9708-019B960494DF}">
+                <a14:hiddenLine xmlns:a14="http://schemas.microsoft.com/office/drawing/2010/main" w="12700">
+                  <a:solidFill>
+                    <a:srgbClr val="000000"/>
+                  </a:solidFill>
+                  <a:miter lim="800000"/>
+                  <a:headEnd/>
+                  <a:tailEnd/>
+                </a14:hiddenLine>
+              </a:ext>
+            </a:extLst>
+          </p:spPr>
+          <p:txBody>
+            <a:bodyPr wrap="none">
+              <a:spAutoFit/>
+            </a:bodyPr>
+            <a:lstStyle>
+              <a:lvl1pPr defTabSz="762000" eaLnBrk="0" hangingPunct="0">
+                <a:defRPr sz="2400">
+                  <a:solidFill>
+                    <a:schemeClr val="tx1"/>
+                  </a:solidFill>
+                  <a:latin typeface="Arial" charset="0"/>
+                  <a:ea typeface="ＭＳ Ｐゴシック" charset="0"/>
+                  <a:cs typeface="ＭＳ Ｐゴシック" charset="0"/>
+                </a:defRPr>
+              </a:lvl1pPr>
+              <a:lvl2pPr marL="742950" indent="-285750" defTabSz="762000" eaLnBrk="0" hangingPunct="0">
+                <a:defRPr sz="2400">
+                  <a:solidFill>
+                    <a:schemeClr val="tx1"/>
+                  </a:solidFill>
+                  <a:latin typeface="Arial" charset="0"/>
+                  <a:ea typeface="ＭＳ Ｐゴシック" charset="0"/>
+                </a:defRPr>
+              </a:lvl2pPr>
+              <a:lvl3pPr marL="1143000" indent="-228600" defTabSz="762000" eaLnBrk="0" hangingPunct="0">
+                <a:defRPr sz="2400">
+                  <a:solidFill>
+                    <a:schemeClr val="tx1"/>
+                  </a:solidFill>
+                  <a:latin typeface="Arial" charset="0"/>
+                  <a:ea typeface="ＭＳ Ｐゴシック" charset="0"/>
+                </a:defRPr>
+              </a:lvl3pPr>
+              <a:lvl4pPr marL="1600200" indent="-228600" defTabSz="762000" eaLnBrk="0" hangingPunct="0">
+                <a:defRPr sz="2400">
+                  <a:solidFill>
+                    <a:schemeClr val="tx1"/>
+                  </a:solidFill>
+                  <a:latin typeface="Arial" charset="0"/>
+                  <a:ea typeface="ＭＳ Ｐゴシック" charset="0"/>
+                </a:defRPr>
+              </a:lvl4pPr>
+              <a:lvl5pPr marL="2057400" indent="-228600" defTabSz="762000" eaLnBrk="0" hangingPunct="0">
+                <a:defRPr sz="2400">
+                  <a:solidFill>
+                    <a:schemeClr val="tx1"/>
+                  </a:solidFill>
+                  <a:latin typeface="Arial" charset="0"/>
+                  <a:ea typeface="ＭＳ Ｐゴシック" charset="0"/>
+                </a:defRPr>
+              </a:lvl5pPr>
+              <a:lvl6pPr marL="2514600" indent="-228600" defTabSz="762000" eaLnBrk="0" fontAlgn="base" hangingPunct="0">
+                <a:spcBef>
+                  <a:spcPct val="0"/>
+                </a:spcBef>
+                <a:spcAft>
+                  <a:spcPct val="0"/>
+                </a:spcAft>
+                <a:defRPr sz="2400">
+                  <a:solidFill>
+                    <a:schemeClr val="tx1"/>
+                  </a:solidFill>
+                  <a:latin typeface="Arial" charset="0"/>
+                  <a:ea typeface="ＭＳ Ｐゴシック" charset="0"/>
+                </a:defRPr>
+              </a:lvl6pPr>
+              <a:lvl7pPr marL="2971800" indent="-228600" defTabSz="762000" eaLnBrk="0" fontAlgn="base" hangingPunct="0">
+                <a:spcBef>
+                  <a:spcPct val="0"/>
+                </a:spcBef>
+                <a:spcAft>
+                  <a:spcPct val="0"/>
+                </a:spcAft>
+                <a:defRPr sz="2400">
+                  <a:solidFill>
+                    <a:schemeClr val="tx1"/>
+                  </a:solidFill>
+                  <a:latin typeface="Arial" charset="0"/>
+                  <a:ea typeface="ＭＳ Ｐゴシック" charset="0"/>
+                </a:defRPr>
+              </a:lvl7pPr>
+              <a:lvl8pPr marL="3429000" indent="-228600" defTabSz="762000" eaLnBrk="0" fontAlgn="base" hangingPunct="0">
+                <a:spcBef>
+                  <a:spcPct val="0"/>
+                </a:spcBef>
+                <a:spcAft>
+                  <a:spcPct val="0"/>
+                </a:spcAft>
+                <a:defRPr sz="2400">
+                  <a:solidFill>
+                    <a:schemeClr val="tx1"/>
+                  </a:solidFill>
+                  <a:latin typeface="Arial" charset="0"/>
+                  <a:ea typeface="ＭＳ Ｐゴシック" charset="0"/>
+                </a:defRPr>
+              </a:lvl8pPr>
+              <a:lvl9pPr marL="3886200" indent="-228600" defTabSz="762000" eaLnBrk="0" fontAlgn="base" hangingPunct="0">
+                <a:spcBef>
+                  <a:spcPct val="0"/>
+                </a:spcBef>
+                <a:spcAft>
+                  <a:spcPct val="0"/>
+                </a:spcAft>
+                <a:defRPr sz="2400">
+                  <a:solidFill>
+                    <a:schemeClr val="tx1"/>
+                  </a:solidFill>
+                  <a:latin typeface="Arial" charset="0"/>
+                  <a:ea typeface="ＭＳ Ｐゴシック" charset="0"/>
+                </a:defRPr>
+              </a:lvl9pPr>
+            </a:lstStyle>
+            <a:p>
+              <a:pPr algn="ctr"/>
+              <a:r>
+                <a:rPr lang="en-US" sz="5500" b="1">
+                  <a:solidFill>
+                    <a:srgbClr val="FF0000"/>
+                  </a:solidFill>
+                  <a:sym typeface="Webdings" charset="0"/>
+                </a:rPr>
+                <a:t></a:t>
+              </a:r>
+              <a:endParaRPr lang="en-US" sz="5500" b="1">
+                <a:solidFill>
+                  <a:srgbClr val="FF0000"/>
+                </a:solidFill>
+              </a:endParaRPr>
+            </a:p>
+          </p:txBody>
+        </p:sp>
+        <p:sp>
+          <p:nvSpPr>
+            <p:cNvPr id="68633" name="Text Box 58"/>
+            <p:cNvSpPr txBox="1">
+              <a:spLocks noChangeArrowheads="1"/>
+            </p:cNvSpPr>
+            <p:nvPr/>
+          </p:nvSpPr>
+          <p:spPr bwMode="auto">
+            <a:xfrm>
+              <a:off x="1415394" y="1914550"/>
+              <a:ext cx="964578" cy="1016901"/>
+            </a:xfrm>
+            <a:prstGeom prst="rect">
+              <a:avLst/>
+            </a:prstGeom>
+            <a:noFill/>
+            <a:ln>
+              <a:noFill/>
+            </a:ln>
+            <a:extLst>
+              <a:ext uri="{909E8E84-426E-40dd-AFC4-6F175D3DCCD1}">
+                <a14:hiddenFill xmlns:a14="http://schemas.microsoft.com/office/drawing/2010/main">
+                  <a:solidFill>
+                    <a:srgbClr val="FFFFFF"/>
+                  </a:solidFill>
+                </a14:hiddenFill>
+              </a:ext>
+              <a:ext uri="{91240B29-F687-4f45-9708-019B960494DF}">
+                <a14:hiddenLine xmlns:a14="http://schemas.microsoft.com/office/drawing/2010/main" w="12700">
+                  <a:solidFill>
+                    <a:srgbClr val="000000"/>
+                  </a:solidFill>
+                  <a:miter lim="800000"/>
+                  <a:headEnd/>
+                  <a:tailEnd/>
+                </a14:hiddenLine>
+              </a:ext>
+            </a:extLst>
+          </p:spPr>
+          <p:txBody>
+            <a:bodyPr wrap="none">
+              <a:spAutoFit/>
+            </a:bodyPr>
+            <a:lstStyle>
+              <a:lvl1pPr defTabSz="762000" eaLnBrk="0" hangingPunct="0">
+                <a:defRPr sz="2400">
+                  <a:solidFill>
+                    <a:schemeClr val="tx1"/>
+                  </a:solidFill>
+                  <a:latin typeface="Arial" charset="0"/>
+                  <a:ea typeface="ＭＳ Ｐゴシック" charset="0"/>
+                  <a:cs typeface="ＭＳ Ｐゴシック" charset="0"/>
+                </a:defRPr>
+              </a:lvl1pPr>
+              <a:lvl2pPr marL="742950" indent="-285750" defTabSz="762000" eaLnBrk="0" hangingPunct="0">
+                <a:defRPr sz="2400">
+                  <a:solidFill>
+                    <a:schemeClr val="tx1"/>
+                  </a:solidFill>
+                  <a:latin typeface="Arial" charset="0"/>
+                  <a:ea typeface="ＭＳ Ｐゴシック" charset="0"/>
+                </a:defRPr>
+              </a:lvl2pPr>
+              <a:lvl3pPr marL="1143000" indent="-228600" defTabSz="762000" eaLnBrk="0" hangingPunct="0">
+                <a:defRPr sz="2400">
+                  <a:solidFill>
+                    <a:schemeClr val="tx1"/>
+                  </a:solidFill>
+                  <a:latin typeface="Arial" charset="0"/>
+                  <a:ea typeface="ＭＳ Ｐゴシック" charset="0"/>
+                </a:defRPr>
+              </a:lvl3pPr>
+              <a:lvl4pPr marL="1600200" indent="-228600" defTabSz="762000" eaLnBrk="0" hangingPunct="0">
+                <a:defRPr sz="2400">
+                  <a:solidFill>
+                    <a:schemeClr val="tx1"/>
+                  </a:solidFill>
+                  <a:latin typeface="Arial" charset="0"/>
+                  <a:ea typeface="ＭＳ Ｐゴシック" charset="0"/>
+                </a:defRPr>
+              </a:lvl4pPr>
+              <a:lvl5pPr marL="2057400" indent="-228600" defTabSz="762000" eaLnBrk="0" hangingPunct="0">
+                <a:defRPr sz="2400">
+                  <a:solidFill>
+                    <a:schemeClr val="tx1"/>
+                  </a:solidFill>
+                  <a:latin typeface="Arial" charset="0"/>
+                  <a:ea typeface="ＭＳ Ｐゴシック" charset="0"/>
+                </a:defRPr>
+              </a:lvl5pPr>
+              <a:lvl6pPr marL="2514600" indent="-228600" defTabSz="762000" eaLnBrk="0" fontAlgn="base" hangingPunct="0">
+                <a:spcBef>
+                  <a:spcPct val="0"/>
+                </a:spcBef>
+                <a:spcAft>
+                  <a:spcPct val="0"/>
+                </a:spcAft>
+                <a:defRPr sz="2400">
+                  <a:solidFill>
+                    <a:schemeClr val="tx1"/>
+                  </a:solidFill>
+                  <a:latin typeface="Arial" charset="0"/>
+                  <a:ea typeface="ＭＳ Ｐゴシック" charset="0"/>
+                </a:defRPr>
+              </a:lvl6pPr>
+              <a:lvl7pPr marL="2971800" indent="-228600" defTabSz="762000" eaLnBrk="0" fontAlgn="base" hangingPunct="0">
+                <a:spcBef>
+                  <a:spcPct val="0"/>
+                </a:spcBef>
+                <a:spcAft>
+                  <a:spcPct val="0"/>
+                </a:spcAft>
+                <a:defRPr sz="2400">
+                  <a:solidFill>
+                    <a:schemeClr val="tx1"/>
+                  </a:solidFill>
+                  <a:latin typeface="Arial" charset="0"/>
+                  <a:ea typeface="ＭＳ Ｐゴシック" charset="0"/>
+                </a:defRPr>
+              </a:lvl7pPr>
+              <a:lvl8pPr marL="3429000" indent="-228600" defTabSz="762000" eaLnBrk="0" fontAlgn="base" hangingPunct="0">
+                <a:spcBef>
+                  <a:spcPct val="0"/>
+                </a:spcBef>
+                <a:spcAft>
+                  <a:spcPct val="0"/>
+                </a:spcAft>
+                <a:defRPr sz="2400">
+                  <a:solidFill>
+                    <a:schemeClr val="tx1"/>
+                  </a:solidFill>
+                  <a:latin typeface="Arial" charset="0"/>
+                  <a:ea typeface="ＭＳ Ｐゴシック" charset="0"/>
+                </a:defRPr>
+              </a:lvl8pPr>
+              <a:lvl9pPr marL="3886200" indent="-228600" defTabSz="762000" eaLnBrk="0" fontAlgn="base" hangingPunct="0">
+                <a:spcBef>
+                  <a:spcPct val="0"/>
+                </a:spcBef>
+                <a:spcAft>
+                  <a:spcPct val="0"/>
+                </a:spcAft>
+                <a:defRPr sz="2400">
+                  <a:solidFill>
+                    <a:schemeClr val="tx1"/>
+                  </a:solidFill>
+                  <a:latin typeface="Arial" charset="0"/>
+                  <a:ea typeface="ＭＳ Ｐゴシック" charset="0"/>
+                </a:defRPr>
+              </a:lvl9pPr>
+            </a:lstStyle>
+            <a:p>
+              <a:pPr algn="ctr"/>
+              <a:r>
+                <a:rPr lang="en-US" sz="5500" b="1">
+                  <a:solidFill>
+                    <a:srgbClr val="FF0000"/>
+                  </a:solidFill>
+                  <a:sym typeface="Webdings" charset="0"/>
+                </a:rPr>
+                <a:t></a:t>
+              </a:r>
+              <a:endParaRPr lang="en-US" sz="5500" b="1">
+                <a:solidFill>
+                  <a:srgbClr val="FF0000"/>
+                </a:solidFill>
+              </a:endParaRPr>
+            </a:p>
+          </p:txBody>
+        </p:sp>
+      </p:grpSp>
+      <p:grpSp>
+        <p:nvGrpSpPr>
+          <p:cNvPr id="58" name="Group 57"/>
+          <p:cNvGrpSpPr>
+            <a:grpSpLocks/>
+          </p:cNvGrpSpPr>
+          <p:nvPr/>
+        </p:nvGrpSpPr>
+        <p:grpSpPr bwMode="auto">
+          <a:xfrm>
+            <a:off x="375622" y="2699239"/>
+            <a:ext cx="889987" cy="1867773"/>
+            <a:chOff x="407495" y="2924299"/>
+            <a:chExt cx="964153" cy="2023420"/>
+          </a:xfrm>
+        </p:grpSpPr>
+        <p:sp>
+          <p:nvSpPr>
+            <p:cNvPr id="68618" name="Text Box 58"/>
+            <p:cNvSpPr txBox="1">
+              <a:spLocks noChangeArrowheads="1"/>
+            </p:cNvSpPr>
+            <p:nvPr/>
+          </p:nvSpPr>
+          <p:spPr bwMode="auto">
+            <a:xfrm>
+              <a:off x="407495" y="2924299"/>
+              <a:ext cx="964153" cy="1016945"/>
+            </a:xfrm>
+            <a:prstGeom prst="rect">
+              <a:avLst/>
+            </a:prstGeom>
+            <a:noFill/>
+            <a:ln>
+              <a:noFill/>
+            </a:ln>
+            <a:extLst>
+              <a:ext uri="{909E8E84-426E-40dd-AFC4-6F175D3DCCD1}">
+                <a14:hiddenFill xmlns:a14="http://schemas.microsoft.com/office/drawing/2010/main">
+                  <a:solidFill>
+                    <a:srgbClr val="FFFFFF"/>
+                  </a:solidFill>
+                </a14:hiddenFill>
+              </a:ext>
+              <a:ext uri="{91240B29-F687-4f45-9708-019B960494DF}">
+                <a14:hiddenLine xmlns:a14="http://schemas.microsoft.com/office/drawing/2010/main" w="12700">
+                  <a:solidFill>
+                    <a:srgbClr val="000000"/>
+                  </a:solidFill>
+                  <a:miter lim="800000"/>
+                  <a:headEnd/>
+                  <a:tailEnd/>
+                </a14:hiddenLine>
+              </a:ext>
+            </a:extLst>
+          </p:spPr>
+          <p:txBody>
+            <a:bodyPr wrap="none">
+              <a:spAutoFit/>
+            </a:bodyPr>
+            <a:lstStyle>
+              <a:lvl1pPr defTabSz="762000" eaLnBrk="0" hangingPunct="0">
+                <a:defRPr sz="2400">
+                  <a:solidFill>
+                    <a:schemeClr val="tx1"/>
+                  </a:solidFill>
+                  <a:latin typeface="Arial" charset="0"/>
+                  <a:ea typeface="ＭＳ Ｐゴシック" charset="0"/>
+                  <a:cs typeface="ＭＳ Ｐゴシック" charset="0"/>
+                </a:defRPr>
+              </a:lvl1pPr>
+              <a:lvl2pPr marL="742950" indent="-285750" defTabSz="762000" eaLnBrk="0" hangingPunct="0">
+                <a:defRPr sz="2400">
+                  <a:solidFill>
+                    <a:schemeClr val="tx1"/>
+                  </a:solidFill>
+                  <a:latin typeface="Arial" charset="0"/>
+                  <a:ea typeface="ＭＳ Ｐゴシック" charset="0"/>
+                </a:defRPr>
+              </a:lvl2pPr>
+              <a:lvl3pPr marL="1143000" indent="-228600" defTabSz="762000" eaLnBrk="0" hangingPunct="0">
+                <a:defRPr sz="2400">
+                  <a:solidFill>
+                    <a:schemeClr val="tx1"/>
+                  </a:solidFill>
+                  <a:latin typeface="Arial" charset="0"/>
+                  <a:ea typeface="ＭＳ Ｐゴシック" charset="0"/>
+                </a:defRPr>
+              </a:lvl3pPr>
+              <a:lvl4pPr marL="1600200" indent="-228600" defTabSz="762000" eaLnBrk="0" hangingPunct="0">
+                <a:defRPr sz="2400">
+                  <a:solidFill>
+                    <a:schemeClr val="tx1"/>
+                  </a:solidFill>
+                  <a:latin typeface="Arial" charset="0"/>
+                  <a:ea typeface="ＭＳ Ｐゴシック" charset="0"/>
+                </a:defRPr>
+              </a:lvl4pPr>
+              <a:lvl5pPr marL="2057400" indent="-228600" defTabSz="762000" eaLnBrk="0" hangingPunct="0">
+                <a:defRPr sz="2400">
+                  <a:solidFill>
+                    <a:schemeClr val="tx1"/>
+                  </a:solidFill>
+                  <a:latin typeface="Arial" charset="0"/>
+                  <a:ea typeface="ＭＳ Ｐゴシック" charset="0"/>
+                </a:defRPr>
+              </a:lvl5pPr>
+              <a:lvl6pPr marL="2514600" indent="-228600" defTabSz="762000" eaLnBrk="0" fontAlgn="base" hangingPunct="0">
+                <a:spcBef>
+                  <a:spcPct val="0"/>
+                </a:spcBef>
+                <a:spcAft>
+                  <a:spcPct val="0"/>
+                </a:spcAft>
+                <a:defRPr sz="2400">
+                  <a:solidFill>
+                    <a:schemeClr val="tx1"/>
+                  </a:solidFill>
+                  <a:latin typeface="Arial" charset="0"/>
+                  <a:ea typeface="ＭＳ Ｐゴシック" charset="0"/>
+                </a:defRPr>
+              </a:lvl6pPr>
+              <a:lvl7pPr marL="2971800" indent="-228600" defTabSz="762000" eaLnBrk="0" fontAlgn="base" hangingPunct="0">
+                <a:spcBef>
+                  <a:spcPct val="0"/>
+                </a:spcBef>
+                <a:spcAft>
+                  <a:spcPct val="0"/>
+                </a:spcAft>
+                <a:defRPr sz="2400">
+                  <a:solidFill>
+                    <a:schemeClr val="tx1"/>
+                  </a:solidFill>
+                  <a:latin typeface="Arial" charset="0"/>
+                  <a:ea typeface="ＭＳ Ｐゴシック" charset="0"/>
+                </a:defRPr>
+              </a:lvl7pPr>
+              <a:lvl8pPr marL="3429000" indent="-228600" defTabSz="762000" eaLnBrk="0" fontAlgn="base" hangingPunct="0">
+                <a:spcBef>
+                  <a:spcPct val="0"/>
+                </a:spcBef>
+                <a:spcAft>
+                  <a:spcPct val="0"/>
+                </a:spcAft>
+                <a:defRPr sz="2400">
+                  <a:solidFill>
+                    <a:schemeClr val="tx1"/>
+                  </a:solidFill>
+                  <a:latin typeface="Arial" charset="0"/>
+                  <a:ea typeface="ＭＳ Ｐゴシック" charset="0"/>
+                </a:defRPr>
+              </a:lvl8pPr>
+              <a:lvl9pPr marL="3886200" indent="-228600" defTabSz="762000" eaLnBrk="0" fontAlgn="base" hangingPunct="0">
+                <a:spcBef>
+                  <a:spcPct val="0"/>
+                </a:spcBef>
+                <a:spcAft>
+                  <a:spcPct val="0"/>
+                </a:spcAft>
+                <a:defRPr sz="2400">
+                  <a:solidFill>
+                    <a:schemeClr val="tx1"/>
+                  </a:solidFill>
+                  <a:latin typeface="Arial" charset="0"/>
+                  <a:ea typeface="ＭＳ Ｐゴシック" charset="0"/>
+                </a:defRPr>
+              </a:lvl9pPr>
+            </a:lstStyle>
+            <a:p>
+              <a:pPr algn="ctr"/>
+              <a:r>
+                <a:rPr lang="en-US" sz="5500" b="1">
+                  <a:solidFill>
+                    <a:srgbClr val="FF0000"/>
+                  </a:solidFill>
+                  <a:sym typeface="Webdings" charset="0"/>
+                </a:rPr>
+                <a:t></a:t>
+              </a:r>
+              <a:endParaRPr lang="en-US" sz="5500" b="1">
+                <a:solidFill>
+                  <a:srgbClr val="FF0000"/>
+                </a:solidFill>
+              </a:endParaRPr>
+            </a:p>
+          </p:txBody>
+        </p:sp>
+        <p:sp>
+          <p:nvSpPr>
+            <p:cNvPr id="68619" name="Text Box 58"/>
+            <p:cNvSpPr txBox="1">
+              <a:spLocks noChangeArrowheads="1"/>
+            </p:cNvSpPr>
+            <p:nvPr/>
+          </p:nvSpPr>
+          <p:spPr bwMode="auto">
+            <a:xfrm>
+              <a:off x="789543" y="3930774"/>
+              <a:ext cx="200055" cy="1016945"/>
+            </a:xfrm>
+            <a:prstGeom prst="rect">
+              <a:avLst/>
+            </a:prstGeom>
+            <a:noFill/>
+            <a:ln>
+              <a:noFill/>
+            </a:ln>
+            <a:extLst>
+              <a:ext uri="{909E8E84-426E-40dd-AFC4-6F175D3DCCD1}">
+                <a14:hiddenFill xmlns:a14="http://schemas.microsoft.com/office/drawing/2010/main">
+                  <a:solidFill>
+                    <a:srgbClr val="FFFFFF"/>
+                  </a:solidFill>
+                </a14:hiddenFill>
+              </a:ext>
+              <a:ext uri="{91240B29-F687-4f45-9708-019B960494DF}">
+                <a14:hiddenLine xmlns:a14="http://schemas.microsoft.com/office/drawing/2010/main" w="12700">
+                  <a:solidFill>
+                    <a:srgbClr val="000000"/>
+                  </a:solidFill>
+                  <a:miter lim="800000"/>
+                  <a:headEnd/>
+                  <a:tailEnd/>
+                </a14:hiddenLine>
+              </a:ext>
+            </a:extLst>
+          </p:spPr>
+          <p:txBody>
+            <a:bodyPr wrap="none">
+              <a:spAutoFit/>
+            </a:bodyPr>
+            <a:lstStyle>
+              <a:lvl1pPr defTabSz="762000" eaLnBrk="0" hangingPunct="0">
+                <a:defRPr sz="2400">
+                  <a:solidFill>
+                    <a:schemeClr val="tx1"/>
+                  </a:solidFill>
+                  <a:latin typeface="Arial" charset="0"/>
+                  <a:ea typeface="ＭＳ Ｐゴシック" charset="0"/>
+                  <a:cs typeface="ＭＳ Ｐゴシック" charset="0"/>
+                </a:defRPr>
+              </a:lvl1pPr>
+              <a:lvl2pPr marL="742950" indent="-285750" defTabSz="762000" eaLnBrk="0" hangingPunct="0">
+                <a:defRPr sz="2400">
+                  <a:solidFill>
+                    <a:schemeClr val="tx1"/>
+                  </a:solidFill>
+                  <a:latin typeface="Arial" charset="0"/>
+                  <a:ea typeface="ＭＳ Ｐゴシック" charset="0"/>
+                </a:defRPr>
+              </a:lvl2pPr>
+              <a:lvl3pPr marL="1143000" indent="-228600" defTabSz="762000" eaLnBrk="0" hangingPunct="0">
+                <a:defRPr sz="2400">
+                  <a:solidFill>
+                    <a:schemeClr val="tx1"/>
+                  </a:solidFill>
+                  <a:latin typeface="Arial" charset="0"/>
+                  <a:ea typeface="ＭＳ Ｐゴシック" charset="0"/>
+                </a:defRPr>
+              </a:lvl3pPr>
+              <a:lvl4pPr marL="1600200" indent="-228600" defTabSz="762000" eaLnBrk="0" hangingPunct="0">
+                <a:defRPr sz="2400">
+                  <a:solidFill>
+                    <a:schemeClr val="tx1"/>
+                  </a:solidFill>
+                  <a:latin typeface="Arial" charset="0"/>
+                  <a:ea typeface="ＭＳ Ｐゴシック" charset="0"/>
+                </a:defRPr>
+              </a:lvl4pPr>
+              <a:lvl5pPr marL="2057400" indent="-228600" defTabSz="762000" eaLnBrk="0" hangingPunct="0">
+                <a:defRPr sz="2400">
+                  <a:solidFill>
+                    <a:schemeClr val="tx1"/>
+                  </a:solidFill>
+                  <a:latin typeface="Arial" charset="0"/>
+                  <a:ea typeface="ＭＳ Ｐゴシック" charset="0"/>
+                </a:defRPr>
+              </a:lvl5pPr>
+              <a:lvl6pPr marL="2514600" indent="-228600" defTabSz="762000" eaLnBrk="0" fontAlgn="base" hangingPunct="0">
+                <a:spcBef>
+                  <a:spcPct val="0"/>
+                </a:spcBef>
+                <a:spcAft>
+                  <a:spcPct val="0"/>
+                </a:spcAft>
+                <a:defRPr sz="2400">
+                  <a:solidFill>
+                    <a:schemeClr val="tx1"/>
+                  </a:solidFill>
+                  <a:latin typeface="Arial" charset="0"/>
+                  <a:ea typeface="ＭＳ Ｐゴシック" charset="0"/>
+                </a:defRPr>
+              </a:lvl6pPr>
+              <a:lvl7pPr marL="2971800" indent="-228600" defTabSz="762000" eaLnBrk="0" fontAlgn="base" hangingPunct="0">
+                <a:spcBef>
+                  <a:spcPct val="0"/>
+                </a:spcBef>
+                <a:spcAft>
+                  <a:spcPct val="0"/>
+                </a:spcAft>
+                <a:defRPr sz="2400">
+                  <a:solidFill>
+                    <a:schemeClr val="tx1"/>
+                  </a:solidFill>
+                  <a:latin typeface="Arial" charset="0"/>
+                  <a:ea typeface="ＭＳ Ｐゴシック" charset="0"/>
+                </a:defRPr>
+              </a:lvl7pPr>
+              <a:lvl8pPr marL="3429000" indent="-228600" defTabSz="762000" eaLnBrk="0" fontAlgn="base" hangingPunct="0">
+                <a:spcBef>
+                  <a:spcPct val="0"/>
+                </a:spcBef>
+                <a:spcAft>
+                  <a:spcPct val="0"/>
+                </a:spcAft>
+                <a:defRPr sz="2400">
+                  <a:solidFill>
+                    <a:schemeClr val="tx1"/>
+                  </a:solidFill>
+                  <a:latin typeface="Arial" charset="0"/>
+                  <a:ea typeface="ＭＳ Ｐゴシック" charset="0"/>
+                </a:defRPr>
+              </a:lvl8pPr>
+              <a:lvl9pPr marL="3886200" indent="-228600" defTabSz="762000" eaLnBrk="0" fontAlgn="base" hangingPunct="0">
+                <a:spcBef>
+                  <a:spcPct val="0"/>
+                </a:spcBef>
+                <a:spcAft>
+                  <a:spcPct val="0"/>
+                </a:spcAft>
+                <a:defRPr sz="2400">
+                  <a:solidFill>
+                    <a:schemeClr val="tx1"/>
+                  </a:solidFill>
+                  <a:latin typeface="Arial" charset="0"/>
+                  <a:ea typeface="ＭＳ Ｐゴシック" charset="0"/>
+                </a:defRPr>
+              </a:lvl9pPr>
+            </a:lstStyle>
+            <a:p>
+              <a:pPr algn="ctr"/>
+              <a:endParaRPr lang="en-US" sz="5500" b="1" dirty="0">
+                <a:solidFill>
+                  <a:srgbClr val="FF0000"/>
+                </a:solidFill>
+              </a:endParaRPr>
+            </a:p>
+          </p:txBody>
+        </p:sp>
+      </p:grpSp>
+      <p:grpSp>
+        <p:nvGrpSpPr>
+          <p:cNvPr id="100" name="Group 99"/>
+          <p:cNvGrpSpPr>
+            <a:grpSpLocks/>
+          </p:cNvGrpSpPr>
+          <p:nvPr/>
+        </p:nvGrpSpPr>
+        <p:grpSpPr bwMode="auto">
+          <a:xfrm>
+            <a:off x="5161640" y="1701312"/>
+            <a:ext cx="2684941" cy="2799788"/>
+            <a:chOff x="5592150" y="1842542"/>
+            <a:chExt cx="2908211" cy="3033203"/>
+          </a:xfrm>
+        </p:grpSpPr>
+        <p:sp>
+          <p:nvSpPr>
+            <p:cNvPr id="68614" name="Text Box 58"/>
+            <p:cNvSpPr txBox="1">
+              <a:spLocks noChangeArrowheads="1"/>
+            </p:cNvSpPr>
+            <p:nvPr/>
+          </p:nvSpPr>
+          <p:spPr bwMode="auto">
+            <a:xfrm>
+              <a:off x="6600262" y="1842542"/>
+              <a:ext cx="963995" cy="1016979"/>
+            </a:xfrm>
+            <a:prstGeom prst="rect">
+              <a:avLst/>
+            </a:prstGeom>
+            <a:noFill/>
+            <a:ln>
+              <a:noFill/>
+            </a:ln>
+            <a:extLst>
+              <a:ext uri="{909E8E84-426E-40dd-AFC4-6F175D3DCCD1}">
+                <a14:hiddenFill xmlns:a14="http://schemas.microsoft.com/office/drawing/2010/main">
+                  <a:solidFill>
+                    <a:srgbClr val="FFFFFF"/>
+                  </a:solidFill>
+                </a14:hiddenFill>
+              </a:ext>
+              <a:ext uri="{91240B29-F687-4f45-9708-019B960494DF}">
+                <a14:hiddenLine xmlns:a14="http://schemas.microsoft.com/office/drawing/2010/main" w="12700">
+                  <a:solidFill>
+                    <a:srgbClr val="000000"/>
+                  </a:solidFill>
+                  <a:miter lim="800000"/>
+                  <a:headEnd/>
+                  <a:tailEnd/>
+                </a14:hiddenLine>
+              </a:ext>
+            </a:extLst>
+          </p:spPr>
+          <p:txBody>
+            <a:bodyPr wrap="none">
+              <a:spAutoFit/>
+            </a:bodyPr>
+            <a:lstStyle>
+              <a:lvl1pPr defTabSz="762000" eaLnBrk="0" hangingPunct="0">
+                <a:defRPr sz="2400">
+                  <a:solidFill>
+                    <a:schemeClr val="tx1"/>
+                  </a:solidFill>
+                  <a:latin typeface="Arial" charset="0"/>
+                  <a:ea typeface="ＭＳ Ｐゴシック" charset="0"/>
+                  <a:cs typeface="ＭＳ Ｐゴシック" charset="0"/>
+                </a:defRPr>
+              </a:lvl1pPr>
+              <a:lvl2pPr marL="742950" indent="-285750" defTabSz="762000" eaLnBrk="0" hangingPunct="0">
+                <a:defRPr sz="2400">
+                  <a:solidFill>
+                    <a:schemeClr val="tx1"/>
+                  </a:solidFill>
+                  <a:latin typeface="Arial" charset="0"/>
+                  <a:ea typeface="ＭＳ Ｐゴシック" charset="0"/>
+                </a:defRPr>
+              </a:lvl2pPr>
+              <a:lvl3pPr marL="1143000" indent="-228600" defTabSz="762000" eaLnBrk="0" hangingPunct="0">
+                <a:defRPr sz="2400">
+                  <a:solidFill>
+                    <a:schemeClr val="tx1"/>
+                  </a:solidFill>
+                  <a:latin typeface="Arial" charset="0"/>
+                  <a:ea typeface="ＭＳ Ｐゴシック" charset="0"/>
+                </a:defRPr>
+              </a:lvl3pPr>
+              <a:lvl4pPr marL="1600200" indent="-228600" defTabSz="762000" eaLnBrk="0" hangingPunct="0">
+                <a:defRPr sz="2400">
+                  <a:solidFill>
+                    <a:schemeClr val="tx1"/>
+                  </a:solidFill>
+                  <a:latin typeface="Arial" charset="0"/>
+                  <a:ea typeface="ＭＳ Ｐゴシック" charset="0"/>
+                </a:defRPr>
+              </a:lvl4pPr>
+              <a:lvl5pPr marL="2057400" indent="-228600" defTabSz="762000" eaLnBrk="0" hangingPunct="0">
+                <a:defRPr sz="2400">
+                  <a:solidFill>
+                    <a:schemeClr val="tx1"/>
+                  </a:solidFill>
+                  <a:latin typeface="Arial" charset="0"/>
+                  <a:ea typeface="ＭＳ Ｐゴシック" charset="0"/>
+                </a:defRPr>
+              </a:lvl5pPr>
+              <a:lvl6pPr marL="2514600" indent="-228600" defTabSz="762000" eaLnBrk="0" fontAlgn="base" hangingPunct="0">
+                <a:spcBef>
+                  <a:spcPct val="0"/>
+                </a:spcBef>
+                <a:spcAft>
+                  <a:spcPct val="0"/>
+                </a:spcAft>
+                <a:defRPr sz="2400">
+                  <a:solidFill>
+                    <a:schemeClr val="tx1"/>
+                  </a:solidFill>
+                  <a:latin typeface="Arial" charset="0"/>
+                  <a:ea typeface="ＭＳ Ｐゴシック" charset="0"/>
+                </a:defRPr>
+              </a:lvl6pPr>
+              <a:lvl7pPr marL="2971800" indent="-228600" defTabSz="762000" eaLnBrk="0" fontAlgn="base" hangingPunct="0">
+                <a:spcBef>
+                  <a:spcPct val="0"/>
+                </a:spcBef>
+                <a:spcAft>
+                  <a:spcPct val="0"/>
+                </a:spcAft>
+                <a:defRPr sz="2400">
+                  <a:solidFill>
+                    <a:schemeClr val="tx1"/>
+                  </a:solidFill>
+                  <a:latin typeface="Arial" charset="0"/>
+                  <a:ea typeface="ＭＳ Ｐゴシック" charset="0"/>
+                </a:defRPr>
+              </a:lvl7pPr>
+              <a:lvl8pPr marL="3429000" indent="-228600" defTabSz="762000" eaLnBrk="0" fontAlgn="base" hangingPunct="0">
+                <a:spcBef>
+                  <a:spcPct val="0"/>
+                </a:spcBef>
+                <a:spcAft>
+                  <a:spcPct val="0"/>
+                </a:spcAft>
+                <a:defRPr sz="2400">
+                  <a:solidFill>
+                    <a:schemeClr val="tx1"/>
+                  </a:solidFill>
+                  <a:latin typeface="Arial" charset="0"/>
+                  <a:ea typeface="ＭＳ Ｐゴシック" charset="0"/>
+                </a:defRPr>
+              </a:lvl8pPr>
+              <a:lvl9pPr marL="3886200" indent="-228600" defTabSz="762000" eaLnBrk="0" fontAlgn="base" hangingPunct="0">
+                <a:spcBef>
+                  <a:spcPct val="0"/>
+                </a:spcBef>
+                <a:spcAft>
+                  <a:spcPct val="0"/>
+                </a:spcAft>
+                <a:defRPr sz="2400">
+                  <a:solidFill>
+                    <a:schemeClr val="tx1"/>
+                  </a:solidFill>
+                  <a:latin typeface="Arial" charset="0"/>
+                  <a:ea typeface="ＭＳ Ｐゴシック" charset="0"/>
+                </a:defRPr>
+              </a:lvl9pPr>
+            </a:lstStyle>
+            <a:p>
+              <a:pPr algn="ctr"/>
+              <a:r>
+                <a:rPr lang="en-US" sz="5500" b="1">
+                  <a:solidFill>
+                    <a:srgbClr val="FF0000"/>
+                  </a:solidFill>
+                  <a:sym typeface="Webdings" charset="0"/>
+                </a:rPr>
+                <a:t></a:t>
+              </a:r>
+              <a:endParaRPr lang="en-US" sz="5500" b="1">
+                <a:solidFill>
+                  <a:srgbClr val="FF0000"/>
+                </a:solidFill>
+              </a:endParaRPr>
+            </a:p>
+          </p:txBody>
+        </p:sp>
+        <p:sp>
+          <p:nvSpPr>
+            <p:cNvPr id="68615" name="Text Box 58"/>
+            <p:cNvSpPr txBox="1">
+              <a:spLocks noChangeArrowheads="1"/>
+            </p:cNvSpPr>
+            <p:nvPr/>
+          </p:nvSpPr>
+          <p:spPr bwMode="auto">
+            <a:xfrm>
+              <a:off x="7536366" y="1842542"/>
+              <a:ext cx="963995" cy="1016979"/>
+            </a:xfrm>
+            <a:prstGeom prst="rect">
+              <a:avLst/>
+            </a:prstGeom>
+            <a:noFill/>
+            <a:ln>
+              <a:noFill/>
+            </a:ln>
+            <a:extLst>
+              <a:ext uri="{909E8E84-426E-40dd-AFC4-6F175D3DCCD1}">
+                <a14:hiddenFill xmlns:a14="http://schemas.microsoft.com/office/drawing/2010/main">
+                  <a:solidFill>
+                    <a:srgbClr val="FFFFFF"/>
+                  </a:solidFill>
+                </a14:hiddenFill>
+              </a:ext>
+              <a:ext uri="{91240B29-F687-4f45-9708-019B960494DF}">
+                <a14:hiddenLine xmlns:a14="http://schemas.microsoft.com/office/drawing/2010/main" w="12700">
+                  <a:solidFill>
+                    <a:srgbClr val="000000"/>
+                  </a:solidFill>
+                  <a:miter lim="800000"/>
+                  <a:headEnd/>
+                  <a:tailEnd/>
+                </a14:hiddenLine>
+              </a:ext>
+            </a:extLst>
+          </p:spPr>
+          <p:txBody>
+            <a:bodyPr wrap="none">
+              <a:spAutoFit/>
+            </a:bodyPr>
+            <a:lstStyle>
+              <a:lvl1pPr defTabSz="762000" eaLnBrk="0" hangingPunct="0">
+                <a:defRPr sz="2400">
+                  <a:solidFill>
+                    <a:schemeClr val="tx1"/>
+                  </a:solidFill>
+                  <a:latin typeface="Arial" charset="0"/>
+                  <a:ea typeface="ＭＳ Ｐゴシック" charset="0"/>
+                  <a:cs typeface="ＭＳ Ｐゴシック" charset="0"/>
+                </a:defRPr>
+              </a:lvl1pPr>
+              <a:lvl2pPr marL="742950" indent="-285750" defTabSz="762000" eaLnBrk="0" hangingPunct="0">
+                <a:defRPr sz="2400">
+                  <a:solidFill>
+                    <a:schemeClr val="tx1"/>
+                  </a:solidFill>
+                  <a:latin typeface="Arial" charset="0"/>
+                  <a:ea typeface="ＭＳ Ｐゴシック" charset="0"/>
+                </a:defRPr>
+              </a:lvl2pPr>
+              <a:lvl3pPr marL="1143000" indent="-228600" defTabSz="762000" eaLnBrk="0" hangingPunct="0">
+                <a:defRPr sz="2400">
+                  <a:solidFill>
+                    <a:schemeClr val="tx1"/>
+                  </a:solidFill>
+                  <a:latin typeface="Arial" charset="0"/>
+                  <a:ea typeface="ＭＳ Ｐゴシック" charset="0"/>
+                </a:defRPr>
+              </a:lvl3pPr>
+              <a:lvl4pPr marL="1600200" indent="-228600" defTabSz="762000" eaLnBrk="0" hangingPunct="0">
+                <a:defRPr sz="2400">
+                  <a:solidFill>
+                    <a:schemeClr val="tx1"/>
+                  </a:solidFill>
+                  <a:latin typeface="Arial" charset="0"/>
+                  <a:ea typeface="ＭＳ Ｐゴシック" charset="0"/>
+                </a:defRPr>
+              </a:lvl4pPr>
+              <a:lvl5pPr marL="2057400" indent="-228600" defTabSz="762000" eaLnBrk="0" hangingPunct="0">
+                <a:defRPr sz="2400">
+                  <a:solidFill>
+                    <a:schemeClr val="tx1"/>
+                  </a:solidFill>
+                  <a:latin typeface="Arial" charset="0"/>
+                  <a:ea typeface="ＭＳ Ｐゴシック" charset="0"/>
+                </a:defRPr>
+              </a:lvl5pPr>
+              <a:lvl6pPr marL="2514600" indent="-228600" defTabSz="762000" eaLnBrk="0" fontAlgn="base" hangingPunct="0">
+                <a:spcBef>
+                  <a:spcPct val="0"/>
+                </a:spcBef>
+                <a:spcAft>
+                  <a:spcPct val="0"/>
+                </a:spcAft>
+                <a:defRPr sz="2400">
+                  <a:solidFill>
+                    <a:schemeClr val="tx1"/>
+                  </a:solidFill>
+                  <a:latin typeface="Arial" charset="0"/>
+                  <a:ea typeface="ＭＳ Ｐゴシック" charset="0"/>
+                </a:defRPr>
+              </a:lvl6pPr>
+              <a:lvl7pPr marL="2971800" indent="-228600" defTabSz="762000" eaLnBrk="0" fontAlgn="base" hangingPunct="0">
+                <a:spcBef>
+                  <a:spcPct val="0"/>
+                </a:spcBef>
+                <a:spcAft>
+                  <a:spcPct val="0"/>
+                </a:spcAft>
+                <a:defRPr sz="2400">
+                  <a:solidFill>
+                    <a:schemeClr val="tx1"/>
+                  </a:solidFill>
+                  <a:latin typeface="Arial" charset="0"/>
+                  <a:ea typeface="ＭＳ Ｐゴシック" charset="0"/>
+                </a:defRPr>
+              </a:lvl7pPr>
+              <a:lvl8pPr marL="3429000" indent="-228600" defTabSz="762000" eaLnBrk="0" fontAlgn="base" hangingPunct="0">
+                <a:spcBef>
+                  <a:spcPct val="0"/>
+                </a:spcBef>
+                <a:spcAft>
+                  <a:spcPct val="0"/>
+                </a:spcAft>
+                <a:defRPr sz="2400">
+                  <a:solidFill>
+                    <a:schemeClr val="tx1"/>
+                  </a:solidFill>
+                  <a:latin typeface="Arial" charset="0"/>
+                  <a:ea typeface="ＭＳ Ｐゴシック" charset="0"/>
+                </a:defRPr>
+              </a:lvl8pPr>
+              <a:lvl9pPr marL="3886200" indent="-228600" defTabSz="762000" eaLnBrk="0" fontAlgn="base" hangingPunct="0">
+                <a:spcBef>
+                  <a:spcPct val="0"/>
+                </a:spcBef>
+                <a:spcAft>
+                  <a:spcPct val="0"/>
+                </a:spcAft>
+                <a:defRPr sz="2400">
+                  <a:solidFill>
+                    <a:schemeClr val="tx1"/>
+                  </a:solidFill>
+                  <a:latin typeface="Arial" charset="0"/>
+                  <a:ea typeface="ＭＳ Ｐゴシック" charset="0"/>
+                </a:defRPr>
+              </a:lvl9pPr>
+            </a:lstStyle>
+            <a:p>
+              <a:pPr algn="ctr"/>
+              <a:r>
+                <a:rPr lang="en-US" sz="5500" b="1">
+                  <a:solidFill>
+                    <a:srgbClr val="FF0000"/>
+                  </a:solidFill>
+                  <a:sym typeface="Webdings" charset="0"/>
+                </a:rPr>
+                <a:t></a:t>
+              </a:r>
+              <a:endParaRPr lang="en-US" sz="5500" b="1">
+                <a:solidFill>
+                  <a:srgbClr val="FF0000"/>
+                </a:solidFill>
+              </a:endParaRPr>
+            </a:p>
+          </p:txBody>
+        </p:sp>
+        <p:sp>
+          <p:nvSpPr>
+            <p:cNvPr id="68616" name="Text Box 58"/>
+            <p:cNvSpPr txBox="1">
+              <a:spLocks noChangeArrowheads="1"/>
+            </p:cNvSpPr>
+            <p:nvPr/>
+          </p:nvSpPr>
+          <p:spPr bwMode="auto">
+            <a:xfrm>
+              <a:off x="5592150" y="2850654"/>
+              <a:ext cx="963995" cy="1016979"/>
+            </a:xfrm>
+            <a:prstGeom prst="rect">
+              <a:avLst/>
+            </a:prstGeom>
+            <a:noFill/>
+            <a:ln>
+              <a:noFill/>
+            </a:ln>
+            <a:extLst>
+              <a:ext uri="{909E8E84-426E-40dd-AFC4-6F175D3DCCD1}">
+                <a14:hiddenFill xmlns:a14="http://schemas.microsoft.com/office/drawing/2010/main">
+                  <a:solidFill>
+                    <a:srgbClr val="FFFFFF"/>
+                  </a:solidFill>
+                </a14:hiddenFill>
+              </a:ext>
+              <a:ext uri="{91240B29-F687-4f45-9708-019B960494DF}">
+                <a14:hiddenLine xmlns:a14="http://schemas.microsoft.com/office/drawing/2010/main" w="12700">
+                  <a:solidFill>
+                    <a:srgbClr val="000000"/>
+                  </a:solidFill>
+                  <a:miter lim="800000"/>
+                  <a:headEnd/>
+                  <a:tailEnd/>
+                </a14:hiddenLine>
+              </a:ext>
+            </a:extLst>
+          </p:spPr>
+          <p:txBody>
+            <a:bodyPr wrap="none">
+              <a:spAutoFit/>
+            </a:bodyPr>
+            <a:lstStyle>
+              <a:lvl1pPr defTabSz="762000" eaLnBrk="0" hangingPunct="0">
+                <a:defRPr sz="2400">
+                  <a:solidFill>
+                    <a:schemeClr val="tx1"/>
+                  </a:solidFill>
+                  <a:latin typeface="Arial" charset="0"/>
+                  <a:ea typeface="ＭＳ Ｐゴシック" charset="0"/>
+                  <a:cs typeface="ＭＳ Ｐゴシック" charset="0"/>
+                </a:defRPr>
+              </a:lvl1pPr>
+              <a:lvl2pPr marL="742950" indent="-285750" defTabSz="762000" eaLnBrk="0" hangingPunct="0">
+                <a:defRPr sz="2400">
+                  <a:solidFill>
+                    <a:schemeClr val="tx1"/>
+                  </a:solidFill>
+                  <a:latin typeface="Arial" charset="0"/>
+                  <a:ea typeface="ＭＳ Ｐゴシック" charset="0"/>
+                </a:defRPr>
+              </a:lvl2pPr>
+              <a:lvl3pPr marL="1143000" indent="-228600" defTabSz="762000" eaLnBrk="0" hangingPunct="0">
+                <a:defRPr sz="2400">
+                  <a:solidFill>
+                    <a:schemeClr val="tx1"/>
+                  </a:solidFill>
+                  <a:latin typeface="Arial" charset="0"/>
+                  <a:ea typeface="ＭＳ Ｐゴシック" charset="0"/>
+                </a:defRPr>
+              </a:lvl3pPr>
+              <a:lvl4pPr marL="1600200" indent="-228600" defTabSz="762000" eaLnBrk="0" hangingPunct="0">
+                <a:defRPr sz="2400">
+                  <a:solidFill>
+                    <a:schemeClr val="tx1"/>
+                  </a:solidFill>
+                  <a:latin typeface="Arial" charset="0"/>
+                  <a:ea typeface="ＭＳ Ｐゴシック" charset="0"/>
+                </a:defRPr>
+              </a:lvl4pPr>
+              <a:lvl5pPr marL="2057400" indent="-228600" defTabSz="762000" eaLnBrk="0" hangingPunct="0">
+                <a:defRPr sz="2400">
+                  <a:solidFill>
+                    <a:schemeClr val="tx1"/>
+                  </a:solidFill>
+                  <a:latin typeface="Arial" charset="0"/>
+                  <a:ea typeface="ＭＳ Ｐゴシック" charset="0"/>
+                </a:defRPr>
+              </a:lvl5pPr>
+              <a:lvl6pPr marL="2514600" indent="-228600" defTabSz="762000" eaLnBrk="0" fontAlgn="base" hangingPunct="0">
+                <a:spcBef>
+                  <a:spcPct val="0"/>
+                </a:spcBef>
+                <a:spcAft>
+                  <a:spcPct val="0"/>
+                </a:spcAft>
+                <a:defRPr sz="2400">
+                  <a:solidFill>
+                    <a:schemeClr val="tx1"/>
+                  </a:solidFill>
+                  <a:latin typeface="Arial" charset="0"/>
+                  <a:ea typeface="ＭＳ Ｐゴシック" charset="0"/>
+                </a:defRPr>
+              </a:lvl6pPr>
+              <a:lvl7pPr marL="2971800" indent="-228600" defTabSz="762000" eaLnBrk="0" fontAlgn="base" hangingPunct="0">
+                <a:spcBef>
+                  <a:spcPct val="0"/>
+                </a:spcBef>
+                <a:spcAft>
+                  <a:spcPct val="0"/>
+                </a:spcAft>
+                <a:defRPr sz="2400">
+                  <a:solidFill>
+                    <a:schemeClr val="tx1"/>
+                  </a:solidFill>
+                  <a:latin typeface="Arial" charset="0"/>
+                  <a:ea typeface="ＭＳ Ｐゴシック" charset="0"/>
+                </a:defRPr>
+              </a:lvl7pPr>
+              <a:lvl8pPr marL="3429000" indent="-228600" defTabSz="762000" eaLnBrk="0" fontAlgn="base" hangingPunct="0">
+                <a:spcBef>
+                  <a:spcPct val="0"/>
+                </a:spcBef>
+                <a:spcAft>
+                  <a:spcPct val="0"/>
+                </a:spcAft>
+                <a:defRPr sz="2400">
+                  <a:solidFill>
+                    <a:schemeClr val="tx1"/>
+                  </a:solidFill>
+                  <a:latin typeface="Arial" charset="0"/>
+                  <a:ea typeface="ＭＳ Ｐゴシック" charset="0"/>
+                </a:defRPr>
+              </a:lvl8pPr>
+              <a:lvl9pPr marL="3886200" indent="-228600" defTabSz="762000" eaLnBrk="0" fontAlgn="base" hangingPunct="0">
+                <a:spcBef>
+                  <a:spcPct val="0"/>
+                </a:spcBef>
+                <a:spcAft>
+                  <a:spcPct val="0"/>
+                </a:spcAft>
+                <a:defRPr sz="2400">
+                  <a:solidFill>
+                    <a:schemeClr val="tx1"/>
+                  </a:solidFill>
+                  <a:latin typeface="Arial" charset="0"/>
+                  <a:ea typeface="ＭＳ Ｐゴシック" charset="0"/>
+                </a:defRPr>
+              </a:lvl9pPr>
+            </a:lstStyle>
+            <a:p>
+              <a:pPr algn="ctr"/>
+              <a:r>
+                <a:rPr lang="en-US" sz="5500" b="1">
+                  <a:solidFill>
+                    <a:srgbClr val="FF0000"/>
+                  </a:solidFill>
+                  <a:sym typeface="Webdings" charset="0"/>
+                </a:rPr>
+                <a:t></a:t>
+              </a:r>
+              <a:endParaRPr lang="en-US" sz="5500" b="1">
+                <a:solidFill>
+                  <a:srgbClr val="FF0000"/>
+                </a:solidFill>
+              </a:endParaRPr>
+            </a:p>
+          </p:txBody>
+        </p:sp>
+        <p:sp>
+          <p:nvSpPr>
+            <p:cNvPr id="68617" name="Text Box 58"/>
+            <p:cNvSpPr txBox="1">
+              <a:spLocks noChangeArrowheads="1"/>
+            </p:cNvSpPr>
+            <p:nvPr/>
+          </p:nvSpPr>
+          <p:spPr bwMode="auto">
+            <a:xfrm>
+              <a:off x="5592150" y="3858766"/>
+              <a:ext cx="963995" cy="1016979"/>
+            </a:xfrm>
+            <a:prstGeom prst="rect">
+              <a:avLst/>
+            </a:prstGeom>
+            <a:noFill/>
+            <a:ln>
+              <a:noFill/>
+            </a:ln>
+            <a:extLst>
+              <a:ext uri="{909E8E84-426E-40dd-AFC4-6F175D3DCCD1}">
+                <a14:hiddenFill xmlns:a14="http://schemas.microsoft.com/office/drawing/2010/main">
+                  <a:solidFill>
+                    <a:srgbClr val="FFFFFF"/>
+                  </a:solidFill>
+                </a14:hiddenFill>
+              </a:ext>
+              <a:ext uri="{91240B29-F687-4f45-9708-019B960494DF}">
+                <a14:hiddenLine xmlns:a14="http://schemas.microsoft.com/office/drawing/2010/main" w="12700">
+                  <a:solidFill>
+                    <a:srgbClr val="000000"/>
+                  </a:solidFill>
+                  <a:miter lim="800000"/>
+                  <a:headEnd/>
+                  <a:tailEnd/>
+                </a14:hiddenLine>
+              </a:ext>
+            </a:extLst>
+          </p:spPr>
+          <p:txBody>
+            <a:bodyPr wrap="none">
+              <a:spAutoFit/>
+            </a:bodyPr>
+            <a:lstStyle>
+              <a:lvl1pPr defTabSz="762000" eaLnBrk="0" hangingPunct="0">
+                <a:defRPr sz="2400">
+                  <a:solidFill>
+                    <a:schemeClr val="tx1"/>
+                  </a:solidFill>
+                  <a:latin typeface="Arial" charset="0"/>
+                  <a:ea typeface="ＭＳ Ｐゴシック" charset="0"/>
+                  <a:cs typeface="ＭＳ Ｐゴシック" charset="0"/>
+                </a:defRPr>
+              </a:lvl1pPr>
+              <a:lvl2pPr marL="742950" indent="-285750" defTabSz="762000" eaLnBrk="0" hangingPunct="0">
+                <a:defRPr sz="2400">
+                  <a:solidFill>
+                    <a:schemeClr val="tx1"/>
+                  </a:solidFill>
+                  <a:latin typeface="Arial" charset="0"/>
+                  <a:ea typeface="ＭＳ Ｐゴシック" charset="0"/>
+                </a:defRPr>
+              </a:lvl2pPr>
+              <a:lvl3pPr marL="1143000" indent="-228600" defTabSz="762000" eaLnBrk="0" hangingPunct="0">
+                <a:defRPr sz="2400">
+                  <a:solidFill>
+                    <a:schemeClr val="tx1"/>
+                  </a:solidFill>
+                  <a:latin typeface="Arial" charset="0"/>
+                  <a:ea typeface="ＭＳ Ｐゴシック" charset="0"/>
+                </a:defRPr>
+              </a:lvl3pPr>
+              <a:lvl4pPr marL="1600200" indent="-228600" defTabSz="762000" eaLnBrk="0" hangingPunct="0">
+                <a:defRPr sz="2400">
+                  <a:solidFill>
+                    <a:schemeClr val="tx1"/>
+                  </a:solidFill>
+                  <a:latin typeface="Arial" charset="0"/>
+                  <a:ea typeface="ＭＳ Ｐゴシック" charset="0"/>
+                </a:defRPr>
+              </a:lvl4pPr>
+              <a:lvl5pPr marL="2057400" indent="-228600" defTabSz="762000" eaLnBrk="0" hangingPunct="0">
+                <a:defRPr sz="2400">
+                  <a:solidFill>
+                    <a:schemeClr val="tx1"/>
+                  </a:solidFill>
+                  <a:latin typeface="Arial" charset="0"/>
+                  <a:ea typeface="ＭＳ Ｐゴシック" charset="0"/>
+                </a:defRPr>
+              </a:lvl5pPr>
+              <a:lvl6pPr marL="2514600" indent="-228600" defTabSz="762000" eaLnBrk="0" fontAlgn="base" hangingPunct="0">
+                <a:spcBef>
+                  <a:spcPct val="0"/>
+                </a:spcBef>
+                <a:spcAft>
+                  <a:spcPct val="0"/>
+                </a:spcAft>
+                <a:defRPr sz="2400">
+                  <a:solidFill>
+                    <a:schemeClr val="tx1"/>
+                  </a:solidFill>
+                  <a:latin typeface="Arial" charset="0"/>
+                  <a:ea typeface="ＭＳ Ｐゴシック" charset="0"/>
+                </a:defRPr>
+              </a:lvl6pPr>
+              <a:lvl7pPr marL="2971800" indent="-228600" defTabSz="762000" eaLnBrk="0" fontAlgn="base" hangingPunct="0">
+                <a:spcBef>
+                  <a:spcPct val="0"/>
+                </a:spcBef>
+                <a:spcAft>
+                  <a:spcPct val="0"/>
+                </a:spcAft>
+                <a:defRPr sz="2400">
+                  <a:solidFill>
+                    <a:schemeClr val="tx1"/>
+                  </a:solidFill>
+                  <a:latin typeface="Arial" charset="0"/>
+                  <a:ea typeface="ＭＳ Ｐゴシック" charset="0"/>
+                </a:defRPr>
+              </a:lvl7pPr>
+              <a:lvl8pPr marL="3429000" indent="-228600" defTabSz="762000" eaLnBrk="0" fontAlgn="base" hangingPunct="0">
+                <a:spcBef>
+                  <a:spcPct val="0"/>
+                </a:spcBef>
+                <a:spcAft>
+                  <a:spcPct val="0"/>
+                </a:spcAft>
+                <a:defRPr sz="2400">
+                  <a:solidFill>
+                    <a:schemeClr val="tx1"/>
+                  </a:solidFill>
+                  <a:latin typeface="Arial" charset="0"/>
+                  <a:ea typeface="ＭＳ Ｐゴシック" charset="0"/>
+                </a:defRPr>
+              </a:lvl8pPr>
+              <a:lvl9pPr marL="3886200" indent="-228600" defTabSz="762000" eaLnBrk="0" fontAlgn="base" hangingPunct="0">
+                <a:spcBef>
+                  <a:spcPct val="0"/>
+                </a:spcBef>
+                <a:spcAft>
+                  <a:spcPct val="0"/>
+                </a:spcAft>
+                <a:defRPr sz="2400">
+                  <a:solidFill>
+                    <a:schemeClr val="tx1"/>
+                  </a:solidFill>
+                  <a:latin typeface="Arial" charset="0"/>
+                  <a:ea typeface="ＭＳ Ｐゴシック" charset="0"/>
+                </a:defRPr>
+              </a:lvl9pPr>
+            </a:lstStyle>
+            <a:p>
+              <a:pPr algn="ctr"/>
+              <a:r>
+                <a:rPr lang="en-US" sz="5500" b="1">
+                  <a:solidFill>
+                    <a:srgbClr val="FF0000"/>
+                  </a:solidFill>
+                  <a:sym typeface="Webdings" charset="0"/>
+                </a:rPr>
+                <a:t></a:t>
+              </a:r>
+              <a:endParaRPr lang="en-US" sz="5500" b="1">
+                <a:solidFill>
+                  <a:srgbClr val="FF0000"/>
+                </a:solidFill>
+              </a:endParaRPr>
+            </a:p>
+          </p:txBody>
+        </p:sp>
+      </p:grpSp>
+    </p:spTree>
+    <p:extLst>
+      <p:ext uri="{BB962C8B-B14F-4D97-AF65-F5344CB8AC3E}">
+        <p14:creationId xmlns:p14="http://schemas.microsoft.com/office/powerpoint/2010/main" val="3831465198"/>
+      </p:ext>
+    </p:extLst>
+  </p:cSld>
+  <p:clrMapOvr>
+    <a:masterClrMapping/>
+  </p:clrMapOvr>
+  <p:timing>
+    <p:tnLst>
+      <p:par>
+        <p:cTn xmlns:p14="http://schemas.microsoft.com/office/powerpoint/2010/main" id="1" dur="indefinite" restart="never" nodeType="tmRoot">
+          <p:childTnLst>
+            <p:seq concurrent="1" nextAc="seek">
+              <p:cTn id="2" dur="indefinite" nodeType="mainSeq">
+                <p:childTnLst>
+                  <p:par>
+                    <p:cTn id="3" fill="hold" nodeType="clickPar">
+                      <p:stCondLst>
+                        <p:cond delay="indefinite"/>
+                      </p:stCondLst>
+                      <p:childTnLst>
+                        <p:par>
+                          <p:cTn id="4" fill="hold" nodeType="withGroup">
+                            <p:stCondLst>
+                              <p:cond delay="0"/>
+                            </p:stCondLst>
+                            <p:childTnLst>
+                              <p:par>
+                                <p:cTn id="5" presetID="1" presetClass="entr" presetSubtype="0" fill="hold" nodeType="clickEffect">
+                                  <p:stCondLst>
+                                    <p:cond delay="0"/>
+                                  </p:stCondLst>
+                                  <p:childTnLst>
+                                    <p:set>
+                                      <p:cBhvr>
+                                        <p:cTn id="6" dur="1" fill="hold">
+                                          <p:stCondLst>
+                                            <p:cond delay="0"/>
+                                          </p:stCondLst>
+                                        </p:cTn>
+                                        <p:tgtEl>
+                                          <p:spTgt spid="58"/>
+                                        </p:tgtEl>
+                                        <p:attrNameLst>
+                                          <p:attrName>style.visibility</p:attrName>
+                                        </p:attrNameLst>
+                                      </p:cBhvr>
+                                      <p:to>
+                                        <p:strVal val="visible"/>
+                                      </p:to>
+                                    </p:set>
+                                  </p:childTnLst>
+                                </p:cTn>
+                              </p:par>
+                            </p:childTnLst>
+                          </p:cTn>
+                        </p:par>
+                      </p:childTnLst>
+                    </p:cTn>
+                  </p:par>
+                  <p:par>
+                    <p:cTn id="7" fill="hold" nodeType="clickPar">
+                      <p:stCondLst>
+                        <p:cond delay="indefinite"/>
+                      </p:stCondLst>
+                      <p:childTnLst>
+                        <p:par>
+                          <p:cTn id="8" fill="hold" nodeType="withGroup">
+                            <p:stCondLst>
+                              <p:cond delay="0"/>
+                            </p:stCondLst>
+                            <p:childTnLst>
+                              <p:par>
+                                <p:cTn id="9" presetID="1" presetClass="entr" presetSubtype="0" fill="hold" nodeType="clickEffect">
+                                  <p:stCondLst>
+                                    <p:cond delay="0"/>
+                                  </p:stCondLst>
+                                  <p:childTnLst>
+                                    <p:set>
+                                      <p:cBhvr>
+                                        <p:cTn id="10" dur="1" fill="hold">
+                                          <p:stCondLst>
+                                            <p:cond delay="0"/>
+                                          </p:stCondLst>
+                                        </p:cTn>
+                                        <p:tgtEl>
+                                          <p:spTgt spid="59"/>
+                                        </p:tgtEl>
+                                        <p:attrNameLst>
+                                          <p:attrName>style.visibility</p:attrName>
+                                        </p:attrNameLst>
+                                      </p:cBhvr>
+                                      <p:to>
+                                        <p:strVal val="visible"/>
+                                      </p:to>
+                                    </p:set>
+                                  </p:childTnLst>
+                                </p:cTn>
+                              </p:par>
+                            </p:childTnLst>
+                          </p:cTn>
+                        </p:par>
+                      </p:childTnLst>
+                    </p:cTn>
+                  </p:par>
+                  <p:par>
+                    <p:cTn id="11" fill="hold" nodeType="clickPar">
+                      <p:stCondLst>
+                        <p:cond delay="indefinite"/>
+                      </p:stCondLst>
+                      <p:childTnLst>
+                        <p:par>
+                          <p:cTn id="12" fill="hold" nodeType="withGroup">
+                            <p:stCondLst>
+                              <p:cond delay="0"/>
+                            </p:stCondLst>
+                            <p:childTnLst>
+                              <p:par>
+                                <p:cTn id="13" presetID="1" presetClass="entr" presetSubtype="0" fill="hold" nodeType="clickEffect">
+                                  <p:stCondLst>
+                                    <p:cond delay="0"/>
+                                  </p:stCondLst>
+                                  <p:childTnLst>
+                                    <p:set>
+                                      <p:cBhvr>
+                                        <p:cTn id="14" dur="1" fill="hold">
+                                          <p:stCondLst>
+                                            <p:cond delay="0"/>
+                                          </p:stCondLst>
+                                        </p:cTn>
+                                        <p:tgtEl>
+                                          <p:spTgt spid="100"/>
+                                        </p:tgtEl>
+                                        <p:attrNameLst>
+                                          <p:attrName>style.visibility</p:attrName>
+                                        </p:attrNameLst>
+                                      </p:cBhvr>
+                                      <p:to>
+                                        <p:strVal val="visible"/>
+                                      </p:to>
+                                    </p:set>
+                                  </p:childTnLst>
+                                </p:cTn>
+                              </p:par>
+                            </p:childTnLst>
+                          </p:cTn>
+                        </p:par>
+                      </p:childTnLst>
+                    </p:cTn>
+                  </p:par>
+                </p:childTnLst>
+              </p:cTn>
+              <p:prevCondLst>
+                <p:cond evt="onPrev" delay="0">
+                  <p:tgtEl>
+                    <p:sldTgt/>
+                  </p:tgtEl>
+                </p:cond>
+              </p:prevCondLst>
+              <p:nextCondLst>
+                <p:cond evt="onNext" delay="0">
+                  <p:tgtEl>
+                    <p:sldTgt/>
+                  </p:tgtEl>
+                </p:cond>
+              </p:nextCondLst>
+            </p:seq>
+          </p:childTnLst>
+        </p:cTn>
+      </p:par>
+    </p:tnLst>
+  </p:timing>
+</p:sld>
+</file>
+
+<file path=ppt/slides/slide5.xml><?xml version="1.0" encoding="utf-8"?>
+<p:sld xmlns:a="http://schemas.openxmlformats.org/drawingml/2006/main" xmlns:r="http://schemas.openxmlformats.org/officeDocument/2006/relationships" xmlns:p="http://schemas.openxmlformats.org/presentationml/2006/main">
+  <p:cSld>
+    <p:spTree>
+      <p:nvGrpSpPr>
+        <p:cNvPr id="1" name=""/>
+        <p:cNvGrpSpPr/>
+        <p:nvPr/>
+      </p:nvGrpSpPr>
+      <p:grpSpPr>
+        <a:xfrm>
+          <a:off x="0" y="0"/>
+          <a:ext cx="0" cy="0"/>
+          <a:chOff x="0" y="0"/>
+          <a:chExt cx="0" cy="0"/>
+        </a:xfrm>
+      </p:grpSpPr>
+      <p:sp>
+        <p:nvSpPr>
+          <p:cNvPr id="68609" name="Title 1"/>
+          <p:cNvSpPr>
+            <a:spLocks noGrp="1"/>
+          </p:cNvSpPr>
+          <p:nvPr>
+            <p:ph type="title"/>
+          </p:nvPr>
+        </p:nvSpPr>
+        <p:spPr/>
+        <p:txBody>
+          <a:bodyPr/>
+          <a:lstStyle/>
+          <a:p>
+            <a:r>
+              <a:rPr lang="en-US" dirty="0" smtClean="0">
+                <a:latin typeface="Arial" charset="0"/>
+                <a:ea typeface="ＭＳ Ｐゴシック" charset="0"/>
+                <a:cs typeface="ＭＳ Ｐゴシック" charset="0"/>
+              </a:rPr>
+              <a:t>2-D FEC</a:t>
+            </a:r>
+            <a:endParaRPr lang="en-US" dirty="0">
+              <a:latin typeface="Arial" charset="0"/>
+              <a:ea typeface="ＭＳ Ｐゴシック" charset="0"/>
+              <a:cs typeface="ＭＳ Ｐゴシック" charset="0"/>
+            </a:endParaRPr>
+          </a:p>
+        </p:txBody>
+      </p:sp>
+      <p:grpSp>
+        <p:nvGrpSpPr>
+          <p:cNvPr id="59" name="Group 58"/>
+          <p:cNvGrpSpPr>
+            <a:grpSpLocks/>
+          </p:cNvGrpSpPr>
+          <p:nvPr/>
+        </p:nvGrpSpPr>
+        <p:grpSpPr bwMode="auto">
+          <a:xfrm>
+            <a:off x="550430" y="2125460"/>
+            <a:ext cx="3609243" cy="3421674"/>
+            <a:chOff x="5693568" y="2130574"/>
+            <a:chExt cx="3909864" cy="3705944"/>
+          </a:xfrm>
+        </p:grpSpPr>
+        <p:sp>
+          <p:nvSpPr>
+            <p:cNvPr id="68634" name="Rectangle 4"/>
+            <p:cNvSpPr>
+              <a:spLocks noChangeArrowheads="1"/>
+            </p:cNvSpPr>
+            <p:nvPr/>
+          </p:nvSpPr>
+          <p:spPr bwMode="auto">
+            <a:xfrm>
+              <a:off x="5693568" y="2130574"/>
+              <a:ext cx="762000" cy="609600"/>
+            </a:xfrm>
+            <a:prstGeom prst="rect">
+              <a:avLst/>
+            </a:prstGeom>
+            <a:solidFill>
+              <a:srgbClr val="FFFFCC"/>
+            </a:solidFill>
+            <a:ln w="12700">
+              <a:solidFill>
+                <a:schemeClr val="tx1"/>
+              </a:solidFill>
+              <a:miter lim="800000"/>
+              <a:headEnd/>
+              <a:tailEnd/>
+            </a:ln>
+          </p:spPr>
+          <p:txBody>
+            <a:bodyPr wrap="none" anchor="ctr"/>
+            <a:lstStyle/>
+            <a:p>
+              <a:pPr algn="ctr" defTabSz="703326" eaLnBrk="0" hangingPunct="0"/>
+              <a:r>
+                <a:rPr lang="en-US" sz="1700" b="1"/>
+                <a:t>1</a:t>
+              </a:r>
+              <a:endParaRPr lang="de-DE" sz="1700" b="1"/>
+            </a:p>
+          </p:txBody>
+        </p:sp>
+        <p:sp>
+          <p:nvSpPr>
+            <p:cNvPr id="68635" name="Rectangle 5"/>
+            <p:cNvSpPr>
+              <a:spLocks noChangeArrowheads="1"/>
+            </p:cNvSpPr>
+            <p:nvPr/>
+          </p:nvSpPr>
+          <p:spPr bwMode="auto">
+            <a:xfrm>
+              <a:off x="6684168" y="2130574"/>
+              <a:ext cx="762000" cy="609600"/>
+            </a:xfrm>
+            <a:prstGeom prst="rect">
+              <a:avLst/>
+            </a:prstGeom>
+            <a:solidFill>
+              <a:srgbClr val="FFFFCC"/>
+            </a:solidFill>
+            <a:ln w="12700">
+              <a:solidFill>
+                <a:schemeClr val="tx1"/>
+              </a:solidFill>
+              <a:miter lim="800000"/>
+              <a:headEnd/>
+              <a:tailEnd/>
+            </a:ln>
+          </p:spPr>
+          <p:txBody>
+            <a:bodyPr wrap="none" anchor="ctr"/>
+            <a:lstStyle/>
+            <a:p>
+              <a:pPr algn="ctr" defTabSz="703326" eaLnBrk="0" hangingPunct="0"/>
+              <a:r>
+                <a:rPr lang="en-US" sz="1700" b="1"/>
+                <a:t>2</a:t>
+              </a:r>
+              <a:endParaRPr lang="de-DE" sz="1700" b="1"/>
+            </a:p>
+          </p:txBody>
+        </p:sp>
+        <p:sp>
+          <p:nvSpPr>
+            <p:cNvPr id="68636" name="Rectangle 6"/>
+            <p:cNvSpPr>
+              <a:spLocks noChangeArrowheads="1"/>
+            </p:cNvSpPr>
+            <p:nvPr/>
+          </p:nvSpPr>
+          <p:spPr bwMode="auto">
+            <a:xfrm>
+              <a:off x="7674768" y="2130574"/>
+              <a:ext cx="762000" cy="609600"/>
+            </a:xfrm>
+            <a:prstGeom prst="rect">
+              <a:avLst/>
+            </a:prstGeom>
+            <a:solidFill>
+              <a:srgbClr val="FFFFCC"/>
+            </a:solidFill>
+            <a:ln w="12700">
+              <a:solidFill>
+                <a:schemeClr val="tx1"/>
+              </a:solidFill>
+              <a:miter lim="800000"/>
+              <a:headEnd/>
+              <a:tailEnd/>
+            </a:ln>
+          </p:spPr>
+          <p:txBody>
+            <a:bodyPr wrap="none" anchor="ctr"/>
+            <a:lstStyle/>
+            <a:p>
+              <a:pPr algn="ctr" defTabSz="703326" eaLnBrk="0" hangingPunct="0"/>
+              <a:r>
+                <a:rPr lang="en-US" sz="1700" b="1"/>
+                <a:t>3</a:t>
+              </a:r>
+              <a:endParaRPr lang="de-DE" sz="1700" b="1"/>
+            </a:p>
+          </p:txBody>
+        </p:sp>
+        <p:sp>
+          <p:nvSpPr>
+            <p:cNvPr id="68637" name="Rectangle 10"/>
+            <p:cNvSpPr>
+              <a:spLocks noChangeArrowheads="1"/>
+            </p:cNvSpPr>
+            <p:nvPr/>
+          </p:nvSpPr>
+          <p:spPr bwMode="auto">
+            <a:xfrm>
+              <a:off x="5708104" y="4146798"/>
+              <a:ext cx="762000" cy="609600"/>
+            </a:xfrm>
+            <a:prstGeom prst="rect">
+              <a:avLst/>
+            </a:prstGeom>
+            <a:solidFill>
+              <a:srgbClr val="99FF99"/>
+            </a:solidFill>
+            <a:ln w="12700">
+              <a:solidFill>
+                <a:schemeClr val="tx1"/>
+              </a:solidFill>
+              <a:miter lim="800000"/>
+              <a:headEnd/>
+              <a:tailEnd/>
+            </a:ln>
+          </p:spPr>
+          <p:txBody>
+            <a:bodyPr wrap="none" anchor="ctr"/>
+            <a:lstStyle/>
+            <a:p>
+              <a:pPr algn="ctr" defTabSz="703326" eaLnBrk="0" hangingPunct="0"/>
+              <a:r>
+                <a:rPr lang="en-US" sz="1700" b="1"/>
+                <a:t>7</a:t>
+              </a:r>
+              <a:endParaRPr lang="de-DE" sz="1700" b="1"/>
+            </a:p>
+          </p:txBody>
+        </p:sp>
+        <p:sp>
+          <p:nvSpPr>
+            <p:cNvPr id="68638" name="Rectangle 18"/>
+            <p:cNvSpPr>
+              <a:spLocks noChangeArrowheads="1"/>
+            </p:cNvSpPr>
+            <p:nvPr/>
+          </p:nvSpPr>
+          <p:spPr bwMode="auto">
+            <a:xfrm>
+              <a:off x="6698704" y="4146798"/>
+              <a:ext cx="762000" cy="609600"/>
+            </a:xfrm>
+            <a:prstGeom prst="rect">
+              <a:avLst/>
+            </a:prstGeom>
+            <a:solidFill>
+              <a:srgbClr val="99FF99"/>
+            </a:solidFill>
+            <a:ln w="12700">
+              <a:solidFill>
+                <a:schemeClr val="tx1"/>
+              </a:solidFill>
+              <a:miter lim="800000"/>
+              <a:headEnd/>
+              <a:tailEnd/>
+            </a:ln>
+          </p:spPr>
+          <p:txBody>
+            <a:bodyPr wrap="none" anchor="ctr"/>
+            <a:lstStyle/>
+            <a:p>
+              <a:pPr algn="ctr" defTabSz="703326" eaLnBrk="0" hangingPunct="0"/>
+              <a:r>
+                <a:rPr lang="en-US" sz="1700" b="1"/>
+                <a:t>8</a:t>
+              </a:r>
+              <a:endParaRPr lang="de-DE" sz="1700" b="1"/>
+            </a:p>
+          </p:txBody>
+        </p:sp>
+        <p:sp>
+          <p:nvSpPr>
+            <p:cNvPr id="68639" name="Rectangle 19"/>
+            <p:cNvSpPr>
+              <a:spLocks noChangeArrowheads="1"/>
+            </p:cNvSpPr>
+            <p:nvPr/>
+          </p:nvSpPr>
+          <p:spPr bwMode="auto">
+            <a:xfrm>
+              <a:off x="7689304" y="4146798"/>
+              <a:ext cx="762000" cy="609600"/>
+            </a:xfrm>
+            <a:prstGeom prst="rect">
+              <a:avLst/>
+            </a:prstGeom>
+            <a:solidFill>
+              <a:srgbClr val="99FF99"/>
+            </a:solidFill>
+            <a:ln w="12700">
+              <a:solidFill>
+                <a:schemeClr val="tx1"/>
+              </a:solidFill>
+              <a:miter lim="800000"/>
+              <a:headEnd/>
+              <a:tailEnd/>
+            </a:ln>
+          </p:spPr>
+          <p:txBody>
+            <a:bodyPr wrap="none" anchor="ctr"/>
+            <a:lstStyle/>
+            <a:p>
+              <a:pPr algn="ctr" defTabSz="703326" eaLnBrk="0" hangingPunct="0"/>
+              <a:r>
+                <a:rPr lang="en-US" sz="1700" b="1"/>
+                <a:t>9</a:t>
+              </a:r>
+              <a:endParaRPr lang="de-DE" sz="1700" b="1"/>
+            </a:p>
+          </p:txBody>
+        </p:sp>
+        <p:sp>
+          <p:nvSpPr>
+            <p:cNvPr id="68640" name="Rectangle 7"/>
+            <p:cNvSpPr>
+              <a:spLocks noChangeArrowheads="1"/>
+            </p:cNvSpPr>
+            <p:nvPr/>
+          </p:nvSpPr>
+          <p:spPr bwMode="auto">
+            <a:xfrm>
+              <a:off x="5708104" y="3138686"/>
+              <a:ext cx="762000" cy="609600"/>
+            </a:xfrm>
+            <a:prstGeom prst="rect">
+              <a:avLst/>
+            </a:prstGeom>
+            <a:solidFill>
+              <a:srgbClr val="FFCC99"/>
+            </a:solidFill>
+            <a:ln w="12700">
+              <a:solidFill>
+                <a:schemeClr val="tx1"/>
+              </a:solidFill>
+              <a:miter lim="800000"/>
+              <a:headEnd/>
+              <a:tailEnd/>
+            </a:ln>
+          </p:spPr>
+          <p:txBody>
+            <a:bodyPr wrap="none" anchor="ctr"/>
+            <a:lstStyle/>
+            <a:p>
+              <a:pPr algn="ctr" defTabSz="703326" eaLnBrk="0" hangingPunct="0"/>
+              <a:r>
+                <a:rPr lang="en-US" sz="1700" b="1"/>
+                <a:t>4</a:t>
+              </a:r>
+              <a:endParaRPr lang="de-DE" sz="1700" b="1"/>
+            </a:p>
+          </p:txBody>
+        </p:sp>
+        <p:sp>
+          <p:nvSpPr>
+            <p:cNvPr id="68641" name="Rectangle 8"/>
+            <p:cNvSpPr>
+              <a:spLocks noChangeArrowheads="1"/>
+            </p:cNvSpPr>
+            <p:nvPr/>
+          </p:nvSpPr>
+          <p:spPr bwMode="auto">
+            <a:xfrm>
+              <a:off x="6698704" y="3138686"/>
+              <a:ext cx="762000" cy="609600"/>
+            </a:xfrm>
+            <a:prstGeom prst="rect">
+              <a:avLst/>
+            </a:prstGeom>
+            <a:solidFill>
+              <a:srgbClr val="FFCC99"/>
+            </a:solidFill>
+            <a:ln w="12700">
+              <a:solidFill>
+                <a:schemeClr val="tx1"/>
+              </a:solidFill>
+              <a:miter lim="800000"/>
+              <a:headEnd/>
+              <a:tailEnd/>
+            </a:ln>
+          </p:spPr>
+          <p:txBody>
+            <a:bodyPr wrap="none" anchor="ctr"/>
+            <a:lstStyle/>
+            <a:p>
+              <a:pPr algn="ctr" defTabSz="703326" eaLnBrk="0" hangingPunct="0"/>
+              <a:r>
+                <a:rPr lang="en-US" sz="1700" b="1"/>
+                <a:t>5</a:t>
+              </a:r>
+              <a:endParaRPr lang="de-DE" sz="1700" b="1"/>
+            </a:p>
+          </p:txBody>
+        </p:sp>
+        <p:sp>
+          <p:nvSpPr>
+            <p:cNvPr id="68642" name="Rectangle 9"/>
+            <p:cNvSpPr>
+              <a:spLocks noChangeArrowheads="1"/>
+            </p:cNvSpPr>
+            <p:nvPr/>
+          </p:nvSpPr>
+          <p:spPr bwMode="auto">
+            <a:xfrm>
+              <a:off x="7689304" y="3138686"/>
+              <a:ext cx="762000" cy="609600"/>
+            </a:xfrm>
+            <a:prstGeom prst="rect">
+              <a:avLst/>
+            </a:prstGeom>
+            <a:solidFill>
+              <a:srgbClr val="FFCC99"/>
+            </a:solidFill>
+            <a:ln w="12700">
+              <a:solidFill>
+                <a:schemeClr val="tx1"/>
+              </a:solidFill>
+              <a:miter lim="800000"/>
+              <a:headEnd/>
+              <a:tailEnd/>
+            </a:ln>
+          </p:spPr>
+          <p:txBody>
+            <a:bodyPr wrap="none" anchor="ctr"/>
+            <a:lstStyle/>
+            <a:p>
+              <a:pPr algn="ctr" defTabSz="703326" eaLnBrk="0" hangingPunct="0"/>
+              <a:r>
+                <a:rPr lang="en-US" sz="1700" b="1"/>
+                <a:t>6</a:t>
+              </a:r>
+              <a:endParaRPr lang="de-DE" sz="1700" b="1"/>
+            </a:p>
+          </p:txBody>
+        </p:sp>
+        <p:sp>
+          <p:nvSpPr>
+            <p:cNvPr id="34" name="Rectangle 6"/>
+            <p:cNvSpPr>
+              <a:spLocks noChangeArrowheads="1"/>
+            </p:cNvSpPr>
+            <p:nvPr/>
+          </p:nvSpPr>
+          <p:spPr bwMode="auto">
+            <a:xfrm>
+              <a:off x="5715792" y="5227061"/>
+              <a:ext cx="761971" cy="609457"/>
+            </a:xfrm>
+            <a:prstGeom prst="rect">
+              <a:avLst/>
+            </a:prstGeom>
+            <a:ln>
+              <a:headEnd/>
+              <a:tailEnd/>
+            </a:ln>
+          </p:spPr>
+          <p:style>
+            <a:lnRef idx="2">
+              <a:schemeClr val="accent5">
+                <a:shade val="50000"/>
+              </a:schemeClr>
+            </a:lnRef>
+            <a:fillRef idx="1">
+              <a:schemeClr val="accent5"/>
+            </a:fillRef>
+            <a:effectRef idx="0">
+              <a:schemeClr val="accent5"/>
+            </a:effectRef>
+            <a:fontRef idx="minor">
+              <a:schemeClr val="lt1"/>
+            </a:fontRef>
+          </p:style>
+          <p:txBody>
+            <a:bodyPr wrap="none" anchor="ctr"/>
+            <a:lstStyle/>
+            <a:p>
+              <a:pPr algn="ctr" defTabSz="703326" eaLnBrk="0" hangingPunct="0">
+                <a:defRPr/>
+              </a:pPr>
+              <a:r>
+                <a:rPr lang="en-US" sz="1700" b="1" dirty="0"/>
+                <a:t>C1</a:t>
+              </a:r>
+              <a:endParaRPr lang="de-DE" sz="1700" b="1" dirty="0"/>
+            </a:p>
+          </p:txBody>
+        </p:sp>
+        <p:sp>
+          <p:nvSpPr>
+            <p:cNvPr id="35" name="Rectangle 6"/>
+            <p:cNvSpPr>
+              <a:spLocks noChangeArrowheads="1"/>
+            </p:cNvSpPr>
+            <p:nvPr/>
+          </p:nvSpPr>
+          <p:spPr bwMode="auto">
+            <a:xfrm>
+              <a:off x="6723817" y="5227061"/>
+              <a:ext cx="761971" cy="609457"/>
+            </a:xfrm>
+            <a:prstGeom prst="rect">
+              <a:avLst/>
+            </a:prstGeom>
+            <a:ln>
+              <a:headEnd/>
+              <a:tailEnd/>
+            </a:ln>
+          </p:spPr>
+          <p:style>
+            <a:lnRef idx="2">
+              <a:schemeClr val="accent5">
+                <a:shade val="50000"/>
+              </a:schemeClr>
+            </a:lnRef>
+            <a:fillRef idx="1">
+              <a:schemeClr val="accent5"/>
+            </a:fillRef>
+            <a:effectRef idx="0">
+              <a:schemeClr val="accent5"/>
+            </a:effectRef>
+            <a:fontRef idx="minor">
+              <a:schemeClr val="lt1"/>
+            </a:fontRef>
+          </p:style>
+          <p:txBody>
+            <a:bodyPr wrap="none" anchor="ctr"/>
+            <a:lstStyle/>
+            <a:p>
+              <a:pPr algn="ctr" defTabSz="703326" eaLnBrk="0" hangingPunct="0">
+                <a:defRPr/>
+              </a:pPr>
+              <a:r>
+                <a:rPr lang="en-US" sz="1700" b="1" dirty="0"/>
+                <a:t>C2</a:t>
+              </a:r>
+              <a:endParaRPr lang="de-DE" sz="1700" b="1" dirty="0"/>
+            </a:p>
+          </p:txBody>
+        </p:sp>
+        <p:sp>
+          <p:nvSpPr>
+            <p:cNvPr id="36" name="Rectangle 6"/>
+            <p:cNvSpPr>
+              <a:spLocks noChangeArrowheads="1"/>
+            </p:cNvSpPr>
+            <p:nvPr/>
+          </p:nvSpPr>
+          <p:spPr bwMode="auto">
+            <a:xfrm>
+              <a:off x="7731840" y="5227061"/>
+              <a:ext cx="761971" cy="609457"/>
+            </a:xfrm>
+            <a:prstGeom prst="rect">
+              <a:avLst/>
+            </a:prstGeom>
+            <a:ln>
+              <a:headEnd/>
+              <a:tailEnd/>
+            </a:ln>
+          </p:spPr>
+          <p:style>
+            <a:lnRef idx="2">
+              <a:schemeClr val="accent5">
+                <a:shade val="50000"/>
+              </a:schemeClr>
+            </a:lnRef>
+            <a:fillRef idx="1">
+              <a:schemeClr val="accent5"/>
+            </a:fillRef>
+            <a:effectRef idx="0">
+              <a:schemeClr val="accent5"/>
+            </a:effectRef>
+            <a:fontRef idx="minor">
+              <a:schemeClr val="lt1"/>
+            </a:fontRef>
+          </p:style>
+          <p:txBody>
+            <a:bodyPr wrap="none" anchor="ctr"/>
+            <a:lstStyle/>
+            <a:p>
+              <a:pPr algn="ctr" defTabSz="703326" eaLnBrk="0" hangingPunct="0">
+                <a:defRPr/>
+              </a:pPr>
+              <a:r>
+                <a:rPr lang="en-US" sz="1700" b="1" dirty="0"/>
+                <a:t>C3</a:t>
+              </a:r>
+              <a:endParaRPr lang="de-DE" sz="1700" b="1" dirty="0"/>
+            </a:p>
+          </p:txBody>
+        </p:sp>
+        <p:sp>
+          <p:nvSpPr>
+            <p:cNvPr id="37" name="Rectangle 6"/>
+            <p:cNvSpPr>
+              <a:spLocks noChangeArrowheads="1"/>
+            </p:cNvSpPr>
+            <p:nvPr/>
+          </p:nvSpPr>
+          <p:spPr bwMode="auto">
+            <a:xfrm>
+              <a:off x="8841461" y="2130574"/>
+              <a:ext cx="761971" cy="609457"/>
+            </a:xfrm>
+            <a:prstGeom prst="rect">
+              <a:avLst/>
+            </a:prstGeom>
+            <a:ln>
+              <a:headEnd/>
+              <a:tailEnd/>
+            </a:ln>
+          </p:spPr>
+          <p:style>
+            <a:lnRef idx="2">
+              <a:schemeClr val="accent5">
+                <a:shade val="50000"/>
+              </a:schemeClr>
+            </a:lnRef>
+            <a:fillRef idx="1">
+              <a:schemeClr val="accent5"/>
+            </a:fillRef>
+            <a:effectRef idx="0">
+              <a:schemeClr val="accent5"/>
+            </a:effectRef>
+            <a:fontRef idx="minor">
+              <a:schemeClr val="lt1"/>
+            </a:fontRef>
+          </p:style>
+          <p:txBody>
+            <a:bodyPr wrap="none" anchor="ctr"/>
+            <a:lstStyle/>
+            <a:p>
+              <a:pPr algn="ctr" defTabSz="703326" eaLnBrk="0" hangingPunct="0">
+                <a:defRPr/>
+              </a:pPr>
+              <a:r>
+                <a:rPr lang="en-US" sz="1700" b="1" dirty="0"/>
+                <a:t>R1</a:t>
+              </a:r>
+              <a:endParaRPr lang="de-DE" sz="1700" b="1" dirty="0"/>
+            </a:p>
+          </p:txBody>
+        </p:sp>
+        <p:sp>
+          <p:nvSpPr>
+            <p:cNvPr id="38" name="Rectangle 6"/>
+            <p:cNvSpPr>
+              <a:spLocks noChangeArrowheads="1"/>
+            </p:cNvSpPr>
+            <p:nvPr/>
+          </p:nvSpPr>
+          <p:spPr bwMode="auto">
+            <a:xfrm>
+              <a:off x="8841461" y="3138401"/>
+              <a:ext cx="761971" cy="609457"/>
+            </a:xfrm>
+            <a:prstGeom prst="rect">
+              <a:avLst/>
+            </a:prstGeom>
+            <a:ln>
+              <a:headEnd/>
+              <a:tailEnd/>
+            </a:ln>
+          </p:spPr>
+          <p:style>
+            <a:lnRef idx="2">
+              <a:schemeClr val="accent5">
+                <a:shade val="50000"/>
+              </a:schemeClr>
+            </a:lnRef>
+            <a:fillRef idx="1">
+              <a:schemeClr val="accent5"/>
+            </a:fillRef>
+            <a:effectRef idx="0">
+              <a:schemeClr val="accent5"/>
+            </a:effectRef>
+            <a:fontRef idx="minor">
+              <a:schemeClr val="lt1"/>
+            </a:fontRef>
+          </p:style>
+          <p:txBody>
+            <a:bodyPr wrap="none" anchor="ctr"/>
+            <a:lstStyle/>
+            <a:p>
+              <a:pPr algn="ctr" defTabSz="703326" eaLnBrk="0" hangingPunct="0">
+                <a:defRPr/>
+              </a:pPr>
+              <a:r>
+                <a:rPr lang="en-US" sz="1700" b="1" dirty="0"/>
+                <a:t>R2</a:t>
+              </a:r>
+              <a:endParaRPr lang="de-DE" sz="1700" b="1" dirty="0"/>
+            </a:p>
+          </p:txBody>
+        </p:sp>
+        <p:sp>
+          <p:nvSpPr>
+            <p:cNvPr id="39" name="Rectangle 6"/>
+            <p:cNvSpPr>
+              <a:spLocks noChangeArrowheads="1"/>
+            </p:cNvSpPr>
+            <p:nvPr/>
+          </p:nvSpPr>
+          <p:spPr bwMode="auto">
+            <a:xfrm>
+              <a:off x="8841461" y="4112897"/>
+              <a:ext cx="761971" cy="609457"/>
+            </a:xfrm>
+            <a:prstGeom prst="rect">
+              <a:avLst/>
+            </a:prstGeom>
+            <a:ln>
+              <a:headEnd/>
+              <a:tailEnd/>
+            </a:ln>
+          </p:spPr>
+          <p:style>
+            <a:lnRef idx="2">
+              <a:schemeClr val="accent5">
+                <a:shade val="50000"/>
+              </a:schemeClr>
+            </a:lnRef>
+            <a:fillRef idx="1">
+              <a:schemeClr val="accent5"/>
+            </a:fillRef>
+            <a:effectRef idx="0">
+              <a:schemeClr val="accent5"/>
+            </a:effectRef>
+            <a:fontRef idx="minor">
+              <a:schemeClr val="lt1"/>
+            </a:fontRef>
+          </p:style>
+          <p:txBody>
+            <a:bodyPr wrap="none" anchor="ctr"/>
+            <a:lstStyle/>
+            <a:p>
+              <a:pPr algn="ctr" defTabSz="703326" eaLnBrk="0" hangingPunct="0">
+                <a:defRPr/>
+              </a:pPr>
+              <a:r>
+                <a:rPr lang="en-US" sz="1700" b="1" dirty="0"/>
+                <a:t>R3</a:t>
+              </a:r>
+              <a:endParaRPr lang="de-DE" sz="1700" b="1" dirty="0"/>
+            </a:p>
+          </p:txBody>
+        </p:sp>
+      </p:grpSp>
+      <p:grpSp>
+        <p:nvGrpSpPr>
+          <p:cNvPr id="100" name="Group 99"/>
+          <p:cNvGrpSpPr>
+            <a:grpSpLocks/>
+          </p:cNvGrpSpPr>
+          <p:nvPr/>
+        </p:nvGrpSpPr>
+        <p:grpSpPr bwMode="auto">
+          <a:xfrm>
+            <a:off x="457200" y="1860226"/>
+            <a:ext cx="2684941" cy="2799788"/>
+            <a:chOff x="5592150" y="1842542"/>
+            <a:chExt cx="2908211" cy="3033203"/>
+          </a:xfrm>
+        </p:grpSpPr>
+        <p:sp>
+          <p:nvSpPr>
+            <p:cNvPr id="68614" name="Text Box 58"/>
+            <p:cNvSpPr txBox="1">
+              <a:spLocks noChangeArrowheads="1"/>
+            </p:cNvSpPr>
+            <p:nvPr/>
+          </p:nvSpPr>
+          <p:spPr bwMode="auto">
+            <a:xfrm>
+              <a:off x="6600262" y="1842542"/>
+              <a:ext cx="963995" cy="1016979"/>
+            </a:xfrm>
+            <a:prstGeom prst="rect">
+              <a:avLst/>
+            </a:prstGeom>
+            <a:noFill/>
+            <a:ln>
+              <a:noFill/>
+            </a:ln>
+            <a:extLst>
+              <a:ext uri="{909E8E84-426E-40dd-AFC4-6F175D3DCCD1}">
+                <a14:hiddenFill xmlns:a14="http://schemas.microsoft.com/office/drawing/2010/main">
+                  <a:solidFill>
+                    <a:srgbClr val="FFFFFF"/>
+                  </a:solidFill>
+                </a14:hiddenFill>
+              </a:ext>
+              <a:ext uri="{91240B29-F687-4f45-9708-019B960494DF}">
+                <a14:hiddenLine xmlns:a14="http://schemas.microsoft.com/office/drawing/2010/main" w="12700">
+                  <a:solidFill>
+                    <a:srgbClr val="000000"/>
+                  </a:solidFill>
+                  <a:miter lim="800000"/>
+                  <a:headEnd/>
+                  <a:tailEnd/>
+                </a14:hiddenLine>
+              </a:ext>
+            </a:extLst>
+          </p:spPr>
+          <p:txBody>
+            <a:bodyPr wrap="none">
+              <a:spAutoFit/>
+            </a:bodyPr>
+            <a:lstStyle>
+              <a:lvl1pPr defTabSz="762000" eaLnBrk="0" hangingPunct="0">
+                <a:defRPr sz="2400">
+                  <a:solidFill>
+                    <a:schemeClr val="tx1"/>
+                  </a:solidFill>
+                  <a:latin typeface="Arial" charset="0"/>
+                  <a:ea typeface="ＭＳ Ｐゴシック" charset="0"/>
+                  <a:cs typeface="ＭＳ Ｐゴシック" charset="0"/>
+                </a:defRPr>
+              </a:lvl1pPr>
+              <a:lvl2pPr marL="742950" indent="-285750" defTabSz="762000" eaLnBrk="0" hangingPunct="0">
+                <a:defRPr sz="2400">
+                  <a:solidFill>
+                    <a:schemeClr val="tx1"/>
+                  </a:solidFill>
+                  <a:latin typeface="Arial" charset="0"/>
+                  <a:ea typeface="ＭＳ Ｐゴシック" charset="0"/>
+                </a:defRPr>
+              </a:lvl2pPr>
+              <a:lvl3pPr marL="1143000" indent="-228600" defTabSz="762000" eaLnBrk="0" hangingPunct="0">
+                <a:defRPr sz="2400">
+                  <a:solidFill>
+                    <a:schemeClr val="tx1"/>
+                  </a:solidFill>
+                  <a:latin typeface="Arial" charset="0"/>
+                  <a:ea typeface="ＭＳ Ｐゴシック" charset="0"/>
+                </a:defRPr>
+              </a:lvl3pPr>
+              <a:lvl4pPr marL="1600200" indent="-228600" defTabSz="762000" eaLnBrk="0" hangingPunct="0">
+                <a:defRPr sz="2400">
+                  <a:solidFill>
+                    <a:schemeClr val="tx1"/>
+                  </a:solidFill>
+                  <a:latin typeface="Arial" charset="0"/>
+                  <a:ea typeface="ＭＳ Ｐゴシック" charset="0"/>
+                </a:defRPr>
+              </a:lvl4pPr>
+              <a:lvl5pPr marL="2057400" indent="-228600" defTabSz="762000" eaLnBrk="0" hangingPunct="0">
+                <a:defRPr sz="2400">
+                  <a:solidFill>
+                    <a:schemeClr val="tx1"/>
+                  </a:solidFill>
+                  <a:latin typeface="Arial" charset="0"/>
+                  <a:ea typeface="ＭＳ Ｐゴシック" charset="0"/>
+                </a:defRPr>
+              </a:lvl5pPr>
+              <a:lvl6pPr marL="2514600" indent="-228600" defTabSz="762000" eaLnBrk="0" fontAlgn="base" hangingPunct="0">
+                <a:spcBef>
+                  <a:spcPct val="0"/>
+                </a:spcBef>
+                <a:spcAft>
+                  <a:spcPct val="0"/>
+                </a:spcAft>
+                <a:defRPr sz="2400">
+                  <a:solidFill>
+                    <a:schemeClr val="tx1"/>
+                  </a:solidFill>
+                  <a:latin typeface="Arial" charset="0"/>
+                  <a:ea typeface="ＭＳ Ｐゴシック" charset="0"/>
+                </a:defRPr>
+              </a:lvl6pPr>
+              <a:lvl7pPr marL="2971800" indent="-228600" defTabSz="762000" eaLnBrk="0" fontAlgn="base" hangingPunct="0">
+                <a:spcBef>
+                  <a:spcPct val="0"/>
+                </a:spcBef>
+                <a:spcAft>
+                  <a:spcPct val="0"/>
+                </a:spcAft>
+                <a:defRPr sz="2400">
+                  <a:solidFill>
+                    <a:schemeClr val="tx1"/>
+                  </a:solidFill>
+                  <a:latin typeface="Arial" charset="0"/>
+                  <a:ea typeface="ＭＳ Ｐゴシック" charset="0"/>
+                </a:defRPr>
+              </a:lvl7pPr>
+              <a:lvl8pPr marL="3429000" indent="-228600" defTabSz="762000" eaLnBrk="0" fontAlgn="base" hangingPunct="0">
+                <a:spcBef>
+                  <a:spcPct val="0"/>
+                </a:spcBef>
+                <a:spcAft>
+                  <a:spcPct val="0"/>
+                </a:spcAft>
+                <a:defRPr sz="2400">
+                  <a:solidFill>
+                    <a:schemeClr val="tx1"/>
+                  </a:solidFill>
+                  <a:latin typeface="Arial" charset="0"/>
+                  <a:ea typeface="ＭＳ Ｐゴシック" charset="0"/>
+                </a:defRPr>
+              </a:lvl8pPr>
+              <a:lvl9pPr marL="3886200" indent="-228600" defTabSz="762000" eaLnBrk="0" fontAlgn="base" hangingPunct="0">
+                <a:spcBef>
+                  <a:spcPct val="0"/>
+                </a:spcBef>
+                <a:spcAft>
+                  <a:spcPct val="0"/>
+                </a:spcAft>
+                <a:defRPr sz="2400">
+                  <a:solidFill>
+                    <a:schemeClr val="tx1"/>
+                  </a:solidFill>
+                  <a:latin typeface="Arial" charset="0"/>
+                  <a:ea typeface="ＭＳ Ｐゴシック" charset="0"/>
+                </a:defRPr>
+              </a:lvl9pPr>
+            </a:lstStyle>
+            <a:p>
+              <a:pPr algn="ctr"/>
+              <a:r>
+                <a:rPr lang="en-US" sz="5500" b="1" dirty="0">
+                  <a:solidFill>
+                    <a:srgbClr val="FF0000"/>
+                  </a:solidFill>
+                  <a:sym typeface="Webdings" charset="0"/>
+                </a:rPr>
+                <a:t></a:t>
+              </a:r>
+              <a:endParaRPr lang="en-US" sz="5500" b="1" dirty="0">
+                <a:solidFill>
+                  <a:srgbClr val="FF0000"/>
+                </a:solidFill>
+              </a:endParaRPr>
+            </a:p>
+          </p:txBody>
+        </p:sp>
+        <p:sp>
+          <p:nvSpPr>
+            <p:cNvPr id="68615" name="Text Box 58"/>
+            <p:cNvSpPr txBox="1">
+              <a:spLocks noChangeArrowheads="1"/>
+            </p:cNvSpPr>
+            <p:nvPr/>
+          </p:nvSpPr>
+          <p:spPr bwMode="auto">
+            <a:xfrm>
+              <a:off x="7536366" y="1842542"/>
+              <a:ext cx="963995" cy="1016979"/>
+            </a:xfrm>
+            <a:prstGeom prst="rect">
+              <a:avLst/>
+            </a:prstGeom>
+            <a:noFill/>
+            <a:ln>
+              <a:noFill/>
+            </a:ln>
+            <a:extLst>
+              <a:ext uri="{909E8E84-426E-40dd-AFC4-6F175D3DCCD1}">
+                <a14:hiddenFill xmlns:a14="http://schemas.microsoft.com/office/drawing/2010/main">
+                  <a:solidFill>
+                    <a:srgbClr val="FFFFFF"/>
+                  </a:solidFill>
+                </a14:hiddenFill>
+              </a:ext>
+              <a:ext uri="{91240B29-F687-4f45-9708-019B960494DF}">
+                <a14:hiddenLine xmlns:a14="http://schemas.microsoft.com/office/drawing/2010/main" w="12700">
+                  <a:solidFill>
+                    <a:srgbClr val="000000"/>
+                  </a:solidFill>
+                  <a:miter lim="800000"/>
+                  <a:headEnd/>
+                  <a:tailEnd/>
+                </a14:hiddenLine>
+              </a:ext>
+            </a:extLst>
+          </p:spPr>
+          <p:txBody>
+            <a:bodyPr wrap="none">
+              <a:spAutoFit/>
+            </a:bodyPr>
+            <a:lstStyle>
+              <a:lvl1pPr defTabSz="762000" eaLnBrk="0" hangingPunct="0">
+                <a:defRPr sz="2400">
+                  <a:solidFill>
+                    <a:schemeClr val="tx1"/>
+                  </a:solidFill>
+                  <a:latin typeface="Arial" charset="0"/>
+                  <a:ea typeface="ＭＳ Ｐゴシック" charset="0"/>
+                  <a:cs typeface="ＭＳ Ｐゴシック" charset="0"/>
+                </a:defRPr>
+              </a:lvl1pPr>
+              <a:lvl2pPr marL="742950" indent="-285750" defTabSz="762000" eaLnBrk="0" hangingPunct="0">
+                <a:defRPr sz="2400">
+                  <a:solidFill>
+                    <a:schemeClr val="tx1"/>
+                  </a:solidFill>
+                  <a:latin typeface="Arial" charset="0"/>
+                  <a:ea typeface="ＭＳ Ｐゴシック" charset="0"/>
+                </a:defRPr>
+              </a:lvl2pPr>
+              <a:lvl3pPr marL="1143000" indent="-228600" defTabSz="762000" eaLnBrk="0" hangingPunct="0">
+                <a:defRPr sz="2400">
+                  <a:solidFill>
+                    <a:schemeClr val="tx1"/>
+                  </a:solidFill>
+                  <a:latin typeface="Arial" charset="0"/>
+                  <a:ea typeface="ＭＳ Ｐゴシック" charset="0"/>
+                </a:defRPr>
+              </a:lvl3pPr>
+              <a:lvl4pPr marL="1600200" indent="-228600" defTabSz="762000" eaLnBrk="0" hangingPunct="0">
+                <a:defRPr sz="2400">
+                  <a:solidFill>
+                    <a:schemeClr val="tx1"/>
+                  </a:solidFill>
+                  <a:latin typeface="Arial" charset="0"/>
+                  <a:ea typeface="ＭＳ Ｐゴシック" charset="0"/>
+                </a:defRPr>
+              </a:lvl4pPr>
+              <a:lvl5pPr marL="2057400" indent="-228600" defTabSz="762000" eaLnBrk="0" hangingPunct="0">
+                <a:defRPr sz="2400">
+                  <a:solidFill>
+                    <a:schemeClr val="tx1"/>
+                  </a:solidFill>
+                  <a:latin typeface="Arial" charset="0"/>
+                  <a:ea typeface="ＭＳ Ｐゴシック" charset="0"/>
+                </a:defRPr>
+              </a:lvl5pPr>
+              <a:lvl6pPr marL="2514600" indent="-228600" defTabSz="762000" eaLnBrk="0" fontAlgn="base" hangingPunct="0">
+                <a:spcBef>
+                  <a:spcPct val="0"/>
+                </a:spcBef>
+                <a:spcAft>
+                  <a:spcPct val="0"/>
+                </a:spcAft>
+                <a:defRPr sz="2400">
+                  <a:solidFill>
+                    <a:schemeClr val="tx1"/>
+                  </a:solidFill>
+                  <a:latin typeface="Arial" charset="0"/>
+                  <a:ea typeface="ＭＳ Ｐゴシック" charset="0"/>
+                </a:defRPr>
+              </a:lvl6pPr>
+              <a:lvl7pPr marL="2971800" indent="-228600" defTabSz="762000" eaLnBrk="0" fontAlgn="base" hangingPunct="0">
+                <a:spcBef>
+                  <a:spcPct val="0"/>
+                </a:spcBef>
+                <a:spcAft>
+                  <a:spcPct val="0"/>
+                </a:spcAft>
+                <a:defRPr sz="2400">
+                  <a:solidFill>
+                    <a:schemeClr val="tx1"/>
+                  </a:solidFill>
+                  <a:latin typeface="Arial" charset="0"/>
+                  <a:ea typeface="ＭＳ Ｐゴシック" charset="0"/>
+                </a:defRPr>
+              </a:lvl7pPr>
+              <a:lvl8pPr marL="3429000" indent="-228600" defTabSz="762000" eaLnBrk="0" fontAlgn="base" hangingPunct="0">
+                <a:spcBef>
+                  <a:spcPct val="0"/>
+                </a:spcBef>
+                <a:spcAft>
+                  <a:spcPct val="0"/>
+                </a:spcAft>
+                <a:defRPr sz="2400">
+                  <a:solidFill>
+                    <a:schemeClr val="tx1"/>
+                  </a:solidFill>
+                  <a:latin typeface="Arial" charset="0"/>
+                  <a:ea typeface="ＭＳ Ｐゴシック" charset="0"/>
+                </a:defRPr>
+              </a:lvl8pPr>
+              <a:lvl9pPr marL="3886200" indent="-228600" defTabSz="762000" eaLnBrk="0" fontAlgn="base" hangingPunct="0">
+                <a:spcBef>
+                  <a:spcPct val="0"/>
+                </a:spcBef>
+                <a:spcAft>
+                  <a:spcPct val="0"/>
+                </a:spcAft>
+                <a:defRPr sz="2400">
+                  <a:solidFill>
+                    <a:schemeClr val="tx1"/>
+                  </a:solidFill>
+                  <a:latin typeface="Arial" charset="0"/>
+                  <a:ea typeface="ＭＳ Ｐゴシック" charset="0"/>
+                </a:defRPr>
+              </a:lvl9pPr>
+            </a:lstStyle>
+            <a:p>
+              <a:pPr algn="ctr"/>
+              <a:r>
+                <a:rPr lang="en-US" sz="5500" b="1">
+                  <a:solidFill>
+                    <a:srgbClr val="FF0000"/>
+                  </a:solidFill>
+                  <a:sym typeface="Webdings" charset="0"/>
+                </a:rPr>
+                <a:t></a:t>
+              </a:r>
+              <a:endParaRPr lang="en-US" sz="5500" b="1">
+                <a:solidFill>
+                  <a:srgbClr val="FF0000"/>
+                </a:solidFill>
+              </a:endParaRPr>
+            </a:p>
+          </p:txBody>
+        </p:sp>
+        <p:sp>
+          <p:nvSpPr>
+            <p:cNvPr id="68616" name="Text Box 58"/>
+            <p:cNvSpPr txBox="1">
+              <a:spLocks noChangeArrowheads="1"/>
+            </p:cNvSpPr>
+            <p:nvPr/>
+          </p:nvSpPr>
+          <p:spPr bwMode="auto">
+            <a:xfrm>
+              <a:off x="5592150" y="2850654"/>
+              <a:ext cx="963995" cy="1016979"/>
+            </a:xfrm>
+            <a:prstGeom prst="rect">
+              <a:avLst/>
+            </a:prstGeom>
+            <a:noFill/>
+            <a:ln>
+              <a:noFill/>
+            </a:ln>
+            <a:extLst>
+              <a:ext uri="{909E8E84-426E-40dd-AFC4-6F175D3DCCD1}">
+                <a14:hiddenFill xmlns:a14="http://schemas.microsoft.com/office/drawing/2010/main">
+                  <a:solidFill>
+                    <a:srgbClr val="FFFFFF"/>
+                  </a:solidFill>
+                </a14:hiddenFill>
+              </a:ext>
+              <a:ext uri="{91240B29-F687-4f45-9708-019B960494DF}">
+                <a14:hiddenLine xmlns:a14="http://schemas.microsoft.com/office/drawing/2010/main" w="12700">
+                  <a:solidFill>
+                    <a:srgbClr val="000000"/>
+                  </a:solidFill>
+                  <a:miter lim="800000"/>
+                  <a:headEnd/>
+                  <a:tailEnd/>
+                </a14:hiddenLine>
+              </a:ext>
+            </a:extLst>
+          </p:spPr>
+          <p:txBody>
+            <a:bodyPr wrap="none">
+              <a:spAutoFit/>
+            </a:bodyPr>
+            <a:lstStyle>
+              <a:lvl1pPr defTabSz="762000" eaLnBrk="0" hangingPunct="0">
+                <a:defRPr sz="2400">
+                  <a:solidFill>
+                    <a:schemeClr val="tx1"/>
+                  </a:solidFill>
+                  <a:latin typeface="Arial" charset="0"/>
+                  <a:ea typeface="ＭＳ Ｐゴシック" charset="0"/>
+                  <a:cs typeface="ＭＳ Ｐゴシック" charset="0"/>
+                </a:defRPr>
+              </a:lvl1pPr>
+              <a:lvl2pPr marL="742950" indent="-285750" defTabSz="762000" eaLnBrk="0" hangingPunct="0">
+                <a:defRPr sz="2400">
+                  <a:solidFill>
+                    <a:schemeClr val="tx1"/>
+                  </a:solidFill>
+                  <a:latin typeface="Arial" charset="0"/>
+                  <a:ea typeface="ＭＳ Ｐゴシック" charset="0"/>
+                </a:defRPr>
+              </a:lvl2pPr>
+              <a:lvl3pPr marL="1143000" indent="-228600" defTabSz="762000" eaLnBrk="0" hangingPunct="0">
+                <a:defRPr sz="2400">
+                  <a:solidFill>
+                    <a:schemeClr val="tx1"/>
+                  </a:solidFill>
+                  <a:latin typeface="Arial" charset="0"/>
+                  <a:ea typeface="ＭＳ Ｐゴシック" charset="0"/>
+                </a:defRPr>
+              </a:lvl3pPr>
+              <a:lvl4pPr marL="1600200" indent="-228600" defTabSz="762000" eaLnBrk="0" hangingPunct="0">
+                <a:defRPr sz="2400">
+                  <a:solidFill>
+                    <a:schemeClr val="tx1"/>
+                  </a:solidFill>
+                  <a:latin typeface="Arial" charset="0"/>
+                  <a:ea typeface="ＭＳ Ｐゴシック" charset="0"/>
+                </a:defRPr>
+              </a:lvl4pPr>
+              <a:lvl5pPr marL="2057400" indent="-228600" defTabSz="762000" eaLnBrk="0" hangingPunct="0">
+                <a:defRPr sz="2400">
+                  <a:solidFill>
+                    <a:schemeClr val="tx1"/>
+                  </a:solidFill>
+                  <a:latin typeface="Arial" charset="0"/>
+                  <a:ea typeface="ＭＳ Ｐゴシック" charset="0"/>
+                </a:defRPr>
+              </a:lvl5pPr>
+              <a:lvl6pPr marL="2514600" indent="-228600" defTabSz="762000" eaLnBrk="0" fontAlgn="base" hangingPunct="0">
+                <a:spcBef>
+                  <a:spcPct val="0"/>
+                </a:spcBef>
+                <a:spcAft>
+                  <a:spcPct val="0"/>
+                </a:spcAft>
+                <a:defRPr sz="2400">
+                  <a:solidFill>
+                    <a:schemeClr val="tx1"/>
+                  </a:solidFill>
+                  <a:latin typeface="Arial" charset="0"/>
+                  <a:ea typeface="ＭＳ Ｐゴシック" charset="0"/>
+                </a:defRPr>
+              </a:lvl6pPr>
+              <a:lvl7pPr marL="2971800" indent="-228600" defTabSz="762000" eaLnBrk="0" fontAlgn="base" hangingPunct="0">
+                <a:spcBef>
+                  <a:spcPct val="0"/>
+                </a:spcBef>
+                <a:spcAft>
+                  <a:spcPct val="0"/>
+                </a:spcAft>
+                <a:defRPr sz="2400">
+                  <a:solidFill>
+                    <a:schemeClr val="tx1"/>
+                  </a:solidFill>
+                  <a:latin typeface="Arial" charset="0"/>
+                  <a:ea typeface="ＭＳ Ｐゴシック" charset="0"/>
+                </a:defRPr>
+              </a:lvl7pPr>
+              <a:lvl8pPr marL="3429000" indent="-228600" defTabSz="762000" eaLnBrk="0" fontAlgn="base" hangingPunct="0">
+                <a:spcBef>
+                  <a:spcPct val="0"/>
+                </a:spcBef>
+                <a:spcAft>
+                  <a:spcPct val="0"/>
+                </a:spcAft>
+                <a:defRPr sz="2400">
+                  <a:solidFill>
+                    <a:schemeClr val="tx1"/>
+                  </a:solidFill>
+                  <a:latin typeface="Arial" charset="0"/>
+                  <a:ea typeface="ＭＳ Ｐゴシック" charset="0"/>
+                </a:defRPr>
+              </a:lvl8pPr>
+              <a:lvl9pPr marL="3886200" indent="-228600" defTabSz="762000" eaLnBrk="0" fontAlgn="base" hangingPunct="0">
+                <a:spcBef>
+                  <a:spcPct val="0"/>
+                </a:spcBef>
+                <a:spcAft>
+                  <a:spcPct val="0"/>
+                </a:spcAft>
+                <a:defRPr sz="2400">
+                  <a:solidFill>
+                    <a:schemeClr val="tx1"/>
+                  </a:solidFill>
+                  <a:latin typeface="Arial" charset="0"/>
+                  <a:ea typeface="ＭＳ Ｐゴシック" charset="0"/>
+                </a:defRPr>
+              </a:lvl9pPr>
+            </a:lstStyle>
+            <a:p>
+              <a:pPr algn="ctr"/>
+              <a:r>
+                <a:rPr lang="en-US" sz="5500" b="1">
+                  <a:solidFill>
+                    <a:srgbClr val="FF0000"/>
+                  </a:solidFill>
+                  <a:sym typeface="Webdings" charset="0"/>
+                </a:rPr>
+                <a:t></a:t>
+              </a:r>
+              <a:endParaRPr lang="en-US" sz="5500" b="1">
+                <a:solidFill>
+                  <a:srgbClr val="FF0000"/>
+                </a:solidFill>
+              </a:endParaRPr>
+            </a:p>
+          </p:txBody>
+        </p:sp>
+        <p:sp>
+          <p:nvSpPr>
+            <p:cNvPr id="68617" name="Text Box 58"/>
+            <p:cNvSpPr txBox="1">
+              <a:spLocks noChangeArrowheads="1"/>
+            </p:cNvSpPr>
+            <p:nvPr/>
+          </p:nvSpPr>
+          <p:spPr bwMode="auto">
+            <a:xfrm>
+              <a:off x="5592150" y="3858766"/>
+              <a:ext cx="963995" cy="1016979"/>
+            </a:xfrm>
+            <a:prstGeom prst="rect">
+              <a:avLst/>
+            </a:prstGeom>
+            <a:noFill/>
+            <a:ln>
+              <a:noFill/>
+            </a:ln>
+            <a:extLst>
+              <a:ext uri="{909E8E84-426E-40dd-AFC4-6F175D3DCCD1}">
+                <a14:hiddenFill xmlns:a14="http://schemas.microsoft.com/office/drawing/2010/main">
+                  <a:solidFill>
+                    <a:srgbClr val="FFFFFF"/>
+                  </a:solidFill>
+                </a14:hiddenFill>
+              </a:ext>
+              <a:ext uri="{91240B29-F687-4f45-9708-019B960494DF}">
+                <a14:hiddenLine xmlns:a14="http://schemas.microsoft.com/office/drawing/2010/main" w="12700">
+                  <a:solidFill>
+                    <a:srgbClr val="000000"/>
+                  </a:solidFill>
+                  <a:miter lim="800000"/>
+                  <a:headEnd/>
+                  <a:tailEnd/>
+                </a14:hiddenLine>
+              </a:ext>
+            </a:extLst>
+          </p:spPr>
+          <p:txBody>
+            <a:bodyPr wrap="none">
+              <a:spAutoFit/>
+            </a:bodyPr>
+            <a:lstStyle>
+              <a:lvl1pPr defTabSz="762000" eaLnBrk="0" hangingPunct="0">
+                <a:defRPr sz="2400">
+                  <a:solidFill>
+                    <a:schemeClr val="tx1"/>
+                  </a:solidFill>
+                  <a:latin typeface="Arial" charset="0"/>
+                  <a:ea typeface="ＭＳ Ｐゴシック" charset="0"/>
+                  <a:cs typeface="ＭＳ Ｐゴシック" charset="0"/>
+                </a:defRPr>
+              </a:lvl1pPr>
+              <a:lvl2pPr marL="742950" indent="-285750" defTabSz="762000" eaLnBrk="0" hangingPunct="0">
+                <a:defRPr sz="2400">
+                  <a:solidFill>
+                    <a:schemeClr val="tx1"/>
+                  </a:solidFill>
+                  <a:latin typeface="Arial" charset="0"/>
+                  <a:ea typeface="ＭＳ Ｐゴシック" charset="0"/>
+                </a:defRPr>
+              </a:lvl2pPr>
+              <a:lvl3pPr marL="1143000" indent="-228600" defTabSz="762000" eaLnBrk="0" hangingPunct="0">
+                <a:defRPr sz="2400">
+                  <a:solidFill>
+                    <a:schemeClr val="tx1"/>
+                  </a:solidFill>
+                  <a:latin typeface="Arial" charset="0"/>
+                  <a:ea typeface="ＭＳ Ｐゴシック" charset="0"/>
+                </a:defRPr>
+              </a:lvl3pPr>
+              <a:lvl4pPr marL="1600200" indent="-228600" defTabSz="762000" eaLnBrk="0" hangingPunct="0">
+                <a:defRPr sz="2400">
+                  <a:solidFill>
+                    <a:schemeClr val="tx1"/>
+                  </a:solidFill>
+                  <a:latin typeface="Arial" charset="0"/>
+                  <a:ea typeface="ＭＳ Ｐゴシック" charset="0"/>
+                </a:defRPr>
+              </a:lvl4pPr>
+              <a:lvl5pPr marL="2057400" indent="-228600" defTabSz="762000" eaLnBrk="0" hangingPunct="0">
+                <a:defRPr sz="2400">
+                  <a:solidFill>
+                    <a:schemeClr val="tx1"/>
+                  </a:solidFill>
+                  <a:latin typeface="Arial" charset="0"/>
+                  <a:ea typeface="ＭＳ Ｐゴシック" charset="0"/>
+                </a:defRPr>
+              </a:lvl5pPr>
+              <a:lvl6pPr marL="2514600" indent="-228600" defTabSz="762000" eaLnBrk="0" fontAlgn="base" hangingPunct="0">
+                <a:spcBef>
+                  <a:spcPct val="0"/>
+                </a:spcBef>
+                <a:spcAft>
+                  <a:spcPct val="0"/>
+                </a:spcAft>
+                <a:defRPr sz="2400">
+                  <a:solidFill>
+                    <a:schemeClr val="tx1"/>
+                  </a:solidFill>
+                  <a:latin typeface="Arial" charset="0"/>
+                  <a:ea typeface="ＭＳ Ｐゴシック" charset="0"/>
+                </a:defRPr>
+              </a:lvl6pPr>
+              <a:lvl7pPr marL="2971800" indent="-228600" defTabSz="762000" eaLnBrk="0" fontAlgn="base" hangingPunct="0">
+                <a:spcBef>
+                  <a:spcPct val="0"/>
+                </a:spcBef>
+                <a:spcAft>
+                  <a:spcPct val="0"/>
+                </a:spcAft>
+                <a:defRPr sz="2400">
+                  <a:solidFill>
+                    <a:schemeClr val="tx1"/>
+                  </a:solidFill>
+                  <a:latin typeface="Arial" charset="0"/>
+                  <a:ea typeface="ＭＳ Ｐゴシック" charset="0"/>
+                </a:defRPr>
+              </a:lvl7pPr>
+              <a:lvl8pPr marL="3429000" indent="-228600" defTabSz="762000" eaLnBrk="0" fontAlgn="base" hangingPunct="0">
+                <a:spcBef>
+                  <a:spcPct val="0"/>
+                </a:spcBef>
+                <a:spcAft>
+                  <a:spcPct val="0"/>
+                </a:spcAft>
+                <a:defRPr sz="2400">
+                  <a:solidFill>
+                    <a:schemeClr val="tx1"/>
+                  </a:solidFill>
+                  <a:latin typeface="Arial" charset="0"/>
+                  <a:ea typeface="ＭＳ Ｐゴシック" charset="0"/>
+                </a:defRPr>
+              </a:lvl8pPr>
+              <a:lvl9pPr marL="3886200" indent="-228600" defTabSz="762000" eaLnBrk="0" fontAlgn="base" hangingPunct="0">
+                <a:spcBef>
+                  <a:spcPct val="0"/>
+                </a:spcBef>
+                <a:spcAft>
+                  <a:spcPct val="0"/>
+                </a:spcAft>
+                <a:defRPr sz="2400">
+                  <a:solidFill>
+                    <a:schemeClr val="tx1"/>
+                  </a:solidFill>
+                  <a:latin typeface="Arial" charset="0"/>
+                  <a:ea typeface="ＭＳ Ｐゴシック" charset="0"/>
+                </a:defRPr>
+              </a:lvl9pPr>
+            </a:lstStyle>
+            <a:p>
+              <a:pPr algn="ctr"/>
+              <a:r>
+                <a:rPr lang="en-US" sz="5500" b="1">
+                  <a:solidFill>
+                    <a:srgbClr val="FF0000"/>
+                  </a:solidFill>
+                  <a:sym typeface="Webdings" charset="0"/>
+                </a:rPr>
+                <a:t></a:t>
+              </a:r>
+              <a:endParaRPr lang="en-US" sz="5500" b="1">
+                <a:solidFill>
+                  <a:srgbClr val="FF0000"/>
+                </a:solidFill>
+              </a:endParaRPr>
+            </a:p>
+          </p:txBody>
+        </p:sp>
+      </p:grpSp>
+      <p:grpSp>
+        <p:nvGrpSpPr>
+          <p:cNvPr id="43" name="Group 42"/>
+          <p:cNvGrpSpPr>
+            <a:grpSpLocks/>
+          </p:cNvGrpSpPr>
+          <p:nvPr/>
+        </p:nvGrpSpPr>
+        <p:grpSpPr bwMode="auto">
+          <a:xfrm>
+            <a:off x="5090975" y="2125460"/>
+            <a:ext cx="3609243" cy="3421674"/>
+            <a:chOff x="5693568" y="2130574"/>
+            <a:chExt cx="3909864" cy="3705944"/>
+          </a:xfrm>
+        </p:grpSpPr>
+        <p:sp>
+          <p:nvSpPr>
+            <p:cNvPr id="44" name="Rectangle 4"/>
+            <p:cNvSpPr>
+              <a:spLocks noChangeArrowheads="1"/>
+            </p:cNvSpPr>
+            <p:nvPr/>
+          </p:nvSpPr>
+          <p:spPr bwMode="auto">
+            <a:xfrm>
+              <a:off x="5693568" y="2130574"/>
+              <a:ext cx="762000" cy="609600"/>
+            </a:xfrm>
+            <a:prstGeom prst="rect">
+              <a:avLst/>
+            </a:prstGeom>
+            <a:solidFill>
+              <a:srgbClr val="FFFFCC"/>
+            </a:solidFill>
+            <a:ln w="12700">
+              <a:solidFill>
+                <a:schemeClr val="tx1"/>
+              </a:solidFill>
+              <a:miter lim="800000"/>
+              <a:headEnd/>
+              <a:tailEnd/>
+            </a:ln>
+          </p:spPr>
+          <p:txBody>
+            <a:bodyPr wrap="none" anchor="ctr"/>
+            <a:lstStyle/>
+            <a:p>
+              <a:pPr algn="ctr" defTabSz="703326" eaLnBrk="0" hangingPunct="0"/>
+              <a:r>
+                <a:rPr lang="en-US" sz="1700" b="1"/>
+                <a:t>1</a:t>
+              </a:r>
+              <a:endParaRPr lang="de-DE" sz="1700" b="1"/>
+            </a:p>
+          </p:txBody>
+        </p:sp>
+        <p:sp>
+          <p:nvSpPr>
+            <p:cNvPr id="45" name="Rectangle 5"/>
+            <p:cNvSpPr>
+              <a:spLocks noChangeArrowheads="1"/>
+            </p:cNvSpPr>
+            <p:nvPr/>
+          </p:nvSpPr>
+          <p:spPr bwMode="auto">
+            <a:xfrm>
+              <a:off x="6684168" y="2130574"/>
+              <a:ext cx="762000" cy="609600"/>
+            </a:xfrm>
+            <a:prstGeom prst="rect">
+              <a:avLst/>
+            </a:prstGeom>
+            <a:solidFill>
+              <a:srgbClr val="FFFFCC"/>
+            </a:solidFill>
+            <a:ln w="12700">
+              <a:solidFill>
+                <a:schemeClr val="tx1"/>
+              </a:solidFill>
+              <a:miter lim="800000"/>
+              <a:headEnd/>
+              <a:tailEnd/>
+            </a:ln>
+          </p:spPr>
+          <p:txBody>
+            <a:bodyPr wrap="none" anchor="ctr"/>
+            <a:lstStyle/>
+            <a:p>
+              <a:pPr algn="ctr" defTabSz="703326" eaLnBrk="0" hangingPunct="0"/>
+              <a:r>
+                <a:rPr lang="en-US" sz="1700" b="1"/>
+                <a:t>2</a:t>
+              </a:r>
+              <a:endParaRPr lang="de-DE" sz="1700" b="1"/>
+            </a:p>
+          </p:txBody>
+        </p:sp>
+        <p:sp>
+          <p:nvSpPr>
+            <p:cNvPr id="46" name="Rectangle 6"/>
+            <p:cNvSpPr>
+              <a:spLocks noChangeArrowheads="1"/>
+            </p:cNvSpPr>
+            <p:nvPr/>
+          </p:nvSpPr>
+          <p:spPr bwMode="auto">
+            <a:xfrm>
+              <a:off x="7674768" y="2130574"/>
+              <a:ext cx="762000" cy="609600"/>
+            </a:xfrm>
+            <a:prstGeom prst="rect">
+              <a:avLst/>
+            </a:prstGeom>
+            <a:solidFill>
+              <a:srgbClr val="FFFFCC"/>
+            </a:solidFill>
+            <a:ln w="12700">
+              <a:solidFill>
+                <a:schemeClr val="tx1"/>
+              </a:solidFill>
+              <a:miter lim="800000"/>
+              <a:headEnd/>
+              <a:tailEnd/>
+            </a:ln>
+          </p:spPr>
+          <p:txBody>
+            <a:bodyPr wrap="none" anchor="ctr"/>
+            <a:lstStyle/>
+            <a:p>
+              <a:pPr algn="ctr" defTabSz="703326" eaLnBrk="0" hangingPunct="0"/>
+              <a:r>
+                <a:rPr lang="en-US" sz="1700" b="1"/>
+                <a:t>3</a:t>
+              </a:r>
+              <a:endParaRPr lang="de-DE" sz="1700" b="1"/>
+            </a:p>
+          </p:txBody>
+        </p:sp>
+        <p:sp>
+          <p:nvSpPr>
+            <p:cNvPr id="47" name="Rectangle 10"/>
+            <p:cNvSpPr>
+              <a:spLocks noChangeArrowheads="1"/>
+            </p:cNvSpPr>
+            <p:nvPr/>
+          </p:nvSpPr>
+          <p:spPr bwMode="auto">
+            <a:xfrm>
+              <a:off x="5708104" y="4146798"/>
+              <a:ext cx="762000" cy="609600"/>
+            </a:xfrm>
+            <a:prstGeom prst="rect">
+              <a:avLst/>
+            </a:prstGeom>
+            <a:solidFill>
+              <a:srgbClr val="99FF99"/>
+            </a:solidFill>
+            <a:ln w="12700">
+              <a:solidFill>
+                <a:schemeClr val="tx1"/>
+              </a:solidFill>
+              <a:miter lim="800000"/>
+              <a:headEnd/>
+              <a:tailEnd/>
+            </a:ln>
+          </p:spPr>
+          <p:txBody>
+            <a:bodyPr wrap="none" anchor="ctr"/>
+            <a:lstStyle/>
+            <a:p>
+              <a:pPr algn="ctr" defTabSz="703326" eaLnBrk="0" hangingPunct="0"/>
+              <a:r>
+                <a:rPr lang="en-US" sz="1700" b="1"/>
+                <a:t>7</a:t>
+              </a:r>
+              <a:endParaRPr lang="de-DE" sz="1700" b="1"/>
+            </a:p>
+          </p:txBody>
+        </p:sp>
+        <p:sp>
+          <p:nvSpPr>
+            <p:cNvPr id="48" name="Rectangle 18"/>
+            <p:cNvSpPr>
+              <a:spLocks noChangeArrowheads="1"/>
+            </p:cNvSpPr>
+            <p:nvPr/>
+          </p:nvSpPr>
+          <p:spPr bwMode="auto">
+            <a:xfrm>
+              <a:off x="6698704" y="4146798"/>
+              <a:ext cx="762000" cy="609600"/>
+            </a:xfrm>
+            <a:prstGeom prst="rect">
+              <a:avLst/>
+            </a:prstGeom>
+            <a:solidFill>
+              <a:srgbClr val="99FF99"/>
+            </a:solidFill>
+            <a:ln w="12700">
+              <a:solidFill>
+                <a:schemeClr val="tx1"/>
+              </a:solidFill>
+              <a:miter lim="800000"/>
+              <a:headEnd/>
+              <a:tailEnd/>
+            </a:ln>
+          </p:spPr>
+          <p:txBody>
+            <a:bodyPr wrap="none" anchor="ctr"/>
+            <a:lstStyle/>
+            <a:p>
+              <a:pPr algn="ctr" defTabSz="703326" eaLnBrk="0" hangingPunct="0"/>
+              <a:r>
+                <a:rPr lang="en-US" sz="1700" b="1"/>
+                <a:t>8</a:t>
+              </a:r>
+              <a:endParaRPr lang="de-DE" sz="1700" b="1"/>
+            </a:p>
+          </p:txBody>
+        </p:sp>
+        <p:sp>
+          <p:nvSpPr>
+            <p:cNvPr id="49" name="Rectangle 19"/>
+            <p:cNvSpPr>
+              <a:spLocks noChangeArrowheads="1"/>
+            </p:cNvSpPr>
+            <p:nvPr/>
+          </p:nvSpPr>
+          <p:spPr bwMode="auto">
+            <a:xfrm>
+              <a:off x="7689304" y="4146798"/>
+              <a:ext cx="762000" cy="609600"/>
+            </a:xfrm>
+            <a:prstGeom prst="rect">
+              <a:avLst/>
+            </a:prstGeom>
+            <a:solidFill>
+              <a:srgbClr val="99FF99"/>
+            </a:solidFill>
+            <a:ln w="12700">
+              <a:solidFill>
+                <a:schemeClr val="tx1"/>
+              </a:solidFill>
+              <a:miter lim="800000"/>
+              <a:headEnd/>
+              <a:tailEnd/>
+            </a:ln>
+          </p:spPr>
+          <p:txBody>
+            <a:bodyPr wrap="none" anchor="ctr"/>
+            <a:lstStyle/>
+            <a:p>
+              <a:pPr algn="ctr" defTabSz="703326" eaLnBrk="0" hangingPunct="0"/>
+              <a:r>
+                <a:rPr lang="en-US" sz="1700" b="1"/>
+                <a:t>9</a:t>
+              </a:r>
+              <a:endParaRPr lang="de-DE" sz="1700" b="1"/>
+            </a:p>
+          </p:txBody>
+        </p:sp>
+        <p:sp>
+          <p:nvSpPr>
+            <p:cNvPr id="50" name="Rectangle 7"/>
+            <p:cNvSpPr>
+              <a:spLocks noChangeArrowheads="1"/>
+            </p:cNvSpPr>
+            <p:nvPr/>
+          </p:nvSpPr>
+          <p:spPr bwMode="auto">
+            <a:xfrm>
+              <a:off x="5708104" y="3138686"/>
+              <a:ext cx="762000" cy="609600"/>
+            </a:xfrm>
+            <a:prstGeom prst="rect">
+              <a:avLst/>
+            </a:prstGeom>
+            <a:solidFill>
+              <a:srgbClr val="FFCC99"/>
+            </a:solidFill>
+            <a:ln w="12700">
+              <a:solidFill>
+                <a:schemeClr val="tx1"/>
+              </a:solidFill>
+              <a:miter lim="800000"/>
+              <a:headEnd/>
+              <a:tailEnd/>
+            </a:ln>
+          </p:spPr>
+          <p:txBody>
+            <a:bodyPr wrap="none" anchor="ctr"/>
+            <a:lstStyle/>
+            <a:p>
+              <a:pPr algn="ctr" defTabSz="703326" eaLnBrk="0" hangingPunct="0"/>
+              <a:r>
+                <a:rPr lang="en-US" sz="1700" b="1"/>
+                <a:t>4</a:t>
+              </a:r>
+              <a:endParaRPr lang="de-DE" sz="1700" b="1"/>
+            </a:p>
+          </p:txBody>
+        </p:sp>
+        <p:sp>
+          <p:nvSpPr>
+            <p:cNvPr id="51" name="Rectangle 8"/>
+            <p:cNvSpPr>
+              <a:spLocks noChangeArrowheads="1"/>
+            </p:cNvSpPr>
+            <p:nvPr/>
+          </p:nvSpPr>
+          <p:spPr bwMode="auto">
+            <a:xfrm>
+              <a:off x="6698704" y="3138686"/>
+              <a:ext cx="762000" cy="609600"/>
+            </a:xfrm>
+            <a:prstGeom prst="rect">
+              <a:avLst/>
+            </a:prstGeom>
+            <a:solidFill>
+              <a:srgbClr val="FFCC99"/>
+            </a:solidFill>
+            <a:ln w="12700">
+              <a:solidFill>
+                <a:schemeClr val="tx1"/>
+              </a:solidFill>
+              <a:miter lim="800000"/>
+              <a:headEnd/>
+              <a:tailEnd/>
+            </a:ln>
+          </p:spPr>
+          <p:txBody>
+            <a:bodyPr wrap="none" anchor="ctr"/>
+            <a:lstStyle/>
+            <a:p>
+              <a:pPr algn="ctr" defTabSz="703326" eaLnBrk="0" hangingPunct="0"/>
+              <a:r>
+                <a:rPr lang="en-US" sz="1700" b="1"/>
+                <a:t>5</a:t>
+              </a:r>
+              <a:endParaRPr lang="de-DE" sz="1700" b="1"/>
+            </a:p>
+          </p:txBody>
+        </p:sp>
+        <p:sp>
+          <p:nvSpPr>
+            <p:cNvPr id="52" name="Rectangle 9"/>
+            <p:cNvSpPr>
+              <a:spLocks noChangeArrowheads="1"/>
+            </p:cNvSpPr>
+            <p:nvPr/>
+          </p:nvSpPr>
+          <p:spPr bwMode="auto">
+            <a:xfrm>
+              <a:off x="7689304" y="3138686"/>
+              <a:ext cx="762000" cy="609600"/>
+            </a:xfrm>
+            <a:prstGeom prst="rect">
+              <a:avLst/>
+            </a:prstGeom>
+            <a:solidFill>
+              <a:srgbClr val="FFCC99"/>
+            </a:solidFill>
+            <a:ln w="12700">
+              <a:solidFill>
+                <a:schemeClr val="tx1"/>
+              </a:solidFill>
+              <a:miter lim="800000"/>
+              <a:headEnd/>
+              <a:tailEnd/>
+            </a:ln>
+          </p:spPr>
+          <p:txBody>
+            <a:bodyPr wrap="none" anchor="ctr"/>
+            <a:lstStyle/>
+            <a:p>
+              <a:pPr algn="ctr" defTabSz="703326" eaLnBrk="0" hangingPunct="0"/>
+              <a:r>
+                <a:rPr lang="en-US" sz="1700" b="1"/>
+                <a:t>6</a:t>
+              </a:r>
+              <a:endParaRPr lang="de-DE" sz="1700" b="1"/>
+            </a:p>
+          </p:txBody>
+        </p:sp>
+        <p:sp>
+          <p:nvSpPr>
+            <p:cNvPr id="53" name="Rectangle 6"/>
+            <p:cNvSpPr>
+              <a:spLocks noChangeArrowheads="1"/>
+            </p:cNvSpPr>
+            <p:nvPr/>
+          </p:nvSpPr>
+          <p:spPr bwMode="auto">
+            <a:xfrm>
+              <a:off x="5715792" y="5227061"/>
+              <a:ext cx="761971" cy="609457"/>
+            </a:xfrm>
+            <a:prstGeom prst="rect">
+              <a:avLst/>
+            </a:prstGeom>
+            <a:ln>
+              <a:headEnd/>
+              <a:tailEnd/>
+            </a:ln>
+          </p:spPr>
+          <p:style>
+            <a:lnRef idx="2">
+              <a:schemeClr val="accent5">
+                <a:shade val="50000"/>
+              </a:schemeClr>
+            </a:lnRef>
+            <a:fillRef idx="1">
+              <a:schemeClr val="accent5"/>
+            </a:fillRef>
+            <a:effectRef idx="0">
+              <a:schemeClr val="accent5"/>
+            </a:effectRef>
+            <a:fontRef idx="minor">
+              <a:schemeClr val="lt1"/>
+            </a:fontRef>
+          </p:style>
+          <p:txBody>
+            <a:bodyPr wrap="none" anchor="ctr"/>
+            <a:lstStyle/>
+            <a:p>
+              <a:pPr algn="ctr" defTabSz="703326" eaLnBrk="0" hangingPunct="0">
+                <a:defRPr/>
+              </a:pPr>
+              <a:r>
+                <a:rPr lang="en-US" sz="1700" b="1" dirty="0"/>
+                <a:t>C1</a:t>
+              </a:r>
+              <a:endParaRPr lang="de-DE" sz="1700" b="1" dirty="0"/>
+            </a:p>
+          </p:txBody>
+        </p:sp>
+        <p:sp>
+          <p:nvSpPr>
+            <p:cNvPr id="54" name="Rectangle 6"/>
+            <p:cNvSpPr>
+              <a:spLocks noChangeArrowheads="1"/>
+            </p:cNvSpPr>
+            <p:nvPr/>
+          </p:nvSpPr>
+          <p:spPr bwMode="auto">
+            <a:xfrm>
+              <a:off x="6723817" y="5227061"/>
+              <a:ext cx="761971" cy="609457"/>
+            </a:xfrm>
+            <a:prstGeom prst="rect">
+              <a:avLst/>
+            </a:prstGeom>
+            <a:ln>
+              <a:headEnd/>
+              <a:tailEnd/>
+            </a:ln>
+          </p:spPr>
+          <p:style>
+            <a:lnRef idx="2">
+              <a:schemeClr val="accent5">
+                <a:shade val="50000"/>
+              </a:schemeClr>
+            </a:lnRef>
+            <a:fillRef idx="1">
+              <a:schemeClr val="accent5"/>
+            </a:fillRef>
+            <a:effectRef idx="0">
+              <a:schemeClr val="accent5"/>
+            </a:effectRef>
+            <a:fontRef idx="minor">
+              <a:schemeClr val="lt1"/>
+            </a:fontRef>
+          </p:style>
+          <p:txBody>
+            <a:bodyPr wrap="none" anchor="ctr"/>
+            <a:lstStyle/>
+            <a:p>
+              <a:pPr algn="ctr" defTabSz="703326" eaLnBrk="0" hangingPunct="0">
+                <a:defRPr/>
+              </a:pPr>
+              <a:r>
+                <a:rPr lang="en-US" sz="1700" b="1" dirty="0"/>
+                <a:t>C2</a:t>
+              </a:r>
+              <a:endParaRPr lang="de-DE" sz="1700" b="1" dirty="0"/>
+            </a:p>
+          </p:txBody>
+        </p:sp>
+        <p:sp>
+          <p:nvSpPr>
+            <p:cNvPr id="55" name="Rectangle 6"/>
+            <p:cNvSpPr>
+              <a:spLocks noChangeArrowheads="1"/>
+            </p:cNvSpPr>
+            <p:nvPr/>
+          </p:nvSpPr>
+          <p:spPr bwMode="auto">
+            <a:xfrm>
+              <a:off x="7731840" y="5227061"/>
+              <a:ext cx="761971" cy="609457"/>
+            </a:xfrm>
+            <a:prstGeom prst="rect">
+              <a:avLst/>
+            </a:prstGeom>
+            <a:ln>
+              <a:headEnd/>
+              <a:tailEnd/>
+            </a:ln>
+          </p:spPr>
+          <p:style>
+            <a:lnRef idx="2">
+              <a:schemeClr val="accent5">
+                <a:shade val="50000"/>
+              </a:schemeClr>
+            </a:lnRef>
+            <a:fillRef idx="1">
+              <a:schemeClr val="accent5"/>
+            </a:fillRef>
+            <a:effectRef idx="0">
+              <a:schemeClr val="accent5"/>
+            </a:effectRef>
+            <a:fontRef idx="minor">
+              <a:schemeClr val="lt1"/>
+            </a:fontRef>
+          </p:style>
+          <p:txBody>
+            <a:bodyPr wrap="none" anchor="ctr"/>
+            <a:lstStyle/>
+            <a:p>
+              <a:pPr algn="ctr" defTabSz="703326" eaLnBrk="0" hangingPunct="0">
+                <a:defRPr/>
+              </a:pPr>
+              <a:r>
+                <a:rPr lang="en-US" sz="1700" b="1" dirty="0"/>
+                <a:t>C3</a:t>
+              </a:r>
+              <a:endParaRPr lang="de-DE" sz="1700" b="1" dirty="0"/>
+            </a:p>
+          </p:txBody>
+        </p:sp>
+        <p:sp>
+          <p:nvSpPr>
+            <p:cNvPr id="56" name="Rectangle 6"/>
+            <p:cNvSpPr>
+              <a:spLocks noChangeArrowheads="1"/>
+            </p:cNvSpPr>
+            <p:nvPr/>
+          </p:nvSpPr>
+          <p:spPr bwMode="auto">
+            <a:xfrm>
+              <a:off x="8841461" y="2130574"/>
+              <a:ext cx="761971" cy="609457"/>
+            </a:xfrm>
+            <a:prstGeom prst="rect">
+              <a:avLst/>
+            </a:prstGeom>
+            <a:ln>
+              <a:headEnd/>
+              <a:tailEnd/>
+            </a:ln>
+          </p:spPr>
+          <p:style>
+            <a:lnRef idx="2">
+              <a:schemeClr val="accent5">
+                <a:shade val="50000"/>
+              </a:schemeClr>
+            </a:lnRef>
+            <a:fillRef idx="1">
+              <a:schemeClr val="accent5"/>
+            </a:fillRef>
+            <a:effectRef idx="0">
+              <a:schemeClr val="accent5"/>
+            </a:effectRef>
+            <a:fontRef idx="minor">
+              <a:schemeClr val="lt1"/>
+            </a:fontRef>
+          </p:style>
+          <p:txBody>
+            <a:bodyPr wrap="none" anchor="ctr"/>
+            <a:lstStyle/>
+            <a:p>
+              <a:pPr algn="ctr" defTabSz="703326" eaLnBrk="0" hangingPunct="0">
+                <a:defRPr/>
+              </a:pPr>
+              <a:r>
+                <a:rPr lang="en-US" sz="1700" b="1" dirty="0"/>
+                <a:t>R1</a:t>
+              </a:r>
+              <a:endParaRPr lang="de-DE" sz="1700" b="1" dirty="0"/>
+            </a:p>
+          </p:txBody>
+        </p:sp>
+        <p:sp>
+          <p:nvSpPr>
+            <p:cNvPr id="57" name="Rectangle 6"/>
+            <p:cNvSpPr>
+              <a:spLocks noChangeArrowheads="1"/>
+            </p:cNvSpPr>
+            <p:nvPr/>
+          </p:nvSpPr>
+          <p:spPr bwMode="auto">
+            <a:xfrm>
+              <a:off x="8841461" y="3138401"/>
+              <a:ext cx="761971" cy="609457"/>
+            </a:xfrm>
+            <a:prstGeom prst="rect">
+              <a:avLst/>
+            </a:prstGeom>
+            <a:ln>
+              <a:headEnd/>
+              <a:tailEnd/>
+            </a:ln>
+          </p:spPr>
+          <p:style>
+            <a:lnRef idx="2">
+              <a:schemeClr val="accent5">
+                <a:shade val="50000"/>
+              </a:schemeClr>
+            </a:lnRef>
+            <a:fillRef idx="1">
+              <a:schemeClr val="accent5"/>
+            </a:fillRef>
+            <a:effectRef idx="0">
+              <a:schemeClr val="accent5"/>
+            </a:effectRef>
+            <a:fontRef idx="minor">
+              <a:schemeClr val="lt1"/>
+            </a:fontRef>
+          </p:style>
+          <p:txBody>
+            <a:bodyPr wrap="none" anchor="ctr"/>
+            <a:lstStyle/>
+            <a:p>
+              <a:pPr algn="ctr" defTabSz="703326" eaLnBrk="0" hangingPunct="0">
+                <a:defRPr/>
+              </a:pPr>
+              <a:r>
+                <a:rPr lang="en-US" sz="1700" b="1" dirty="0"/>
+                <a:t>R2</a:t>
+              </a:r>
+              <a:endParaRPr lang="de-DE" sz="1700" b="1" dirty="0"/>
+            </a:p>
+          </p:txBody>
+        </p:sp>
+        <p:sp>
+          <p:nvSpPr>
+            <p:cNvPr id="60" name="Rectangle 6"/>
+            <p:cNvSpPr>
+              <a:spLocks noChangeArrowheads="1"/>
+            </p:cNvSpPr>
+            <p:nvPr/>
+          </p:nvSpPr>
+          <p:spPr bwMode="auto">
+            <a:xfrm>
+              <a:off x="8841461" y="4112897"/>
+              <a:ext cx="761971" cy="609457"/>
+            </a:xfrm>
+            <a:prstGeom prst="rect">
+              <a:avLst/>
+            </a:prstGeom>
+            <a:ln>
+              <a:headEnd/>
+              <a:tailEnd/>
+            </a:ln>
+          </p:spPr>
+          <p:style>
+            <a:lnRef idx="2">
+              <a:schemeClr val="accent5">
+                <a:shade val="50000"/>
+              </a:schemeClr>
+            </a:lnRef>
+            <a:fillRef idx="1">
+              <a:schemeClr val="accent5"/>
+            </a:fillRef>
+            <a:effectRef idx="0">
+              <a:schemeClr val="accent5"/>
+            </a:effectRef>
+            <a:fontRef idx="minor">
+              <a:schemeClr val="lt1"/>
+            </a:fontRef>
+          </p:style>
+          <p:txBody>
+            <a:bodyPr wrap="none" anchor="ctr"/>
+            <a:lstStyle/>
+            <a:p>
+              <a:pPr algn="ctr" defTabSz="703326" eaLnBrk="0" hangingPunct="0">
+                <a:defRPr/>
+              </a:pPr>
+              <a:r>
+                <a:rPr lang="en-US" sz="1700" b="1" dirty="0"/>
+                <a:t>R3</a:t>
+              </a:r>
+              <a:endParaRPr lang="de-DE" sz="1700" b="1" dirty="0"/>
+            </a:p>
+          </p:txBody>
+        </p:sp>
+      </p:grpSp>
+      <p:grpSp>
+        <p:nvGrpSpPr>
+          <p:cNvPr id="61" name="Group 60"/>
+          <p:cNvGrpSpPr>
+            <a:grpSpLocks/>
+          </p:cNvGrpSpPr>
+          <p:nvPr/>
+        </p:nvGrpSpPr>
+        <p:grpSpPr bwMode="auto">
+          <a:xfrm>
+            <a:off x="4997745" y="1860226"/>
+            <a:ext cx="2684941" cy="2799788"/>
+            <a:chOff x="5592150" y="1842542"/>
+            <a:chExt cx="2908211" cy="3033203"/>
+          </a:xfrm>
+        </p:grpSpPr>
+        <p:sp>
+          <p:nvSpPr>
+            <p:cNvPr id="62" name="Text Box 58"/>
+            <p:cNvSpPr txBox="1">
+              <a:spLocks noChangeArrowheads="1"/>
+            </p:cNvSpPr>
+            <p:nvPr/>
+          </p:nvSpPr>
+          <p:spPr bwMode="auto">
+            <a:xfrm>
+              <a:off x="6600262" y="1842542"/>
+              <a:ext cx="963995" cy="1016979"/>
+            </a:xfrm>
+            <a:prstGeom prst="rect">
+              <a:avLst/>
+            </a:prstGeom>
+            <a:noFill/>
+            <a:ln>
+              <a:noFill/>
+            </a:ln>
+            <a:extLst>
+              <a:ext uri="{909E8E84-426E-40dd-AFC4-6F175D3DCCD1}">
+                <a14:hiddenFill xmlns:a14="http://schemas.microsoft.com/office/drawing/2010/main">
+                  <a:solidFill>
+                    <a:srgbClr val="FFFFFF"/>
+                  </a:solidFill>
+                </a14:hiddenFill>
+              </a:ext>
+              <a:ext uri="{91240B29-F687-4f45-9708-019B960494DF}">
+                <a14:hiddenLine xmlns:a14="http://schemas.microsoft.com/office/drawing/2010/main" w="12700">
+                  <a:solidFill>
+                    <a:srgbClr val="000000"/>
+                  </a:solidFill>
+                  <a:miter lim="800000"/>
+                  <a:headEnd/>
+                  <a:tailEnd/>
+                </a14:hiddenLine>
+              </a:ext>
+            </a:extLst>
+          </p:spPr>
+          <p:txBody>
+            <a:bodyPr wrap="none">
+              <a:spAutoFit/>
+            </a:bodyPr>
+            <a:lstStyle>
+              <a:lvl1pPr defTabSz="762000" eaLnBrk="0" hangingPunct="0">
+                <a:defRPr sz="2400">
+                  <a:solidFill>
+                    <a:schemeClr val="tx1"/>
+                  </a:solidFill>
+                  <a:latin typeface="Arial" charset="0"/>
+                  <a:ea typeface="ＭＳ Ｐゴシック" charset="0"/>
+                  <a:cs typeface="ＭＳ Ｐゴシック" charset="0"/>
+                </a:defRPr>
+              </a:lvl1pPr>
+              <a:lvl2pPr marL="742950" indent="-285750" defTabSz="762000" eaLnBrk="0" hangingPunct="0">
+                <a:defRPr sz="2400">
+                  <a:solidFill>
+                    <a:schemeClr val="tx1"/>
+                  </a:solidFill>
+                  <a:latin typeface="Arial" charset="0"/>
+                  <a:ea typeface="ＭＳ Ｐゴシック" charset="0"/>
+                </a:defRPr>
+              </a:lvl2pPr>
+              <a:lvl3pPr marL="1143000" indent="-228600" defTabSz="762000" eaLnBrk="0" hangingPunct="0">
+                <a:defRPr sz="2400">
+                  <a:solidFill>
+                    <a:schemeClr val="tx1"/>
+                  </a:solidFill>
+                  <a:latin typeface="Arial" charset="0"/>
+                  <a:ea typeface="ＭＳ Ｐゴシック" charset="0"/>
+                </a:defRPr>
+              </a:lvl3pPr>
+              <a:lvl4pPr marL="1600200" indent="-228600" defTabSz="762000" eaLnBrk="0" hangingPunct="0">
+                <a:defRPr sz="2400">
+                  <a:solidFill>
+                    <a:schemeClr val="tx1"/>
+                  </a:solidFill>
+                  <a:latin typeface="Arial" charset="0"/>
+                  <a:ea typeface="ＭＳ Ｐゴシック" charset="0"/>
+                </a:defRPr>
+              </a:lvl4pPr>
+              <a:lvl5pPr marL="2057400" indent="-228600" defTabSz="762000" eaLnBrk="0" hangingPunct="0">
+                <a:defRPr sz="2400">
+                  <a:solidFill>
+                    <a:schemeClr val="tx1"/>
+                  </a:solidFill>
+                  <a:latin typeface="Arial" charset="0"/>
+                  <a:ea typeface="ＭＳ Ｐゴシック" charset="0"/>
+                </a:defRPr>
+              </a:lvl5pPr>
+              <a:lvl6pPr marL="2514600" indent="-228600" defTabSz="762000" eaLnBrk="0" fontAlgn="base" hangingPunct="0">
+                <a:spcBef>
+                  <a:spcPct val="0"/>
+                </a:spcBef>
+                <a:spcAft>
+                  <a:spcPct val="0"/>
+                </a:spcAft>
+                <a:defRPr sz="2400">
+                  <a:solidFill>
+                    <a:schemeClr val="tx1"/>
+                  </a:solidFill>
+                  <a:latin typeface="Arial" charset="0"/>
+                  <a:ea typeface="ＭＳ Ｐゴシック" charset="0"/>
+                </a:defRPr>
+              </a:lvl6pPr>
+              <a:lvl7pPr marL="2971800" indent="-228600" defTabSz="762000" eaLnBrk="0" fontAlgn="base" hangingPunct="0">
+                <a:spcBef>
+                  <a:spcPct val="0"/>
+                </a:spcBef>
+                <a:spcAft>
+                  <a:spcPct val="0"/>
+                </a:spcAft>
+                <a:defRPr sz="2400">
+                  <a:solidFill>
+                    <a:schemeClr val="tx1"/>
+                  </a:solidFill>
+                  <a:latin typeface="Arial" charset="0"/>
+                  <a:ea typeface="ＭＳ Ｐゴシック" charset="0"/>
+                </a:defRPr>
+              </a:lvl7pPr>
+              <a:lvl8pPr marL="3429000" indent="-228600" defTabSz="762000" eaLnBrk="0" fontAlgn="base" hangingPunct="0">
+                <a:spcBef>
+                  <a:spcPct val="0"/>
+                </a:spcBef>
+                <a:spcAft>
+                  <a:spcPct val="0"/>
+                </a:spcAft>
+                <a:defRPr sz="2400">
+                  <a:solidFill>
+                    <a:schemeClr val="tx1"/>
+                  </a:solidFill>
+                  <a:latin typeface="Arial" charset="0"/>
+                  <a:ea typeface="ＭＳ Ｐゴシック" charset="0"/>
+                </a:defRPr>
+              </a:lvl8pPr>
+              <a:lvl9pPr marL="3886200" indent="-228600" defTabSz="762000" eaLnBrk="0" fontAlgn="base" hangingPunct="0">
+                <a:spcBef>
+                  <a:spcPct val="0"/>
+                </a:spcBef>
+                <a:spcAft>
+                  <a:spcPct val="0"/>
+                </a:spcAft>
+                <a:defRPr sz="2400">
+                  <a:solidFill>
+                    <a:schemeClr val="tx1"/>
+                  </a:solidFill>
+                  <a:latin typeface="Arial" charset="0"/>
+                  <a:ea typeface="ＭＳ Ｐゴシック" charset="0"/>
+                </a:defRPr>
+              </a:lvl9pPr>
+            </a:lstStyle>
+            <a:p>
+              <a:pPr algn="ctr"/>
+              <a:r>
+                <a:rPr lang="en-US" sz="5500" b="1" dirty="0">
+                  <a:solidFill>
+                    <a:srgbClr val="FF0000"/>
+                  </a:solidFill>
+                  <a:sym typeface="Webdings" charset="0"/>
+                </a:rPr>
+                <a:t></a:t>
+              </a:r>
+              <a:endParaRPr lang="en-US" sz="5500" b="1" dirty="0">
+                <a:solidFill>
+                  <a:srgbClr val="FF0000"/>
+                </a:solidFill>
+              </a:endParaRPr>
+            </a:p>
+          </p:txBody>
+        </p:sp>
+        <p:sp>
+          <p:nvSpPr>
+            <p:cNvPr id="63" name="Text Box 58"/>
+            <p:cNvSpPr txBox="1">
+              <a:spLocks noChangeArrowheads="1"/>
+            </p:cNvSpPr>
+            <p:nvPr/>
+          </p:nvSpPr>
+          <p:spPr bwMode="auto">
+            <a:xfrm>
+              <a:off x="7536366" y="1842542"/>
+              <a:ext cx="963995" cy="1016979"/>
+            </a:xfrm>
+            <a:prstGeom prst="rect">
+              <a:avLst/>
+            </a:prstGeom>
+            <a:noFill/>
+            <a:ln>
+              <a:noFill/>
+            </a:ln>
+            <a:extLst>
+              <a:ext uri="{909E8E84-426E-40dd-AFC4-6F175D3DCCD1}">
+                <a14:hiddenFill xmlns:a14="http://schemas.microsoft.com/office/drawing/2010/main">
+                  <a:solidFill>
+                    <a:srgbClr val="FFFFFF"/>
+                  </a:solidFill>
+                </a14:hiddenFill>
+              </a:ext>
+              <a:ext uri="{91240B29-F687-4f45-9708-019B960494DF}">
+                <a14:hiddenLine xmlns:a14="http://schemas.microsoft.com/office/drawing/2010/main" w="12700">
+                  <a:solidFill>
+                    <a:srgbClr val="000000"/>
+                  </a:solidFill>
+                  <a:miter lim="800000"/>
+                  <a:headEnd/>
+                  <a:tailEnd/>
+                </a14:hiddenLine>
+              </a:ext>
+            </a:extLst>
+          </p:spPr>
+          <p:txBody>
+            <a:bodyPr wrap="none">
+              <a:spAutoFit/>
+            </a:bodyPr>
+            <a:lstStyle>
+              <a:lvl1pPr defTabSz="762000" eaLnBrk="0" hangingPunct="0">
+                <a:defRPr sz="2400">
+                  <a:solidFill>
+                    <a:schemeClr val="tx1"/>
+                  </a:solidFill>
+                  <a:latin typeface="Arial" charset="0"/>
+                  <a:ea typeface="ＭＳ Ｐゴシック" charset="0"/>
+                  <a:cs typeface="ＭＳ Ｐゴシック" charset="0"/>
+                </a:defRPr>
+              </a:lvl1pPr>
+              <a:lvl2pPr marL="742950" indent="-285750" defTabSz="762000" eaLnBrk="0" hangingPunct="0">
+                <a:defRPr sz="2400">
+                  <a:solidFill>
+                    <a:schemeClr val="tx1"/>
+                  </a:solidFill>
+                  <a:latin typeface="Arial" charset="0"/>
+                  <a:ea typeface="ＭＳ Ｐゴシック" charset="0"/>
+                </a:defRPr>
+              </a:lvl2pPr>
+              <a:lvl3pPr marL="1143000" indent="-228600" defTabSz="762000" eaLnBrk="0" hangingPunct="0">
+                <a:defRPr sz="2400">
+                  <a:solidFill>
+                    <a:schemeClr val="tx1"/>
+                  </a:solidFill>
+                  <a:latin typeface="Arial" charset="0"/>
+                  <a:ea typeface="ＭＳ Ｐゴシック" charset="0"/>
+                </a:defRPr>
+              </a:lvl3pPr>
+              <a:lvl4pPr marL="1600200" indent="-228600" defTabSz="762000" eaLnBrk="0" hangingPunct="0">
+                <a:defRPr sz="2400">
+                  <a:solidFill>
+                    <a:schemeClr val="tx1"/>
+                  </a:solidFill>
+                  <a:latin typeface="Arial" charset="0"/>
+                  <a:ea typeface="ＭＳ Ｐゴシック" charset="0"/>
+                </a:defRPr>
+              </a:lvl4pPr>
+              <a:lvl5pPr marL="2057400" indent="-228600" defTabSz="762000" eaLnBrk="0" hangingPunct="0">
+                <a:defRPr sz="2400">
+                  <a:solidFill>
+                    <a:schemeClr val="tx1"/>
+                  </a:solidFill>
+                  <a:latin typeface="Arial" charset="0"/>
+                  <a:ea typeface="ＭＳ Ｐゴシック" charset="0"/>
+                </a:defRPr>
+              </a:lvl5pPr>
+              <a:lvl6pPr marL="2514600" indent="-228600" defTabSz="762000" eaLnBrk="0" fontAlgn="base" hangingPunct="0">
+                <a:spcBef>
+                  <a:spcPct val="0"/>
+                </a:spcBef>
+                <a:spcAft>
+                  <a:spcPct val="0"/>
+                </a:spcAft>
+                <a:defRPr sz="2400">
+                  <a:solidFill>
+                    <a:schemeClr val="tx1"/>
+                  </a:solidFill>
+                  <a:latin typeface="Arial" charset="0"/>
+                  <a:ea typeface="ＭＳ Ｐゴシック" charset="0"/>
+                </a:defRPr>
+              </a:lvl6pPr>
+              <a:lvl7pPr marL="2971800" indent="-228600" defTabSz="762000" eaLnBrk="0" fontAlgn="base" hangingPunct="0">
+                <a:spcBef>
+                  <a:spcPct val="0"/>
+                </a:spcBef>
+                <a:spcAft>
+                  <a:spcPct val="0"/>
+                </a:spcAft>
+                <a:defRPr sz="2400">
+                  <a:solidFill>
+                    <a:schemeClr val="tx1"/>
+                  </a:solidFill>
+                  <a:latin typeface="Arial" charset="0"/>
+                  <a:ea typeface="ＭＳ Ｐゴシック" charset="0"/>
+                </a:defRPr>
+              </a:lvl7pPr>
+              <a:lvl8pPr marL="3429000" indent="-228600" defTabSz="762000" eaLnBrk="0" fontAlgn="base" hangingPunct="0">
+                <a:spcBef>
+                  <a:spcPct val="0"/>
+                </a:spcBef>
+                <a:spcAft>
+                  <a:spcPct val="0"/>
+                </a:spcAft>
+                <a:defRPr sz="2400">
+                  <a:solidFill>
+                    <a:schemeClr val="tx1"/>
+                  </a:solidFill>
+                  <a:latin typeface="Arial" charset="0"/>
+                  <a:ea typeface="ＭＳ Ｐゴシック" charset="0"/>
+                </a:defRPr>
+              </a:lvl8pPr>
+              <a:lvl9pPr marL="3886200" indent="-228600" defTabSz="762000" eaLnBrk="0" fontAlgn="base" hangingPunct="0">
+                <a:spcBef>
+                  <a:spcPct val="0"/>
+                </a:spcBef>
+                <a:spcAft>
+                  <a:spcPct val="0"/>
+                </a:spcAft>
+                <a:defRPr sz="2400">
+                  <a:solidFill>
+                    <a:schemeClr val="tx1"/>
+                  </a:solidFill>
+                  <a:latin typeface="Arial" charset="0"/>
+                  <a:ea typeface="ＭＳ Ｐゴシック" charset="0"/>
+                </a:defRPr>
+              </a:lvl9pPr>
+            </a:lstStyle>
+            <a:p>
+              <a:pPr algn="ctr"/>
+              <a:r>
+                <a:rPr lang="en-US" sz="5500" b="1">
+                  <a:solidFill>
+                    <a:srgbClr val="FF0000"/>
+                  </a:solidFill>
+                  <a:sym typeface="Webdings" charset="0"/>
+                </a:rPr>
+                <a:t></a:t>
+              </a:r>
+              <a:endParaRPr lang="en-US" sz="5500" b="1">
+                <a:solidFill>
+                  <a:srgbClr val="FF0000"/>
+                </a:solidFill>
+              </a:endParaRPr>
+            </a:p>
+          </p:txBody>
+        </p:sp>
+        <p:sp>
+          <p:nvSpPr>
+            <p:cNvPr id="64" name="Text Box 58"/>
+            <p:cNvSpPr txBox="1">
+              <a:spLocks noChangeArrowheads="1"/>
+            </p:cNvSpPr>
+            <p:nvPr/>
+          </p:nvSpPr>
+          <p:spPr bwMode="auto">
+            <a:xfrm>
+              <a:off x="5592150" y="2850654"/>
+              <a:ext cx="963995" cy="1016979"/>
+            </a:xfrm>
+            <a:prstGeom prst="rect">
+              <a:avLst/>
+            </a:prstGeom>
+            <a:noFill/>
+            <a:ln>
+              <a:noFill/>
+            </a:ln>
+            <a:extLst>
+              <a:ext uri="{909E8E84-426E-40dd-AFC4-6F175D3DCCD1}">
+                <a14:hiddenFill xmlns:a14="http://schemas.microsoft.com/office/drawing/2010/main">
+                  <a:solidFill>
+                    <a:srgbClr val="FFFFFF"/>
+                  </a:solidFill>
+                </a14:hiddenFill>
+              </a:ext>
+              <a:ext uri="{91240B29-F687-4f45-9708-019B960494DF}">
+                <a14:hiddenLine xmlns:a14="http://schemas.microsoft.com/office/drawing/2010/main" w="12700">
+                  <a:solidFill>
+                    <a:srgbClr val="000000"/>
+                  </a:solidFill>
+                  <a:miter lim="800000"/>
+                  <a:headEnd/>
+                  <a:tailEnd/>
+                </a14:hiddenLine>
+              </a:ext>
+            </a:extLst>
+          </p:spPr>
+          <p:txBody>
+            <a:bodyPr wrap="none">
+              <a:spAutoFit/>
+            </a:bodyPr>
+            <a:lstStyle>
+              <a:lvl1pPr defTabSz="762000" eaLnBrk="0" hangingPunct="0">
+                <a:defRPr sz="2400">
+                  <a:solidFill>
+                    <a:schemeClr val="tx1"/>
+                  </a:solidFill>
+                  <a:latin typeface="Arial" charset="0"/>
+                  <a:ea typeface="ＭＳ Ｐゴシック" charset="0"/>
+                  <a:cs typeface="ＭＳ Ｐゴシック" charset="0"/>
+                </a:defRPr>
+              </a:lvl1pPr>
+              <a:lvl2pPr marL="742950" indent="-285750" defTabSz="762000" eaLnBrk="0" hangingPunct="0">
+                <a:defRPr sz="2400">
+                  <a:solidFill>
+                    <a:schemeClr val="tx1"/>
+                  </a:solidFill>
+                  <a:latin typeface="Arial" charset="0"/>
+                  <a:ea typeface="ＭＳ Ｐゴシック" charset="0"/>
+                </a:defRPr>
+              </a:lvl2pPr>
+              <a:lvl3pPr marL="1143000" indent="-228600" defTabSz="762000" eaLnBrk="0" hangingPunct="0">
+                <a:defRPr sz="2400">
+                  <a:solidFill>
+                    <a:schemeClr val="tx1"/>
+                  </a:solidFill>
+                  <a:latin typeface="Arial" charset="0"/>
+                  <a:ea typeface="ＭＳ Ｐゴシック" charset="0"/>
+                </a:defRPr>
+              </a:lvl3pPr>
+              <a:lvl4pPr marL="1600200" indent="-228600" defTabSz="762000" eaLnBrk="0" hangingPunct="0">
+                <a:defRPr sz="2400">
+                  <a:solidFill>
+                    <a:schemeClr val="tx1"/>
+                  </a:solidFill>
+                  <a:latin typeface="Arial" charset="0"/>
+                  <a:ea typeface="ＭＳ Ｐゴシック" charset="0"/>
+                </a:defRPr>
+              </a:lvl4pPr>
+              <a:lvl5pPr marL="2057400" indent="-228600" defTabSz="762000" eaLnBrk="0" hangingPunct="0">
+                <a:defRPr sz="2400">
+                  <a:solidFill>
+                    <a:schemeClr val="tx1"/>
+                  </a:solidFill>
+                  <a:latin typeface="Arial" charset="0"/>
+                  <a:ea typeface="ＭＳ Ｐゴシック" charset="0"/>
+                </a:defRPr>
+              </a:lvl5pPr>
+              <a:lvl6pPr marL="2514600" indent="-228600" defTabSz="762000" eaLnBrk="0" fontAlgn="base" hangingPunct="0">
+                <a:spcBef>
+                  <a:spcPct val="0"/>
+                </a:spcBef>
+                <a:spcAft>
+                  <a:spcPct val="0"/>
+                </a:spcAft>
+                <a:defRPr sz="2400">
+                  <a:solidFill>
+                    <a:schemeClr val="tx1"/>
+                  </a:solidFill>
+                  <a:latin typeface="Arial" charset="0"/>
+                  <a:ea typeface="ＭＳ Ｐゴシック" charset="0"/>
+                </a:defRPr>
+              </a:lvl6pPr>
+              <a:lvl7pPr marL="2971800" indent="-228600" defTabSz="762000" eaLnBrk="0" fontAlgn="base" hangingPunct="0">
+                <a:spcBef>
+                  <a:spcPct val="0"/>
+                </a:spcBef>
+                <a:spcAft>
+                  <a:spcPct val="0"/>
+                </a:spcAft>
+                <a:defRPr sz="2400">
+                  <a:solidFill>
+                    <a:schemeClr val="tx1"/>
+                  </a:solidFill>
+                  <a:latin typeface="Arial" charset="0"/>
+                  <a:ea typeface="ＭＳ Ｐゴシック" charset="0"/>
+                </a:defRPr>
+              </a:lvl7pPr>
+              <a:lvl8pPr marL="3429000" indent="-228600" defTabSz="762000" eaLnBrk="0" fontAlgn="base" hangingPunct="0">
+                <a:spcBef>
+                  <a:spcPct val="0"/>
+                </a:spcBef>
+                <a:spcAft>
+                  <a:spcPct val="0"/>
+                </a:spcAft>
+                <a:defRPr sz="2400">
+                  <a:solidFill>
+                    <a:schemeClr val="tx1"/>
+                  </a:solidFill>
+                  <a:latin typeface="Arial" charset="0"/>
+                  <a:ea typeface="ＭＳ Ｐゴシック" charset="0"/>
+                </a:defRPr>
+              </a:lvl8pPr>
+              <a:lvl9pPr marL="3886200" indent="-228600" defTabSz="762000" eaLnBrk="0" fontAlgn="base" hangingPunct="0">
+                <a:spcBef>
+                  <a:spcPct val="0"/>
+                </a:spcBef>
+                <a:spcAft>
+                  <a:spcPct val="0"/>
+                </a:spcAft>
+                <a:defRPr sz="2400">
+                  <a:solidFill>
+                    <a:schemeClr val="tx1"/>
+                  </a:solidFill>
+                  <a:latin typeface="Arial" charset="0"/>
+                  <a:ea typeface="ＭＳ Ｐゴシック" charset="0"/>
+                </a:defRPr>
+              </a:lvl9pPr>
+            </a:lstStyle>
+            <a:p>
+              <a:pPr algn="ctr"/>
+              <a:r>
+                <a:rPr lang="en-US" sz="5500" b="1">
+                  <a:solidFill>
+                    <a:srgbClr val="FF0000"/>
+                  </a:solidFill>
+                  <a:sym typeface="Webdings" charset="0"/>
+                </a:rPr>
+                <a:t></a:t>
+              </a:r>
+              <a:endParaRPr lang="en-US" sz="5500" b="1">
+                <a:solidFill>
+                  <a:srgbClr val="FF0000"/>
+                </a:solidFill>
+              </a:endParaRPr>
+            </a:p>
+          </p:txBody>
+        </p:sp>
+        <p:sp>
+          <p:nvSpPr>
+            <p:cNvPr id="65" name="Text Box 58"/>
+            <p:cNvSpPr txBox="1">
+              <a:spLocks noChangeArrowheads="1"/>
+            </p:cNvSpPr>
+            <p:nvPr/>
+          </p:nvSpPr>
+          <p:spPr bwMode="auto">
+            <a:xfrm>
+              <a:off x="5592150" y="3858766"/>
+              <a:ext cx="963995" cy="1016979"/>
+            </a:xfrm>
+            <a:prstGeom prst="rect">
+              <a:avLst/>
+            </a:prstGeom>
+            <a:noFill/>
+            <a:ln>
+              <a:noFill/>
+            </a:ln>
+            <a:extLst>
+              <a:ext uri="{909E8E84-426E-40dd-AFC4-6F175D3DCCD1}">
+                <a14:hiddenFill xmlns:a14="http://schemas.microsoft.com/office/drawing/2010/main">
+                  <a:solidFill>
+                    <a:srgbClr val="FFFFFF"/>
+                  </a:solidFill>
+                </a14:hiddenFill>
+              </a:ext>
+              <a:ext uri="{91240B29-F687-4f45-9708-019B960494DF}">
+                <a14:hiddenLine xmlns:a14="http://schemas.microsoft.com/office/drawing/2010/main" w="12700">
+                  <a:solidFill>
+                    <a:srgbClr val="000000"/>
+                  </a:solidFill>
+                  <a:miter lim="800000"/>
+                  <a:headEnd/>
+                  <a:tailEnd/>
+                </a14:hiddenLine>
+              </a:ext>
+            </a:extLst>
+          </p:spPr>
+          <p:txBody>
+            <a:bodyPr wrap="none">
+              <a:spAutoFit/>
+            </a:bodyPr>
+            <a:lstStyle>
+              <a:lvl1pPr defTabSz="762000" eaLnBrk="0" hangingPunct="0">
+                <a:defRPr sz="2400">
+                  <a:solidFill>
+                    <a:schemeClr val="tx1"/>
+                  </a:solidFill>
+                  <a:latin typeface="Arial" charset="0"/>
+                  <a:ea typeface="ＭＳ Ｐゴシック" charset="0"/>
+                  <a:cs typeface="ＭＳ Ｐゴシック" charset="0"/>
+                </a:defRPr>
+              </a:lvl1pPr>
+              <a:lvl2pPr marL="742950" indent="-285750" defTabSz="762000" eaLnBrk="0" hangingPunct="0">
+                <a:defRPr sz="2400">
+                  <a:solidFill>
+                    <a:schemeClr val="tx1"/>
+                  </a:solidFill>
+                  <a:latin typeface="Arial" charset="0"/>
+                  <a:ea typeface="ＭＳ Ｐゴシック" charset="0"/>
+                </a:defRPr>
+              </a:lvl2pPr>
+              <a:lvl3pPr marL="1143000" indent="-228600" defTabSz="762000" eaLnBrk="0" hangingPunct="0">
+                <a:defRPr sz="2400">
+                  <a:solidFill>
+                    <a:schemeClr val="tx1"/>
+                  </a:solidFill>
+                  <a:latin typeface="Arial" charset="0"/>
+                  <a:ea typeface="ＭＳ Ｐゴシック" charset="0"/>
+                </a:defRPr>
+              </a:lvl3pPr>
+              <a:lvl4pPr marL="1600200" indent="-228600" defTabSz="762000" eaLnBrk="0" hangingPunct="0">
+                <a:defRPr sz="2400">
+                  <a:solidFill>
+                    <a:schemeClr val="tx1"/>
+                  </a:solidFill>
+                  <a:latin typeface="Arial" charset="0"/>
+                  <a:ea typeface="ＭＳ Ｐゴシック" charset="0"/>
+                </a:defRPr>
+              </a:lvl4pPr>
+              <a:lvl5pPr marL="2057400" indent="-228600" defTabSz="762000" eaLnBrk="0" hangingPunct="0">
+                <a:defRPr sz="2400">
+                  <a:solidFill>
+                    <a:schemeClr val="tx1"/>
+                  </a:solidFill>
+                  <a:latin typeface="Arial" charset="0"/>
+                  <a:ea typeface="ＭＳ Ｐゴシック" charset="0"/>
+                </a:defRPr>
+              </a:lvl5pPr>
+              <a:lvl6pPr marL="2514600" indent="-228600" defTabSz="762000" eaLnBrk="0" fontAlgn="base" hangingPunct="0">
+                <a:spcBef>
+                  <a:spcPct val="0"/>
+                </a:spcBef>
+                <a:spcAft>
+                  <a:spcPct val="0"/>
+                </a:spcAft>
+                <a:defRPr sz="2400">
+                  <a:solidFill>
+                    <a:schemeClr val="tx1"/>
+                  </a:solidFill>
+                  <a:latin typeface="Arial" charset="0"/>
+                  <a:ea typeface="ＭＳ Ｐゴシック" charset="0"/>
+                </a:defRPr>
+              </a:lvl6pPr>
+              <a:lvl7pPr marL="2971800" indent="-228600" defTabSz="762000" eaLnBrk="0" fontAlgn="base" hangingPunct="0">
+                <a:spcBef>
+                  <a:spcPct val="0"/>
+                </a:spcBef>
+                <a:spcAft>
+                  <a:spcPct val="0"/>
+                </a:spcAft>
+                <a:defRPr sz="2400">
+                  <a:solidFill>
+                    <a:schemeClr val="tx1"/>
+                  </a:solidFill>
+                  <a:latin typeface="Arial" charset="0"/>
+                  <a:ea typeface="ＭＳ Ｐゴシック" charset="0"/>
+                </a:defRPr>
+              </a:lvl7pPr>
+              <a:lvl8pPr marL="3429000" indent="-228600" defTabSz="762000" eaLnBrk="0" fontAlgn="base" hangingPunct="0">
+                <a:spcBef>
+                  <a:spcPct val="0"/>
+                </a:spcBef>
+                <a:spcAft>
+                  <a:spcPct val="0"/>
+                </a:spcAft>
+                <a:defRPr sz="2400">
+                  <a:solidFill>
+                    <a:schemeClr val="tx1"/>
+                  </a:solidFill>
+                  <a:latin typeface="Arial" charset="0"/>
+                  <a:ea typeface="ＭＳ Ｐゴシック" charset="0"/>
+                </a:defRPr>
+              </a:lvl8pPr>
+              <a:lvl9pPr marL="3886200" indent="-228600" defTabSz="762000" eaLnBrk="0" fontAlgn="base" hangingPunct="0">
+                <a:spcBef>
+                  <a:spcPct val="0"/>
+                </a:spcBef>
+                <a:spcAft>
+                  <a:spcPct val="0"/>
+                </a:spcAft>
+                <a:defRPr sz="2400">
+                  <a:solidFill>
+                    <a:schemeClr val="tx1"/>
+                  </a:solidFill>
+                  <a:latin typeface="Arial" charset="0"/>
+                  <a:ea typeface="ＭＳ Ｐゴシック" charset="0"/>
+                </a:defRPr>
+              </a:lvl9pPr>
+            </a:lstStyle>
+            <a:p>
+              <a:pPr algn="ctr"/>
+              <a:r>
+                <a:rPr lang="en-US" sz="5500" b="1">
+                  <a:solidFill>
+                    <a:srgbClr val="FF0000"/>
+                  </a:solidFill>
+                  <a:sym typeface="Webdings" charset="0"/>
+                </a:rPr>
+                <a:t></a:t>
+              </a:r>
+              <a:endParaRPr lang="en-US" sz="5500" b="1">
+                <a:solidFill>
+                  <a:srgbClr val="FF0000"/>
+                </a:solidFill>
+              </a:endParaRPr>
+            </a:p>
+          </p:txBody>
+        </p:sp>
+      </p:grpSp>
+      <p:sp>
+        <p:nvSpPr>
+          <p:cNvPr id="66" name="Text Box 58"/>
+          <p:cNvSpPr txBox="1">
+            <a:spLocks noChangeArrowheads="1"/>
+          </p:cNvSpPr>
+          <p:nvPr/>
+        </p:nvSpPr>
+        <p:spPr bwMode="auto">
+          <a:xfrm>
+            <a:off x="5928462" y="3729479"/>
+            <a:ext cx="889987" cy="938719"/>
+          </a:xfrm>
+          <a:prstGeom prst="rect">
+            <a:avLst/>
+          </a:prstGeom>
+          <a:noFill/>
+          <a:ln>
+            <a:noFill/>
+          </a:ln>
+          <a:extLst>
+            <a:ext uri="{909E8E84-426E-40dd-AFC4-6F175D3DCCD1}">
+              <a14:hiddenFill xmlns:a14="http://schemas.microsoft.com/office/drawing/2010/main">
+                <a:solidFill>
+                  <a:srgbClr val="FFFFFF"/>
+                </a:solidFill>
+              </a14:hiddenFill>
+            </a:ext>
+            <a:ext uri="{91240B29-F687-4f45-9708-019B960494DF}">
+              <a14:hiddenLine xmlns:a14="http://schemas.microsoft.com/office/drawing/2010/main" w="12700">
+                <a:solidFill>
+                  <a:srgbClr val="000000"/>
+                </a:solidFill>
+                <a:miter lim="800000"/>
+                <a:headEnd/>
+                <a:tailEnd/>
+              </a14:hiddenLine>
+            </a:ext>
+          </a:extLst>
+        </p:spPr>
+        <p:txBody>
+          <a:bodyPr wrap="none">
+            <a:spAutoFit/>
+          </a:bodyPr>
+          <a:lstStyle>
+            <a:lvl1pPr defTabSz="762000" eaLnBrk="0" hangingPunct="0">
+              <a:defRPr sz="2400">
+                <a:solidFill>
+                  <a:schemeClr val="tx1"/>
+                </a:solidFill>
+                <a:latin typeface="Arial" charset="0"/>
+                <a:ea typeface="ＭＳ Ｐゴシック" charset="0"/>
+                <a:cs typeface="ＭＳ Ｐゴシック" charset="0"/>
+              </a:defRPr>
+            </a:lvl1pPr>
+            <a:lvl2pPr marL="742950" indent="-285750" defTabSz="762000" eaLnBrk="0" hangingPunct="0">
+              <a:defRPr sz="2400">
+                <a:solidFill>
+                  <a:schemeClr val="tx1"/>
+                </a:solidFill>
+                <a:latin typeface="Arial" charset="0"/>
+                <a:ea typeface="ＭＳ Ｐゴシック" charset="0"/>
+              </a:defRPr>
+            </a:lvl2pPr>
+            <a:lvl3pPr marL="1143000" indent="-228600" defTabSz="762000" eaLnBrk="0" hangingPunct="0">
+              <a:defRPr sz="2400">
+                <a:solidFill>
+                  <a:schemeClr val="tx1"/>
+                </a:solidFill>
+                <a:latin typeface="Arial" charset="0"/>
+                <a:ea typeface="ＭＳ Ｐゴシック" charset="0"/>
+              </a:defRPr>
+            </a:lvl3pPr>
+            <a:lvl4pPr marL="1600200" indent="-228600" defTabSz="762000" eaLnBrk="0" hangingPunct="0">
+              <a:defRPr sz="2400">
+                <a:solidFill>
+                  <a:schemeClr val="tx1"/>
+                </a:solidFill>
+                <a:latin typeface="Arial" charset="0"/>
+                <a:ea typeface="ＭＳ Ｐゴシック" charset="0"/>
+              </a:defRPr>
+            </a:lvl4pPr>
+            <a:lvl5pPr marL="2057400" indent="-228600" defTabSz="762000" eaLnBrk="0" hangingPunct="0">
+              <a:defRPr sz="2400">
+                <a:solidFill>
+                  <a:schemeClr val="tx1"/>
+                </a:solidFill>
+                <a:latin typeface="Arial" charset="0"/>
+                <a:ea typeface="ＭＳ Ｐゴシック" charset="0"/>
+              </a:defRPr>
+            </a:lvl5pPr>
+            <a:lvl6pPr marL="2514600" indent="-228600" defTabSz="762000" eaLnBrk="0" fontAlgn="base" hangingPunct="0">
+              <a:spcBef>
+                <a:spcPct val="0"/>
+              </a:spcBef>
+              <a:spcAft>
+                <a:spcPct val="0"/>
+              </a:spcAft>
+              <a:defRPr sz="2400">
+                <a:solidFill>
+                  <a:schemeClr val="tx1"/>
+                </a:solidFill>
+                <a:latin typeface="Arial" charset="0"/>
+                <a:ea typeface="ＭＳ Ｐゴシック" charset="0"/>
+              </a:defRPr>
+            </a:lvl6pPr>
+            <a:lvl7pPr marL="2971800" indent="-228600" defTabSz="762000" eaLnBrk="0" fontAlgn="base" hangingPunct="0">
+              <a:spcBef>
+                <a:spcPct val="0"/>
+              </a:spcBef>
+              <a:spcAft>
+                <a:spcPct val="0"/>
+              </a:spcAft>
+              <a:defRPr sz="2400">
+                <a:solidFill>
+                  <a:schemeClr val="tx1"/>
+                </a:solidFill>
+                <a:latin typeface="Arial" charset="0"/>
+                <a:ea typeface="ＭＳ Ｐゴシック" charset="0"/>
+              </a:defRPr>
+            </a:lvl7pPr>
+            <a:lvl8pPr marL="3429000" indent="-228600" defTabSz="762000" eaLnBrk="0" fontAlgn="base" hangingPunct="0">
+              <a:spcBef>
+                <a:spcPct val="0"/>
+              </a:spcBef>
+              <a:spcAft>
+                <a:spcPct val="0"/>
+              </a:spcAft>
+              <a:defRPr sz="2400">
+                <a:solidFill>
+                  <a:schemeClr val="tx1"/>
+                </a:solidFill>
+                <a:latin typeface="Arial" charset="0"/>
+                <a:ea typeface="ＭＳ Ｐゴシック" charset="0"/>
+              </a:defRPr>
+            </a:lvl8pPr>
+            <a:lvl9pPr marL="3886200" indent="-228600" defTabSz="762000" eaLnBrk="0" fontAlgn="base" hangingPunct="0">
+              <a:spcBef>
+                <a:spcPct val="0"/>
+              </a:spcBef>
+              <a:spcAft>
+                <a:spcPct val="0"/>
+              </a:spcAft>
+              <a:defRPr sz="2400">
+                <a:solidFill>
+                  <a:schemeClr val="tx1"/>
+                </a:solidFill>
+                <a:latin typeface="Arial" charset="0"/>
+                <a:ea typeface="ＭＳ Ｐゴシック" charset="0"/>
+              </a:defRPr>
+            </a:lvl9pPr>
+          </a:lstStyle>
+          <a:p>
+            <a:pPr algn="ctr"/>
+            <a:r>
+              <a:rPr lang="en-US" sz="5500" b="1" dirty="0">
+                <a:solidFill>
+                  <a:srgbClr val="FF0000"/>
+                </a:solidFill>
+                <a:sym typeface="Webdings" charset="0"/>
+              </a:rPr>
+              <a:t></a:t>
+            </a:r>
+            <a:endParaRPr lang="en-US" sz="5500" b="1" dirty="0">
+              <a:solidFill>
+                <a:srgbClr val="FF0000"/>
+              </a:solidFill>
+            </a:endParaRPr>
+          </a:p>
+        </p:txBody>
+      </p:sp>
+    </p:spTree>
+    <p:extLst>
+      <p:ext uri="{BB962C8B-B14F-4D97-AF65-F5344CB8AC3E}">
+        <p14:creationId xmlns:p14="http://schemas.microsoft.com/office/powerpoint/2010/main" val="567294612"/>
+      </p:ext>
+    </p:extLst>
+  </p:cSld>
+  <p:clrMapOvr>
+    <a:masterClrMapping/>
+  </p:clrMapOvr>
+  <p:timing>
+    <p:tnLst>
+      <p:par>
+        <p:cTn xmlns:p14="http://schemas.microsoft.com/office/powerpoint/2010/main" id="1" dur="indefinite" restart="never" nodeType="tmRoot">
+          <p:childTnLst>
+            <p:seq concurrent="1" nextAc="seek">
+              <p:cTn id="2" dur="indefinite" nodeType="mainSeq">
+                <p:childTnLst>
+                  <p:par>
+                    <p:cTn id="3" fill="hold" nodeType="clickPar">
+                      <p:stCondLst>
+                        <p:cond delay="indefinite"/>
+                      </p:stCondLst>
+                      <p:childTnLst>
+                        <p:par>
+                          <p:cTn id="4" fill="hold" nodeType="withGroup">
+                            <p:stCondLst>
+                              <p:cond delay="0"/>
+                            </p:stCondLst>
+                            <p:childTnLst>
+                              <p:par>
+                                <p:cTn id="5" presetID="1" presetClass="entr" presetSubtype="0" fill="hold" nodeType="clickEffect">
+                                  <p:stCondLst>
+                                    <p:cond delay="0"/>
+                                  </p:stCondLst>
+                                  <p:childTnLst>
+                                    <p:set>
+                                      <p:cBhvr>
+                                        <p:cTn id="6" dur="1" fill="hold">
+                                          <p:stCondLst>
+                                            <p:cond delay="0"/>
+                                          </p:stCondLst>
+                                        </p:cTn>
+                                        <p:tgtEl>
+                                          <p:spTgt spid="59"/>
+                                        </p:tgtEl>
+                                        <p:attrNameLst>
+                                          <p:attrName>style.visibility</p:attrName>
+                                        </p:attrNameLst>
+                                      </p:cBhvr>
+                                      <p:to>
+                                        <p:strVal val="visible"/>
+                                      </p:to>
+                                    </p:set>
+                                  </p:childTnLst>
+                                </p:cTn>
+                              </p:par>
+                            </p:childTnLst>
+                          </p:cTn>
+                        </p:par>
+                      </p:childTnLst>
+                    </p:cTn>
+                  </p:par>
+                  <p:par>
+                    <p:cTn id="7" fill="hold" nodeType="clickPar">
+                      <p:stCondLst>
+                        <p:cond delay="indefinite"/>
+                      </p:stCondLst>
+                      <p:childTnLst>
+                        <p:par>
+                          <p:cTn id="8" fill="hold" nodeType="withGroup">
+                            <p:stCondLst>
+                              <p:cond delay="0"/>
+                            </p:stCondLst>
+                            <p:childTnLst>
+                              <p:par>
+                                <p:cTn id="9" presetID="1" presetClass="entr" presetSubtype="0" fill="hold" nodeType="clickEffect">
+                                  <p:stCondLst>
+                                    <p:cond delay="0"/>
+                                  </p:stCondLst>
+                                  <p:childTnLst>
+                                    <p:set>
+                                      <p:cBhvr>
+                                        <p:cTn id="10" dur="1" fill="hold">
+                                          <p:stCondLst>
+                                            <p:cond delay="0"/>
+                                          </p:stCondLst>
+                                        </p:cTn>
+                                        <p:tgtEl>
+                                          <p:spTgt spid="100"/>
+                                        </p:tgtEl>
+                                        <p:attrNameLst>
+                                          <p:attrName>style.visibility</p:attrName>
+                                        </p:attrNameLst>
+                                      </p:cBhvr>
+                                      <p:to>
+                                        <p:strVal val="visible"/>
+                                      </p:to>
+                                    </p:set>
+                                  </p:childTnLst>
+                                </p:cTn>
+                              </p:par>
+                            </p:childTnLst>
+                          </p:cTn>
+                        </p:par>
+                      </p:childTnLst>
+                    </p:cTn>
+                  </p:par>
+                  <p:par>
+                    <p:cTn id="11" fill="hold">
+                      <p:stCondLst>
+                        <p:cond delay="indefinite"/>
+                      </p:stCondLst>
+                      <p:childTnLst>
+                        <p:par>
+                          <p:cTn id="12" fill="hold">
+                            <p:stCondLst>
+                              <p:cond delay="0"/>
+                            </p:stCondLst>
+                            <p:childTnLst>
+                              <p:par>
+                                <p:cTn id="13" presetID="1" presetClass="entr" presetSubtype="0" fill="hold" nodeType="clickEffect">
+                                  <p:stCondLst>
+                                    <p:cond delay="0"/>
+                                  </p:stCondLst>
+                                  <p:childTnLst>
+                                    <p:set>
+                                      <p:cBhvr>
+                                        <p:cTn id="14" dur="1" fill="hold">
+                                          <p:stCondLst>
+                                            <p:cond delay="0"/>
+                                          </p:stCondLst>
+                                        </p:cTn>
+                                        <p:tgtEl>
+                                          <p:spTgt spid="43"/>
+                                        </p:tgtEl>
+                                        <p:attrNameLst>
+                                          <p:attrName>style.visibility</p:attrName>
+                                        </p:attrNameLst>
+                                      </p:cBhvr>
+                                      <p:to>
+                                        <p:strVal val="visible"/>
+                                      </p:to>
+                                    </p:set>
+                                  </p:childTnLst>
+                                </p:cTn>
+                              </p:par>
+                            </p:childTnLst>
+                          </p:cTn>
+                        </p:par>
+                      </p:childTnLst>
+                    </p:cTn>
+                  </p:par>
+                  <p:par>
+                    <p:cTn id="15" fill="hold">
+                      <p:stCondLst>
+                        <p:cond delay="indefinite"/>
+                      </p:stCondLst>
+                      <p:childTnLst>
+                        <p:par>
+                          <p:cTn id="16" fill="hold">
+                            <p:stCondLst>
+                              <p:cond delay="0"/>
+                            </p:stCondLst>
+                            <p:childTnLst>
+                              <p:par>
+                                <p:cTn id="17" presetID="1" presetClass="entr" presetSubtype="0" fill="hold" nodeType="clickEffect">
+                                  <p:stCondLst>
+                                    <p:cond delay="0"/>
+                                  </p:stCondLst>
+                                  <p:childTnLst>
+                                    <p:set>
+                                      <p:cBhvr>
+                                        <p:cTn id="18" dur="1" fill="hold">
+                                          <p:stCondLst>
+                                            <p:cond delay="0"/>
+                                          </p:stCondLst>
+                                        </p:cTn>
+                                        <p:tgtEl>
+                                          <p:spTgt spid="61"/>
+                                        </p:tgtEl>
+                                        <p:attrNameLst>
+                                          <p:attrName>style.visibility</p:attrName>
+                                        </p:attrNameLst>
+                                      </p:cBhvr>
+                                      <p:to>
+                                        <p:strVal val="visible"/>
+                                      </p:to>
+                                    </p:set>
+                                  </p:childTnLst>
+                                </p:cTn>
+                              </p:par>
+                            </p:childTnLst>
+                          </p:cTn>
+                        </p:par>
+                      </p:childTnLst>
+                    </p:cTn>
+                  </p:par>
+                </p:childTnLst>
+              </p:cTn>
+              <p:prevCondLst>
+                <p:cond evt="onPrev" delay="0">
+                  <p:tgtEl>
+                    <p:sldTgt/>
+                  </p:tgtEl>
+                </p:cond>
+              </p:prevCondLst>
+              <p:nextCondLst>
+                <p:cond evt="onNext" delay="0">
+                  <p:tgtEl>
+                    <p:sldTgt/>
+                  </p:tgtEl>
+                </p:cond>
+              </p:nextCondLst>
+            </p:seq>
+          </p:childTnLst>
+        </p:cTn>
+      </p:par>
+    </p:tnLst>
+  </p:timing>
+</p:sld>
+</file>
+
+<file path=ppt/slides/slide6.xml><?xml version="1.0" encoding="utf-8"?>
+<p:sld xmlns:a="http://schemas.openxmlformats.org/drawingml/2006/main" xmlns:r="http://schemas.openxmlformats.org/officeDocument/2006/relationships" xmlns:p="http://schemas.openxmlformats.org/presentationml/2006/main">
+  <p:cSld>
+    <p:spTree>
+      <p:nvGrpSpPr>
+        <p:cNvPr id="1" name=""/>
+        <p:cNvGrpSpPr/>
+        <p:nvPr/>
+      </p:nvGrpSpPr>
+      <p:grpSpPr>
+        <a:xfrm>
+          <a:off x="0" y="0"/>
+          <a:ext cx="0" cy="0"/>
+          <a:chOff x="0" y="0"/>
+          <a:chExt cx="0" cy="0"/>
+        </a:xfrm>
+      </p:grpSpPr>
+      <p:sp>
+        <p:nvSpPr>
+          <p:cNvPr id="2" name="Title 1"/>
+          <p:cNvSpPr>
+            <a:spLocks noGrp="1"/>
+          </p:cNvSpPr>
+          <p:nvPr>
+            <p:ph type="title"/>
+          </p:nvPr>
+        </p:nvSpPr>
+        <p:spPr/>
+        <p:txBody>
+          <a:bodyPr/>
+          <a:lstStyle/>
+          <a:p>
+            <a:r>
+              <a:rPr lang="en-US" dirty="0" smtClean="0"/>
+              <a:t>RFC 6363: FEC Framework</a:t>
+            </a:r>
+            <a:endParaRPr lang="en-US" dirty="0"/>
+          </a:p>
+        </p:txBody>
+      </p:sp>
+      <p:sp>
+        <p:nvSpPr>
+          <p:cNvPr id="6" name="Rectangle 5"/>
+          <p:cNvSpPr/>
+          <p:nvPr/>
+        </p:nvSpPr>
+        <p:spPr>
+          <a:xfrm>
+            <a:off x="2457802" y="1912410"/>
+            <a:ext cx="4082966" cy="723691"/>
+          </a:xfrm>
+          <a:prstGeom prst="rect">
+            <a:avLst/>
+          </a:prstGeom>
+        </p:spPr>
+        <p:style>
+          <a:lnRef idx="2">
+            <a:schemeClr val="dk1"/>
+          </a:lnRef>
+          <a:fillRef idx="1">
+            <a:schemeClr val="lt1"/>
+          </a:fillRef>
+          <a:effectRef idx="0">
+            <a:schemeClr val="dk1"/>
+          </a:effectRef>
+          <a:fontRef idx="minor">
+            <a:schemeClr val="dk1"/>
+          </a:fontRef>
+        </p:style>
+        <p:txBody>
+          <a:bodyPr rtlCol="0" anchor="ctr"/>
+          <a:lstStyle/>
+          <a:p>
+            <a:pPr algn="ctr"/>
+            <a:r>
+              <a:rPr lang="en-US" dirty="0" smtClean="0"/>
+              <a:t>RTP Packets</a:t>
+            </a:r>
+            <a:endParaRPr lang="en-US" dirty="0"/>
+          </a:p>
+        </p:txBody>
+      </p:sp>
+      <p:sp>
+        <p:nvSpPr>
+          <p:cNvPr id="7" name="Rectangle 6"/>
+          <p:cNvSpPr/>
+          <p:nvPr/>
+        </p:nvSpPr>
+        <p:spPr>
+          <a:xfrm>
+            <a:off x="2648987" y="3081885"/>
+            <a:ext cx="860291" cy="723690"/>
+          </a:xfrm>
+          <a:prstGeom prst="rect">
+            <a:avLst/>
+          </a:prstGeom>
+          <a:solidFill>
+            <a:schemeClr val="accent6">
+              <a:lumMod val="20000"/>
+              <a:lumOff val="80000"/>
+            </a:schemeClr>
+          </a:solidFill>
+        </p:spPr>
+        <p:style>
+          <a:lnRef idx="2">
+            <a:schemeClr val="dk1"/>
+          </a:lnRef>
+          <a:fillRef idx="1">
+            <a:schemeClr val="lt1"/>
+          </a:fillRef>
+          <a:effectRef idx="0">
+            <a:schemeClr val="dk1"/>
+          </a:effectRef>
+          <a:fontRef idx="minor">
+            <a:schemeClr val="dk1"/>
+          </a:fontRef>
+        </p:style>
+        <p:txBody>
+          <a:bodyPr rtlCol="0" anchor="ctr"/>
+          <a:lstStyle/>
+          <a:p>
+            <a:pPr algn="ctr"/>
+            <a:r>
+              <a:rPr lang="en-US" dirty="0" smtClean="0"/>
+              <a:t>FEC Code</a:t>
+            </a:r>
+            <a:endParaRPr lang="en-US" dirty="0"/>
+          </a:p>
+        </p:txBody>
+      </p:sp>
+      <p:sp>
+        <p:nvSpPr>
+          <p:cNvPr id="8" name="Rectangle 7"/>
+          <p:cNvSpPr/>
+          <p:nvPr/>
+        </p:nvSpPr>
+        <p:spPr>
+          <a:xfrm>
+            <a:off x="4344220" y="3081884"/>
+            <a:ext cx="1611338" cy="723691"/>
+          </a:xfrm>
+          <a:prstGeom prst="rect">
+            <a:avLst/>
+          </a:prstGeom>
+          <a:solidFill>
+            <a:srgbClr val="DDD1ED"/>
+          </a:solidFill>
+        </p:spPr>
+        <p:style>
+          <a:lnRef idx="2">
+            <a:schemeClr val="dk1"/>
+          </a:lnRef>
+          <a:fillRef idx="1">
+            <a:schemeClr val="lt1"/>
+          </a:fillRef>
+          <a:effectRef idx="0">
+            <a:schemeClr val="dk1"/>
+          </a:effectRef>
+          <a:fontRef idx="minor">
+            <a:schemeClr val="dk1"/>
+          </a:fontRef>
+        </p:style>
+        <p:txBody>
+          <a:bodyPr rtlCol="0" anchor="ctr"/>
+          <a:lstStyle/>
+          <a:p>
+            <a:pPr algn="ctr"/>
+            <a:r>
+              <a:rPr lang="en-US" dirty="0" smtClean="0"/>
+              <a:t>FEC Module</a:t>
+            </a:r>
+            <a:endParaRPr lang="en-US" dirty="0"/>
+          </a:p>
+        </p:txBody>
+      </p:sp>
+      <p:sp>
+        <p:nvSpPr>
+          <p:cNvPr id="9" name="Rectangle 8"/>
+          <p:cNvSpPr/>
+          <p:nvPr/>
+        </p:nvSpPr>
+        <p:spPr>
+          <a:xfrm>
+            <a:off x="4344220" y="4353047"/>
+            <a:ext cx="1611338" cy="368292"/>
+          </a:xfrm>
+          <a:prstGeom prst="rect">
+            <a:avLst/>
+          </a:prstGeom>
+          <a:solidFill>
+            <a:srgbClr val="E6E6E6"/>
+          </a:solidFill>
+        </p:spPr>
+        <p:style>
+          <a:lnRef idx="2">
+            <a:schemeClr val="dk1"/>
+          </a:lnRef>
+          <a:fillRef idx="1">
+            <a:schemeClr val="lt1"/>
+          </a:fillRef>
+          <a:effectRef idx="0">
+            <a:schemeClr val="dk1"/>
+          </a:effectRef>
+          <a:fontRef idx="minor">
+            <a:schemeClr val="dk1"/>
+          </a:fontRef>
+        </p:style>
+        <p:txBody>
+          <a:bodyPr rtlCol="0" anchor="ctr"/>
+          <a:lstStyle/>
+          <a:p>
+            <a:pPr algn="ctr"/>
+            <a:r>
+              <a:rPr lang="en-US" dirty="0" smtClean="0"/>
+              <a:t>RTP (De)mux</a:t>
+            </a:r>
+            <a:endParaRPr lang="en-US" dirty="0"/>
+          </a:p>
+        </p:txBody>
+      </p:sp>
+      <p:sp>
+        <p:nvSpPr>
+          <p:cNvPr id="10" name="Rectangle 9"/>
+          <p:cNvSpPr/>
+          <p:nvPr/>
+        </p:nvSpPr>
+        <p:spPr>
+          <a:xfrm>
+            <a:off x="2457802" y="4972934"/>
+            <a:ext cx="4082965" cy="363857"/>
+          </a:xfrm>
+          <a:prstGeom prst="rect">
+            <a:avLst/>
+          </a:prstGeom>
+        </p:spPr>
+        <p:style>
+          <a:lnRef idx="2">
+            <a:schemeClr val="dk1"/>
+          </a:lnRef>
+          <a:fillRef idx="1">
+            <a:schemeClr val="lt1"/>
+          </a:fillRef>
+          <a:effectRef idx="0">
+            <a:schemeClr val="dk1"/>
+          </a:effectRef>
+          <a:fontRef idx="minor">
+            <a:schemeClr val="dk1"/>
+          </a:fontRef>
+        </p:style>
+        <p:txBody>
+          <a:bodyPr rtlCol="0" anchor="ctr"/>
+          <a:lstStyle/>
+          <a:p>
+            <a:pPr algn="ctr"/>
+            <a:r>
+              <a:rPr lang="en-US" dirty="0" smtClean="0"/>
+              <a:t>Transport Layer (UDP)</a:t>
+            </a:r>
+            <a:endParaRPr lang="en-US" dirty="0"/>
+          </a:p>
+        </p:txBody>
+      </p:sp>
+      <p:sp>
+        <p:nvSpPr>
+          <p:cNvPr id="12" name="Rectangle 11"/>
+          <p:cNvSpPr/>
+          <p:nvPr/>
+        </p:nvSpPr>
+        <p:spPr>
+          <a:xfrm>
+            <a:off x="2457803" y="5666091"/>
+            <a:ext cx="4082965" cy="363857"/>
+          </a:xfrm>
+          <a:prstGeom prst="rect">
+            <a:avLst/>
+          </a:prstGeom>
+        </p:spPr>
+        <p:style>
+          <a:lnRef idx="2">
+            <a:schemeClr val="dk1"/>
+          </a:lnRef>
+          <a:fillRef idx="1">
+            <a:schemeClr val="lt1"/>
+          </a:fillRef>
+          <a:effectRef idx="0">
+            <a:schemeClr val="dk1"/>
+          </a:effectRef>
+          <a:fontRef idx="minor">
+            <a:schemeClr val="dk1"/>
+          </a:fontRef>
+        </p:style>
+        <p:txBody>
+          <a:bodyPr rtlCol="0" anchor="ctr"/>
+          <a:lstStyle/>
+          <a:p>
+            <a:pPr algn="ctr"/>
+            <a:r>
+              <a:rPr lang="en-US" dirty="0" smtClean="0"/>
+              <a:t>IP</a:t>
+            </a:r>
+            <a:endParaRPr lang="en-US" dirty="0"/>
+          </a:p>
+        </p:txBody>
+      </p:sp>
+      <p:cxnSp>
+        <p:nvCxnSpPr>
+          <p:cNvPr id="19" name="Straight Arrow Connector 18"/>
+          <p:cNvCxnSpPr>
+            <a:endCxn id="8" idx="0"/>
+          </p:cNvCxnSpPr>
+          <p:nvPr/>
+        </p:nvCxnSpPr>
+        <p:spPr>
+          <a:xfrm>
+            <a:off x="5149889" y="2636101"/>
+            <a:ext cx="0" cy="445783"/>
+          </a:xfrm>
+          <a:prstGeom prst="straightConnector1">
+            <a:avLst/>
+          </a:prstGeom>
+          <a:ln>
+            <a:headEnd type="arrow"/>
+            <a:tailEnd type="arrow"/>
+          </a:ln>
+        </p:spPr>
+        <p:style>
+          <a:lnRef idx="1">
+            <a:schemeClr val="dk1"/>
+          </a:lnRef>
+          <a:fillRef idx="0">
+            <a:schemeClr val="dk1"/>
+          </a:fillRef>
+          <a:effectRef idx="0">
+            <a:schemeClr val="dk1"/>
+          </a:effectRef>
+          <a:fontRef idx="minor">
+            <a:schemeClr val="tx1"/>
+          </a:fontRef>
+        </p:style>
+      </p:cxnSp>
+      <p:cxnSp>
+        <p:nvCxnSpPr>
+          <p:cNvPr id="23" name="Straight Arrow Connector 22"/>
+          <p:cNvCxnSpPr/>
+          <p:nvPr/>
+        </p:nvCxnSpPr>
+        <p:spPr>
+          <a:xfrm>
+            <a:off x="3509278" y="3303675"/>
+            <a:ext cx="834942" cy="0"/>
+          </a:xfrm>
+          <a:prstGeom prst="straightConnector1">
+            <a:avLst/>
+          </a:prstGeom>
+          <a:ln>
+            <a:solidFill>
+              <a:schemeClr val="accent1"/>
+            </a:solidFill>
+            <a:headEnd type="arrow"/>
+            <a:tailEnd type="arrow"/>
+          </a:ln>
+        </p:spPr>
+        <p:style>
+          <a:lnRef idx="1">
+            <a:schemeClr val="dk1"/>
+          </a:lnRef>
+          <a:fillRef idx="0">
+            <a:schemeClr val="dk1"/>
+          </a:fillRef>
+          <a:effectRef idx="0">
+            <a:schemeClr val="dk1"/>
+          </a:effectRef>
+          <a:fontRef idx="minor">
+            <a:schemeClr val="tx1"/>
+          </a:fontRef>
+        </p:style>
+      </p:cxnSp>
+      <p:cxnSp>
+        <p:nvCxnSpPr>
+          <p:cNvPr id="26" name="Straight Arrow Connector 25"/>
+          <p:cNvCxnSpPr/>
+          <p:nvPr/>
+        </p:nvCxnSpPr>
+        <p:spPr>
+          <a:xfrm>
+            <a:off x="4797039" y="3805575"/>
+            <a:ext cx="0" cy="547472"/>
+          </a:xfrm>
+          <a:prstGeom prst="straightConnector1">
+            <a:avLst/>
+          </a:prstGeom>
+          <a:ln>
+            <a:solidFill>
+              <a:srgbClr val="1C82AF"/>
+            </a:solidFill>
+            <a:headEnd type="arrow"/>
+            <a:tailEnd type="arrow"/>
+          </a:ln>
+        </p:spPr>
+        <p:style>
+          <a:lnRef idx="1">
+            <a:schemeClr val="dk1"/>
+          </a:lnRef>
+          <a:fillRef idx="0">
+            <a:schemeClr val="dk1"/>
+          </a:fillRef>
+          <a:effectRef idx="0">
+            <a:schemeClr val="dk1"/>
+          </a:effectRef>
+          <a:fontRef idx="minor">
+            <a:schemeClr val="tx1"/>
+          </a:fontRef>
+        </p:style>
+      </p:cxnSp>
+      <p:cxnSp>
+        <p:nvCxnSpPr>
+          <p:cNvPr id="27" name="Straight Arrow Connector 26"/>
+          <p:cNvCxnSpPr/>
+          <p:nvPr/>
+        </p:nvCxnSpPr>
+        <p:spPr>
+          <a:xfrm>
+            <a:off x="5477847" y="3810394"/>
+            <a:ext cx="0" cy="542653"/>
+          </a:xfrm>
+          <a:prstGeom prst="straightConnector1">
+            <a:avLst/>
+          </a:prstGeom>
+          <a:ln>
+            <a:headEnd type="arrow"/>
+            <a:tailEnd type="arrow"/>
+          </a:ln>
+        </p:spPr>
+        <p:style>
+          <a:lnRef idx="1">
+            <a:schemeClr val="dk1"/>
+          </a:lnRef>
+          <a:fillRef idx="0">
+            <a:schemeClr val="dk1"/>
+          </a:fillRef>
+          <a:effectRef idx="0">
+            <a:schemeClr val="dk1"/>
+          </a:effectRef>
+          <a:fontRef idx="minor">
+            <a:schemeClr val="tx1"/>
+          </a:fontRef>
+        </p:style>
+      </p:cxnSp>
+      <p:cxnSp>
+        <p:nvCxnSpPr>
+          <p:cNvPr id="29" name="Straight Arrow Connector 28"/>
+          <p:cNvCxnSpPr>
+            <a:stCxn id="9" idx="2"/>
+          </p:cNvCxnSpPr>
+          <p:nvPr/>
+        </p:nvCxnSpPr>
+        <p:spPr>
+          <a:xfrm>
+            <a:off x="5149889" y="4721339"/>
+            <a:ext cx="0" cy="251595"/>
+          </a:xfrm>
+          <a:prstGeom prst="straightConnector1">
+            <a:avLst/>
+          </a:prstGeom>
+          <a:ln>
+            <a:headEnd type="arrow"/>
+            <a:tailEnd type="arrow"/>
+          </a:ln>
+        </p:spPr>
+        <p:style>
+          <a:lnRef idx="1">
+            <a:schemeClr val="dk1"/>
+          </a:lnRef>
+          <a:fillRef idx="0">
+            <a:schemeClr val="dk1"/>
+          </a:fillRef>
+          <a:effectRef idx="0">
+            <a:schemeClr val="dk1"/>
+          </a:effectRef>
+          <a:fontRef idx="minor">
+            <a:schemeClr val="tx1"/>
+          </a:fontRef>
+        </p:style>
+      </p:cxnSp>
+      <p:sp>
+        <p:nvSpPr>
+          <p:cNvPr id="30" name="TextBox 29"/>
+          <p:cNvSpPr txBox="1"/>
+          <p:nvPr/>
+        </p:nvSpPr>
+        <p:spPr>
+          <a:xfrm>
+            <a:off x="3833733" y="3892186"/>
+            <a:ext cx="1005403" cy="276999"/>
+          </a:xfrm>
+          <a:prstGeom prst="rect">
+            <a:avLst/>
+          </a:prstGeom>
+          <a:noFill/>
+        </p:spPr>
+        <p:txBody>
+          <a:bodyPr wrap="none" rtlCol="0">
+            <a:spAutoFit/>
+          </a:bodyPr>
+          <a:lstStyle/>
+          <a:p>
+            <a:r>
+              <a:rPr lang="en-US" sz="1200" dirty="0" smtClean="0"/>
+              <a:t>Repair RTP</a:t>
+            </a:r>
+            <a:endParaRPr lang="en-US" sz="1200" dirty="0"/>
+          </a:p>
+        </p:txBody>
+      </p:sp>
+      <p:cxnSp>
+        <p:nvCxnSpPr>
+          <p:cNvPr id="33" name="Straight Arrow Connector 32"/>
+          <p:cNvCxnSpPr>
+            <a:stCxn id="10" idx="2"/>
+            <a:endCxn id="12" idx="0"/>
+          </p:cNvCxnSpPr>
+          <p:nvPr/>
+        </p:nvCxnSpPr>
+        <p:spPr>
+          <a:xfrm>
+            <a:off x="4499285" y="5336791"/>
+            <a:ext cx="1" cy="329300"/>
+          </a:xfrm>
+          <a:prstGeom prst="straightConnector1">
+            <a:avLst/>
+          </a:prstGeom>
+          <a:ln>
+            <a:headEnd type="arrow"/>
+            <a:tailEnd type="arrow"/>
+          </a:ln>
+        </p:spPr>
+        <p:style>
+          <a:lnRef idx="1">
+            <a:schemeClr val="dk1"/>
+          </a:lnRef>
+          <a:fillRef idx="0">
+            <a:schemeClr val="dk1"/>
+          </a:fillRef>
+          <a:effectRef idx="0">
+            <a:schemeClr val="dk1"/>
+          </a:effectRef>
+          <a:fontRef idx="minor">
+            <a:schemeClr val="tx1"/>
+          </a:fontRef>
+        </p:style>
+      </p:cxnSp>
+      <p:sp>
+        <p:nvSpPr>
+          <p:cNvPr id="65" name="TextBox 64"/>
+          <p:cNvSpPr txBox="1"/>
+          <p:nvPr/>
+        </p:nvSpPr>
+        <p:spPr>
+          <a:xfrm rot="5400000">
+            <a:off x="5602964" y="3465353"/>
+            <a:ext cx="1479892" cy="369332"/>
+          </a:xfrm>
+          <a:prstGeom prst="rect">
+            <a:avLst/>
+          </a:prstGeom>
+          <a:noFill/>
+        </p:spPr>
+        <p:txBody>
+          <a:bodyPr wrap="none" rtlCol="0">
+            <a:spAutoFit/>
+          </a:bodyPr>
+          <a:lstStyle/>
+          <a:p>
+            <a:r>
+              <a:rPr lang="en-US" dirty="0" smtClean="0"/>
+              <a:t>Source RTP</a:t>
+            </a:r>
+            <a:endParaRPr lang="en-US" dirty="0"/>
+          </a:p>
+        </p:txBody>
+      </p:sp>
+    </p:spTree>
+    <p:extLst>
+      <p:ext uri="{BB962C8B-B14F-4D97-AF65-F5344CB8AC3E}">
+        <p14:creationId xmlns:p14="http://schemas.microsoft.com/office/powerpoint/2010/main" val="965737582"/>
+      </p:ext>
+    </p:extLst>
+  </p:cSld>
+  <p:clrMapOvr>
+    <a:masterClrMapping/>
+  </p:clrMapOvr>
+</p:sld>
+</file>
+
+<file path=ppt/slides/slide7.xml><?xml version="1.0" encoding="utf-8"?>
+<p:sld xmlns:a="http://schemas.openxmlformats.org/drawingml/2006/main" xmlns:r="http://schemas.openxmlformats.org/officeDocument/2006/relationships" xmlns:p="http://schemas.openxmlformats.org/presentationml/2006/main">
+  <p:cSld>
+    <p:spTree>
+      <p:nvGrpSpPr>
+        <p:cNvPr id="1" name=""/>
+        <p:cNvGrpSpPr/>
+        <p:nvPr/>
+      </p:nvGrpSpPr>
+      <p:grpSpPr>
+        <a:xfrm>
+          <a:off x="0" y="0"/>
+          <a:ext cx="0" cy="0"/>
+          <a:chOff x="0" y="0"/>
+          <a:chExt cx="0" cy="0"/>
+        </a:xfrm>
+      </p:grpSpPr>
+      <p:sp>
+        <p:nvSpPr>
+          <p:cNvPr id="2" name="Title 1"/>
+          <p:cNvSpPr>
+            <a:spLocks noGrp="1"/>
+          </p:cNvSpPr>
+          <p:nvPr>
+            <p:ph type="title"/>
+          </p:nvPr>
+        </p:nvSpPr>
+        <p:spPr/>
+        <p:txBody>
+          <a:bodyPr/>
+          <a:lstStyle/>
+          <a:p>
+            <a:r>
+              <a:rPr lang="en-US" dirty="0" smtClean="0"/>
+              <a:t>Format of repair packets</a:t>
+            </a:r>
+            <a:endParaRPr lang="en-US" dirty="0"/>
+          </a:p>
+        </p:txBody>
+      </p:sp>
+      <p:sp>
+        <p:nvSpPr>
+          <p:cNvPr id="4" name="Rectangle 3"/>
+          <p:cNvSpPr/>
+          <p:nvPr/>
+        </p:nvSpPr>
+        <p:spPr>
+          <a:xfrm>
+            <a:off x="1665959" y="1611237"/>
+            <a:ext cx="5339263" cy="778310"/>
+          </a:xfrm>
+          <a:prstGeom prst="rect">
+            <a:avLst/>
+          </a:prstGeom>
+          <a:solidFill>
+            <a:schemeClr val="bg1">
+              <a:lumMod val="85000"/>
+            </a:schemeClr>
+          </a:solidFill>
+        </p:spPr>
+        <p:style>
+          <a:lnRef idx="2">
+            <a:schemeClr val="dk1"/>
+          </a:lnRef>
+          <a:fillRef idx="1">
+            <a:schemeClr val="lt1"/>
+          </a:fillRef>
+          <a:effectRef idx="0">
+            <a:schemeClr val="dk1"/>
+          </a:effectRef>
+          <a:fontRef idx="minor">
+            <a:schemeClr val="dk1"/>
+          </a:fontRef>
+        </p:style>
+        <p:txBody>
+          <a:bodyPr rtlCol="0" anchor="ctr"/>
+          <a:lstStyle/>
+          <a:p>
+            <a:pPr algn="ctr"/>
+            <a:r>
+              <a:rPr lang="en-US" dirty="0" smtClean="0"/>
+              <a:t>IP</a:t>
+            </a:r>
+            <a:endParaRPr lang="en-US" dirty="0"/>
+          </a:p>
+        </p:txBody>
+      </p:sp>
+      <p:sp>
+        <p:nvSpPr>
+          <p:cNvPr id="5" name="Rectangle 4"/>
+          <p:cNvSpPr/>
+          <p:nvPr/>
+        </p:nvSpPr>
+        <p:spPr>
+          <a:xfrm>
+            <a:off x="1665959" y="2389547"/>
+            <a:ext cx="5339263" cy="778310"/>
+          </a:xfrm>
+          <a:prstGeom prst="rect">
+            <a:avLst/>
+          </a:prstGeom>
+          <a:solidFill>
+            <a:schemeClr val="bg1">
+              <a:lumMod val="85000"/>
+            </a:schemeClr>
+          </a:solidFill>
+        </p:spPr>
+        <p:style>
+          <a:lnRef idx="2">
+            <a:schemeClr val="dk1"/>
+          </a:lnRef>
+          <a:fillRef idx="1">
+            <a:schemeClr val="lt1"/>
+          </a:fillRef>
+          <a:effectRef idx="0">
+            <a:schemeClr val="dk1"/>
+          </a:effectRef>
+          <a:fontRef idx="minor">
+            <a:schemeClr val="dk1"/>
+          </a:fontRef>
+        </p:style>
+        <p:txBody>
+          <a:bodyPr rtlCol="0" anchor="ctr"/>
+          <a:lstStyle/>
+          <a:p>
+            <a:pPr algn="ctr"/>
+            <a:r>
+              <a:rPr lang="en-US" dirty="0" smtClean="0"/>
+              <a:t>Transport</a:t>
+            </a:r>
+            <a:endParaRPr lang="en-US" dirty="0"/>
+          </a:p>
+        </p:txBody>
+      </p:sp>
+      <p:sp>
+        <p:nvSpPr>
+          <p:cNvPr id="6" name="Rectangle 5"/>
+          <p:cNvSpPr/>
+          <p:nvPr/>
+        </p:nvSpPr>
+        <p:spPr>
+          <a:xfrm>
+            <a:off x="1665959" y="3167857"/>
+            <a:ext cx="5339263" cy="778310"/>
+          </a:xfrm>
+          <a:prstGeom prst="rect">
+            <a:avLst/>
+          </a:prstGeom>
+          <a:solidFill>
+            <a:schemeClr val="bg1">
+              <a:lumMod val="85000"/>
+            </a:schemeClr>
+          </a:solidFill>
+        </p:spPr>
+        <p:style>
+          <a:lnRef idx="2">
+            <a:schemeClr val="dk1"/>
+          </a:lnRef>
+          <a:fillRef idx="1">
+            <a:schemeClr val="lt1"/>
+          </a:fillRef>
+          <a:effectRef idx="0">
+            <a:schemeClr val="dk1"/>
+          </a:effectRef>
+          <a:fontRef idx="minor">
+            <a:schemeClr val="dk1"/>
+          </a:fontRef>
+        </p:style>
+        <p:txBody>
+          <a:bodyPr rtlCol="0" anchor="ctr"/>
+          <a:lstStyle/>
+          <a:p>
+            <a:pPr algn="ctr"/>
+            <a:r>
+              <a:rPr lang="en-US" dirty="0" smtClean="0"/>
+              <a:t>RTP header</a:t>
+            </a:r>
+            <a:endParaRPr lang="en-US" dirty="0"/>
+          </a:p>
+        </p:txBody>
+      </p:sp>
+      <p:sp>
+        <p:nvSpPr>
+          <p:cNvPr id="7" name="Rectangle 6"/>
+          <p:cNvSpPr/>
+          <p:nvPr/>
+        </p:nvSpPr>
+        <p:spPr>
+          <a:xfrm>
+            <a:off x="1665959" y="3946167"/>
+            <a:ext cx="5339263" cy="778310"/>
+          </a:xfrm>
+          <a:prstGeom prst="rect">
+            <a:avLst/>
+          </a:prstGeom>
+          <a:solidFill>
+            <a:schemeClr val="bg2"/>
+          </a:solidFill>
+        </p:spPr>
+        <p:style>
+          <a:lnRef idx="2">
+            <a:schemeClr val="dk1"/>
+          </a:lnRef>
+          <a:fillRef idx="1">
+            <a:schemeClr val="lt1"/>
+          </a:fillRef>
+          <a:effectRef idx="0">
+            <a:schemeClr val="dk1"/>
+          </a:effectRef>
+          <a:fontRef idx="minor">
+            <a:schemeClr val="dk1"/>
+          </a:fontRef>
+        </p:style>
+        <p:txBody>
+          <a:bodyPr rtlCol="0" anchor="ctr"/>
+          <a:lstStyle/>
+          <a:p>
+            <a:pPr algn="ctr"/>
+            <a:r>
+              <a:rPr lang="en-US" dirty="0" smtClean="0"/>
+              <a:t>FEC header</a:t>
+            </a:r>
+            <a:endParaRPr lang="en-US" dirty="0"/>
+          </a:p>
+        </p:txBody>
+      </p:sp>
+      <p:sp>
+        <p:nvSpPr>
+          <p:cNvPr id="8" name="Rectangle 7"/>
+          <p:cNvSpPr/>
+          <p:nvPr/>
+        </p:nvSpPr>
+        <p:spPr>
+          <a:xfrm>
+            <a:off x="1665959" y="4724477"/>
+            <a:ext cx="5339263" cy="778310"/>
+          </a:xfrm>
+          <a:prstGeom prst="rect">
+            <a:avLst/>
+          </a:prstGeom>
+          <a:solidFill>
+            <a:schemeClr val="bg1">
+              <a:lumMod val="85000"/>
+            </a:schemeClr>
+          </a:solidFill>
+        </p:spPr>
+        <p:style>
+          <a:lnRef idx="2">
+            <a:schemeClr val="dk1"/>
+          </a:lnRef>
+          <a:fillRef idx="1">
+            <a:schemeClr val="lt1"/>
+          </a:fillRef>
+          <a:effectRef idx="0">
+            <a:schemeClr val="dk1"/>
+          </a:effectRef>
+          <a:fontRef idx="minor">
+            <a:schemeClr val="dk1"/>
+          </a:fontRef>
+        </p:style>
+        <p:txBody>
+          <a:bodyPr rtlCol="0" anchor="ctr"/>
+          <a:lstStyle/>
+          <a:p>
+            <a:pPr algn="ctr"/>
+            <a:r>
+              <a:rPr lang="en-US" dirty="0" smtClean="0"/>
+              <a:t>Repair Symbol</a:t>
+            </a:r>
+            <a:endParaRPr lang="en-US" dirty="0"/>
+          </a:p>
+        </p:txBody>
+      </p:sp>
+      <p:sp>
+        <p:nvSpPr>
+          <p:cNvPr id="9" name="Right Brace 8"/>
+          <p:cNvSpPr/>
+          <p:nvPr/>
+        </p:nvSpPr>
+        <p:spPr>
+          <a:xfrm>
+            <a:off x="7237364" y="3946167"/>
+            <a:ext cx="641804" cy="1556620"/>
+          </a:xfrm>
+          <a:prstGeom prst="rightBrace">
+            <a:avLst/>
+          </a:prstGeom>
+        </p:spPr>
+        <p:style>
+          <a:lnRef idx="1">
+            <a:schemeClr val="dk1"/>
+          </a:lnRef>
+          <a:fillRef idx="0">
+            <a:schemeClr val="dk1"/>
+          </a:fillRef>
+          <a:effectRef idx="0">
+            <a:schemeClr val="dk1"/>
+          </a:effectRef>
+          <a:fontRef idx="minor">
+            <a:schemeClr val="tx1"/>
+          </a:fontRef>
+        </p:style>
+        <p:txBody>
+          <a:bodyPr rtlCol="0" anchor="ctr"/>
+          <a:lstStyle/>
+          <a:p>
+            <a:pPr algn="ctr"/>
+            <a:endParaRPr lang="en-US"/>
+          </a:p>
+        </p:txBody>
+      </p:sp>
+      <p:sp>
+        <p:nvSpPr>
+          <p:cNvPr id="10" name="TextBox 9"/>
+          <p:cNvSpPr txBox="1"/>
+          <p:nvPr/>
+        </p:nvSpPr>
+        <p:spPr>
+          <a:xfrm>
+            <a:off x="7964355" y="3987132"/>
+            <a:ext cx="461665" cy="1464503"/>
+          </a:xfrm>
+          <a:prstGeom prst="rect">
+            <a:avLst/>
+          </a:prstGeom>
+          <a:noFill/>
+        </p:spPr>
+        <p:txBody>
+          <a:bodyPr vert="vert" wrap="none" rtlCol="0">
+            <a:spAutoFit/>
+          </a:bodyPr>
+          <a:lstStyle/>
+          <a:p>
+            <a:r>
+              <a:rPr lang="en-US" dirty="0" smtClean="0"/>
+              <a:t>RTP payload</a:t>
+            </a:r>
+            <a:endParaRPr lang="en-US" dirty="0"/>
+          </a:p>
+        </p:txBody>
+      </p:sp>
+    </p:spTree>
+    <p:extLst>
+      <p:ext uri="{BB962C8B-B14F-4D97-AF65-F5344CB8AC3E}">
+        <p14:creationId xmlns:p14="http://schemas.microsoft.com/office/powerpoint/2010/main" val="1277635882"/>
+      </p:ext>
+    </p:extLst>
+  </p:cSld>
+  <p:clrMapOvr>
+    <a:masterClrMapping/>
+  </p:clrMapOvr>
+</p:sld>
+</file>
+
+<file path=ppt/slides/slide8.xml><?xml version="1.0" encoding="utf-8"?>
+<p:sld xmlns:a="http://schemas.openxmlformats.org/drawingml/2006/main" xmlns:r="http://schemas.openxmlformats.org/officeDocument/2006/relationships" xmlns:p="http://schemas.openxmlformats.org/presentationml/2006/main">
+  <p:cSld>
+    <p:spTree>
+      <p:nvGrpSpPr>
+        <p:cNvPr id="1" name=""/>
+        <p:cNvGrpSpPr/>
+        <p:nvPr/>
+      </p:nvGrpSpPr>
+      <p:grpSpPr>
+        <a:xfrm>
+          <a:off x="0" y="0"/>
+          <a:ext cx="0" cy="0"/>
+          <a:chOff x="0" y="0"/>
+          <a:chExt cx="0" cy="0"/>
+        </a:xfrm>
+      </p:grpSpPr>
+      <p:sp>
+        <p:nvSpPr>
+          <p:cNvPr id="2" name="Title 1"/>
+          <p:cNvSpPr>
+            <a:spLocks noGrp="1"/>
+          </p:cNvSpPr>
+          <p:nvPr>
+            <p:ph type="title"/>
+          </p:nvPr>
+        </p:nvSpPr>
+        <p:spPr/>
+        <p:txBody>
+          <a:bodyPr/>
+          <a:lstStyle/>
+          <a:p>
+            <a:r>
+              <a:rPr lang="en-US" dirty="0" smtClean="0"/>
+              <a:t>FEC payload</a:t>
+            </a:r>
+            <a:endParaRPr lang="en-US" dirty="0"/>
+          </a:p>
+        </p:txBody>
+      </p:sp>
+      <p:sp>
+        <p:nvSpPr>
+          <p:cNvPr id="3" name="Content Placeholder 2"/>
+          <p:cNvSpPr>
+            <a:spLocks noGrp="1"/>
+          </p:cNvSpPr>
+          <p:nvPr>
+            <p:ph idx="1"/>
+          </p:nvPr>
+        </p:nvSpPr>
+        <p:spPr/>
+        <p:txBody>
+          <a:bodyPr>
+            <a:normAutofit fontScale="47500" lnSpcReduction="20000"/>
+          </a:bodyPr>
+          <a:lstStyle/>
+          <a:p>
+            <a:pPr marL="0" indent="0">
+              <a:buNone/>
+            </a:pPr>
+            <a:endParaRPr lang="da-DK" dirty="0">
+              <a:latin typeface="Consolas"/>
+              <a:cs typeface="Consolas"/>
+            </a:endParaRPr>
+          </a:p>
+          <a:p>
+            <a:pPr marL="0" indent="0">
+              <a:buNone/>
+            </a:pPr>
+            <a:r>
+              <a:rPr lang="da-DK" dirty="0">
+                <a:latin typeface="Consolas"/>
+                <a:cs typeface="Consolas"/>
+              </a:rPr>
+              <a:t>      0                   1                   2                   3</a:t>
+            </a:r>
+          </a:p>
+          <a:p>
+            <a:pPr marL="0" indent="0">
+              <a:buNone/>
+            </a:pPr>
+            <a:r>
+              <a:rPr lang="da-DK" dirty="0">
+                <a:latin typeface="Consolas"/>
+                <a:cs typeface="Consolas"/>
+              </a:rPr>
+              <a:t>      0 1 2 3 4 5 6 7 8 9 0 1 2 3 4 5 6 7 8 9 0 1 2 3 4 5 6 7 8 9 0 1</a:t>
+            </a:r>
+          </a:p>
+          <a:p>
+            <a:pPr marL="0" indent="0">
+              <a:buNone/>
+            </a:pPr>
+            <a:r>
+              <a:rPr lang="da-DK" dirty="0">
+                <a:latin typeface="Consolas"/>
+                <a:cs typeface="Consolas"/>
+              </a:rPr>
+              <a:t>     +-+-+-+-+-+-+-+-+-+-+-+-+-+-+-+-+-+-+-+-+-+-+-+-+-+-+-+-+-+-+-+-+</a:t>
+            </a:r>
+          </a:p>
+          <a:p>
+            <a:pPr marL="0" indent="0">
+              <a:buNone/>
+            </a:pPr>
+            <a:r>
+              <a:rPr lang="da-DK" dirty="0">
+                <a:latin typeface="Consolas"/>
+                <a:cs typeface="Consolas"/>
+              </a:rPr>
+              <a:t>     |</a:t>
+            </a:r>
+            <a:r>
+              <a:rPr lang="da-DK" b="1" dirty="0">
+                <a:solidFill>
+                  <a:srgbClr val="FF0000"/>
+                </a:solidFill>
+                <a:latin typeface="Consolas"/>
+                <a:cs typeface="Consolas"/>
+              </a:rPr>
+              <a:t>MSK</a:t>
+            </a:r>
+            <a:r>
+              <a:rPr lang="da-DK" dirty="0">
+                <a:latin typeface="Consolas"/>
+                <a:cs typeface="Consolas"/>
+              </a:rPr>
+              <a:t>|</a:t>
+            </a:r>
+            <a:r>
+              <a:rPr lang="da-DK" dirty="0">
+                <a:solidFill>
+                  <a:schemeClr val="accent3"/>
+                </a:solidFill>
+                <a:latin typeface="Consolas"/>
+                <a:cs typeface="Consolas"/>
+              </a:rPr>
+              <a:t>P|X|  CC   |M| PT </a:t>
+            </a:r>
+            <a:r>
+              <a:rPr lang="da-DK" dirty="0" err="1">
+                <a:solidFill>
+                  <a:schemeClr val="accent3"/>
+                </a:solidFill>
+                <a:latin typeface="Consolas"/>
+                <a:cs typeface="Consolas"/>
+              </a:rPr>
+              <a:t>recovery</a:t>
+            </a:r>
+            <a:r>
+              <a:rPr lang="da-DK" dirty="0">
+                <a:solidFill>
+                  <a:schemeClr val="accent3"/>
+                </a:solidFill>
+                <a:latin typeface="Consolas"/>
+                <a:cs typeface="Consolas"/>
+              </a:rPr>
+              <a:t> </a:t>
+            </a:r>
+            <a:r>
+              <a:rPr lang="da-DK" dirty="0">
+                <a:latin typeface="Consolas"/>
+                <a:cs typeface="Consolas"/>
+              </a:rPr>
+              <a:t>|            </a:t>
+            </a:r>
+            <a:r>
+              <a:rPr lang="da-DK" b="1" dirty="0">
+                <a:solidFill>
+                  <a:srgbClr val="FF0000"/>
+                </a:solidFill>
+                <a:latin typeface="Consolas"/>
+                <a:cs typeface="Consolas"/>
+              </a:rPr>
+              <a:t>SN base</a:t>
+            </a:r>
+            <a:r>
+              <a:rPr lang="da-DK" dirty="0">
+                <a:latin typeface="Consolas"/>
+                <a:cs typeface="Consolas"/>
+              </a:rPr>
+              <a:t>            |</a:t>
+            </a:r>
+          </a:p>
+          <a:p>
+            <a:pPr marL="0" indent="0">
+              <a:buNone/>
+            </a:pPr>
+            <a:r>
+              <a:rPr lang="da-DK" dirty="0">
+                <a:latin typeface="Consolas"/>
+                <a:cs typeface="Consolas"/>
+              </a:rPr>
+              <a:t>     +-+-+-+-+-+-+-+-+-+-+-+-+-+-+-+-+-+-+-+-+-+-+-+-+-+-+-+-+-+-+-+-+</a:t>
+            </a:r>
+          </a:p>
+          <a:p>
+            <a:pPr marL="0" indent="0">
+              <a:buNone/>
+            </a:pPr>
+            <a:r>
+              <a:rPr lang="da-DK" dirty="0">
+                <a:latin typeface="Consolas"/>
+                <a:cs typeface="Consolas"/>
+              </a:rPr>
+              <a:t>     |                          </a:t>
+            </a:r>
+            <a:r>
+              <a:rPr lang="da-DK" dirty="0">
+                <a:solidFill>
+                  <a:schemeClr val="accent3"/>
+                </a:solidFill>
+                <a:latin typeface="Consolas"/>
+                <a:cs typeface="Consolas"/>
+              </a:rPr>
+              <a:t>TS </a:t>
+            </a:r>
+            <a:r>
+              <a:rPr lang="da-DK" dirty="0" err="1">
+                <a:solidFill>
+                  <a:schemeClr val="accent3"/>
+                </a:solidFill>
+                <a:latin typeface="Consolas"/>
+                <a:cs typeface="Consolas"/>
+              </a:rPr>
+              <a:t>recovery</a:t>
+            </a:r>
+            <a:r>
+              <a:rPr lang="da-DK" dirty="0">
+                <a:latin typeface="Consolas"/>
+                <a:cs typeface="Consolas"/>
+              </a:rPr>
+              <a:t>                          |</a:t>
+            </a:r>
+          </a:p>
+          <a:p>
+            <a:pPr marL="0" indent="0">
+              <a:buNone/>
+            </a:pPr>
+            <a:r>
+              <a:rPr lang="da-DK" dirty="0">
+                <a:latin typeface="Consolas"/>
+                <a:cs typeface="Consolas"/>
+              </a:rPr>
+              <a:t>     +-+-+-+-+-+-+-+-+-+-+-+-+-+-+-+-+-+-+-+-+-+-+-+-+-+-+-+-+-+-+-+-+</a:t>
+            </a:r>
+          </a:p>
+          <a:p>
+            <a:pPr marL="0" indent="0">
+              <a:buNone/>
+            </a:pPr>
+            <a:r>
+              <a:rPr lang="da-DK" dirty="0">
+                <a:latin typeface="Consolas"/>
+                <a:cs typeface="Consolas"/>
+              </a:rPr>
+              <a:t>     |        </a:t>
+            </a:r>
+            <a:r>
+              <a:rPr lang="da-DK" dirty="0" err="1">
+                <a:solidFill>
+                  <a:srgbClr val="2397E2"/>
+                </a:solidFill>
+                <a:latin typeface="Consolas"/>
+                <a:cs typeface="Consolas"/>
+              </a:rPr>
+              <a:t>length</a:t>
+            </a:r>
+            <a:r>
+              <a:rPr lang="da-DK" dirty="0">
+                <a:solidFill>
+                  <a:srgbClr val="2397E2"/>
+                </a:solidFill>
+                <a:latin typeface="Consolas"/>
+                <a:cs typeface="Consolas"/>
+              </a:rPr>
+              <a:t> </a:t>
+            </a:r>
+            <a:r>
+              <a:rPr lang="da-DK" dirty="0" err="1">
+                <a:solidFill>
+                  <a:srgbClr val="2397E2"/>
+                </a:solidFill>
+                <a:latin typeface="Consolas"/>
+                <a:cs typeface="Consolas"/>
+              </a:rPr>
+              <a:t>recovery</a:t>
+            </a:r>
+            <a:r>
+              <a:rPr lang="da-DK" dirty="0">
+                <a:latin typeface="Consolas"/>
+                <a:cs typeface="Consolas"/>
+              </a:rPr>
+              <a:t>        |M or Mask[8-15]| N or Mask[0-7]|</a:t>
+            </a:r>
+          </a:p>
+          <a:p>
+            <a:pPr marL="0" indent="0">
+              <a:buNone/>
+            </a:pPr>
+            <a:r>
+              <a:rPr lang="da-DK" dirty="0">
+                <a:latin typeface="Consolas"/>
+                <a:cs typeface="Consolas"/>
+              </a:rPr>
+              <a:t>     +-+-+-+-+-+-+-+-+-+-+-+-+-+-+-+-+-+-+-+-+-+-+-+-+-+-+-+-+-+-+-+-+</a:t>
+            </a:r>
+          </a:p>
+          <a:p>
+            <a:pPr marL="0" indent="0">
+              <a:buNone/>
+            </a:pPr>
+            <a:r>
+              <a:rPr lang="da-DK" dirty="0">
+                <a:latin typeface="Consolas"/>
+                <a:cs typeface="Consolas"/>
+              </a:rPr>
+              <a:t>     |                    Mask [16-47] (</a:t>
+            </a:r>
+            <a:r>
+              <a:rPr lang="da-DK" dirty="0" err="1">
+                <a:latin typeface="Consolas"/>
+                <a:cs typeface="Consolas"/>
+              </a:rPr>
+              <a:t>optional</a:t>
+            </a:r>
+            <a:r>
+              <a:rPr lang="da-DK" dirty="0">
+                <a:latin typeface="Consolas"/>
+                <a:cs typeface="Consolas"/>
+              </a:rPr>
+              <a:t>)                    |</a:t>
+            </a:r>
+          </a:p>
+          <a:p>
+            <a:pPr marL="0" indent="0">
+              <a:buNone/>
+            </a:pPr>
+            <a:r>
+              <a:rPr lang="da-DK" dirty="0">
+                <a:latin typeface="Consolas"/>
+                <a:cs typeface="Consolas"/>
+              </a:rPr>
+              <a:t>     +-+-+-+-+-+-+-+-+-+-+-+-+-+-+-+-+-+-+-+-+-+-+-+-+-+-+-+-+-+-+-+-+</a:t>
+            </a:r>
+          </a:p>
+          <a:p>
+            <a:pPr marL="0" indent="0">
+              <a:buNone/>
+            </a:pPr>
+            <a:r>
+              <a:rPr lang="da-DK" dirty="0">
+                <a:latin typeface="Consolas"/>
+                <a:cs typeface="Consolas"/>
+              </a:rPr>
+              <a:t>     |                                                               |</a:t>
+            </a:r>
+          </a:p>
+          <a:p>
+            <a:pPr marL="0" indent="0">
+              <a:buNone/>
+            </a:pPr>
+            <a:r>
+              <a:rPr lang="da-DK" dirty="0">
+                <a:latin typeface="Consolas"/>
+                <a:cs typeface="Consolas"/>
+              </a:rPr>
+              <a:t>     +                    Mask [48-111] (</a:t>
+            </a:r>
+            <a:r>
+              <a:rPr lang="da-DK" dirty="0" err="1">
+                <a:latin typeface="Consolas"/>
+                <a:cs typeface="Consolas"/>
+              </a:rPr>
+              <a:t>optional</a:t>
+            </a:r>
+            <a:r>
+              <a:rPr lang="da-DK" dirty="0">
+                <a:latin typeface="Consolas"/>
+                <a:cs typeface="Consolas"/>
+              </a:rPr>
+              <a:t>)                   +</a:t>
+            </a:r>
+          </a:p>
+          <a:p>
+            <a:pPr marL="0" indent="0">
+              <a:buNone/>
+            </a:pPr>
+            <a:r>
+              <a:rPr lang="da-DK" dirty="0">
+                <a:latin typeface="Consolas"/>
+                <a:cs typeface="Consolas"/>
+              </a:rPr>
+              <a:t>     |                                                               |</a:t>
+            </a:r>
+          </a:p>
+          <a:p>
+            <a:pPr marL="0" indent="0">
+              <a:buNone/>
+            </a:pPr>
+            <a:r>
+              <a:rPr lang="da-DK" dirty="0">
+                <a:latin typeface="Consolas"/>
+                <a:cs typeface="Consolas"/>
+              </a:rPr>
+              <a:t>     +-+-+-+-+-+-+-+-+-+-+-+-+-+-+-+-+-+-+-+-+-+-+-+-+-+-+-+-+-+-+-+-+</a:t>
+            </a:r>
+          </a:p>
+          <a:p>
+            <a:pPr marL="0" indent="0">
+              <a:buNone/>
+            </a:pPr>
+            <a:endParaRPr lang="en-US" dirty="0">
+              <a:latin typeface="Consolas"/>
+              <a:cs typeface="Consolas"/>
+            </a:endParaRPr>
+          </a:p>
+        </p:txBody>
+      </p:sp>
+    </p:spTree>
+    <p:extLst>
+      <p:ext uri="{BB962C8B-B14F-4D97-AF65-F5344CB8AC3E}">
+        <p14:creationId xmlns:p14="http://schemas.microsoft.com/office/powerpoint/2010/main" val="1905831712"/>
+      </p:ext>
+    </p:extLst>
+  </p:cSld>
+  <p:clrMapOvr>
+    <a:masterClrMapping/>
+  </p:clrMapOvr>
+</p:sld>
+</file>
+
+<file path=ppt/slides/slide9.xml><?xml version="1.0" encoding="utf-8"?>
+<p:sld xmlns:a="http://schemas.openxmlformats.org/drawingml/2006/main" xmlns:r="http://schemas.openxmlformats.org/officeDocument/2006/relationships" xmlns:p="http://schemas.openxmlformats.org/presentationml/2006/main">
+  <p:cSld>
+    <p:spTree>
+      <p:nvGrpSpPr>
+        <p:cNvPr id="1" name=""/>
+        <p:cNvGrpSpPr/>
+        <p:nvPr/>
+      </p:nvGrpSpPr>
+      <p:grpSpPr>
+        <a:xfrm>
+          <a:off x="0" y="0"/>
+          <a:ext cx="0" cy="0"/>
+          <a:chOff x="0" y="0"/>
+          <a:chExt cx="0" cy="0"/>
+        </a:xfrm>
+      </p:grpSpPr>
+      <p:sp>
+        <p:nvSpPr>
+          <p:cNvPr id="2" name="Title 1"/>
+          <p:cNvSpPr>
+            <a:spLocks noGrp="1"/>
+          </p:cNvSpPr>
+          <p:nvPr>
+            <p:ph type="title"/>
+          </p:nvPr>
+        </p:nvSpPr>
+        <p:spPr/>
+        <p:txBody>
+          <a:bodyPr/>
+          <a:lstStyle/>
+          <a:p>
+            <a:r>
+              <a:rPr lang="en-US" dirty="0" smtClean="0"/>
+              <a:t>MSK values (1/2)</a:t>
+            </a:r>
+            <a:endParaRPr lang="en-US" dirty="0"/>
+          </a:p>
+        </p:txBody>
+      </p:sp>
+      <p:sp>
+        <p:nvSpPr>
+          <p:cNvPr id="3" name="Content Placeholder 2"/>
+          <p:cNvSpPr>
+            <a:spLocks noGrp="1"/>
+          </p:cNvSpPr>
+          <p:nvPr>
+            <p:ph idx="1"/>
+          </p:nvPr>
+        </p:nvSpPr>
+        <p:spPr/>
+        <p:txBody>
+          <a:bodyPr>
+            <a:normAutofit/>
+          </a:bodyPr>
+          <a:lstStyle/>
+          <a:p>
+            <a:r>
+              <a:rPr lang="en-US" dirty="0" smtClean="0"/>
+              <a:t>00 </a:t>
+            </a:r>
+            <a:r>
+              <a:rPr lang="en-US" dirty="0" smtClean="0">
+                <a:sym typeface="Wingdings"/>
+              </a:rPr>
+              <a:t></a:t>
+            </a:r>
+            <a:r>
+              <a:rPr lang="en-US" dirty="0" smtClean="0"/>
+              <a:t> 16-bit mask</a:t>
+            </a:r>
+          </a:p>
+          <a:p>
+            <a:r>
+              <a:rPr lang="en-US" dirty="0" smtClean="0"/>
+              <a:t>01 </a:t>
+            </a:r>
+            <a:r>
+              <a:rPr lang="en-US" dirty="0" smtClean="0">
+                <a:sym typeface="Wingdings"/>
+              </a:rPr>
+              <a:t> 48-bit mask</a:t>
+            </a:r>
+          </a:p>
+          <a:p>
+            <a:r>
+              <a:rPr lang="en-US" dirty="0" smtClean="0">
+                <a:sym typeface="Wingdings"/>
+              </a:rPr>
+              <a:t>10  112-bit mask</a:t>
+            </a:r>
+          </a:p>
+          <a:p>
+            <a:r>
+              <a:rPr lang="en-US" dirty="0" smtClean="0">
+                <a:sym typeface="Wingdings"/>
+              </a:rPr>
+              <a:t>11  variable length mask, see M and N values</a:t>
+            </a:r>
+          </a:p>
+        </p:txBody>
+      </p:sp>
+    </p:spTree>
+    <p:extLst>
+      <p:ext uri="{BB962C8B-B14F-4D97-AF65-F5344CB8AC3E}">
+        <p14:creationId xmlns:p14="http://schemas.microsoft.com/office/powerpoint/2010/main" val="435676159"/>
       </p:ext>
     </p:extLst>
   </p:cSld>
